--- a/ppt meetings/March 2023/31.03.pptx
+++ b/ppt meetings/March 2023/31.03.pptx
@@ -79,19 +79,16 @@
             <a:noAutofit/>
           </a:bodyPr>
           <a:p>
+            <a:pPr algn="ctr">
+              <a:buNone/>
+            </a:pPr>
             <a:r>
-              <a:rPr b="0" lang="en-US" sz="1800" spc="-1" strike="noStrike">
-                <a:solidFill>
-                  <a:srgbClr val="000000"/>
-                </a:solidFill>
+              <a:rPr b="0" lang="en-GB" sz="4400" spc="-1" strike="noStrike">
                 <a:latin typeface="Arial"/>
               </a:rPr>
               <a:t>Click to move the slide</a:t>
             </a:r>
-            <a:endParaRPr b="0" lang="en-US" sz="1800" spc="-1" strike="noStrike">
-              <a:solidFill>
-                <a:srgbClr val="000000"/>
-              </a:solidFill>
+            <a:endParaRPr b="0" lang="en-GB" sz="4400" spc="-1" strike="noStrike">
               <a:latin typeface="Arial"/>
             </a:endParaRPr>
           </a:p>
@@ -314,7 +311,7 @@
             <a:pPr algn="r">
               <a:buNone/>
             </a:pPr>
-            <a:fld id="{BD55D9C3-93E0-40D0-86AF-138BA70B0D52}" type="slidenum">
+            <a:fld id="{DCCFE9AC-4CE0-422E-985B-A890EAC6C1B2}" type="slidenum">
               <a:rPr b="0" lang="en-GB" sz="1400" spc="-1" strike="noStrike">
                 <a:latin typeface="Times New Roman"/>
               </a:rPr>
@@ -362,7 +359,7 @@
         <p:spPr>
           <a:xfrm>
             <a:off x="573120" y="1336680"/>
-            <a:ext cx="6413040" cy="3607920"/>
+            <a:ext cx="6412680" cy="3607560"/>
           </a:xfrm>
           <a:prstGeom prst="rect">
             <a:avLst/>
@@ -385,18 +382,18 @@
         <p:spPr>
           <a:xfrm>
             <a:off x="755640" y="5145120"/>
-            <a:ext cx="6048000" cy="4209840"/>
-          </a:xfrm>
-          <a:prstGeom prst="rect">
-            <a:avLst/>
-          </a:prstGeom>
-          <a:noFill/>
-          <a:ln w="0">
-            <a:noFill/>
-          </a:ln>
-        </p:spPr>
-        <p:txBody>
-          <a:bodyPr anchor="t">
+            <a:ext cx="6047640" cy="4209480"/>
+          </a:xfrm>
+          <a:prstGeom prst="rect">
+            <a:avLst/>
+          </a:prstGeom>
+          <a:noFill/>
+          <a:ln w="0">
+            <a:noFill/>
+          </a:ln>
+        </p:spPr>
+        <p:txBody>
+          <a:bodyPr lIns="0" rIns="0" tIns="0" bIns="0" anchor="t">
             <a:noAutofit/>
           </a:bodyPr>
           <a:p>
@@ -419,18 +416,18 @@
         <p:spPr>
           <a:xfrm>
             <a:off x="4281480" y="10155240"/>
-            <a:ext cx="3276360" cy="536040"/>
-          </a:xfrm>
-          <a:prstGeom prst="rect">
-            <a:avLst/>
-          </a:prstGeom>
-          <a:noFill/>
-          <a:ln w="0">
-            <a:noFill/>
-          </a:ln>
-        </p:spPr>
-        <p:txBody>
-          <a:bodyPr anchor="b">
+            <a:ext cx="3276000" cy="535680"/>
+          </a:xfrm>
+          <a:prstGeom prst="rect">
+            <a:avLst/>
+          </a:prstGeom>
+          <a:noFill/>
+          <a:ln w="0">
+            <a:noFill/>
+          </a:ln>
+        </p:spPr>
+        <p:txBody>
+          <a:bodyPr lIns="0" rIns="0" tIns="0" bIns="0" anchor="b">
             <a:noAutofit/>
           </a:bodyPr>
           <a:lstStyle>
@@ -451,7 +448,7 @@
               </a:lnSpc>
               <a:buNone/>
             </a:pPr>
-            <a:fld id="{F653CF3E-E1C1-4DF0-9B74-53D395A56E64}" type="slidenum">
+            <a:fld id="{6FACC724-D8AF-4EB5-A11F-39F6FBA072AC}" type="slidenum">
               <a:rPr b="0" lang="en-US" sz="1200" spc="-1" strike="noStrike">
                 <a:latin typeface="Times New Roman"/>
               </a:rPr>
@@ -498,7 +495,7 @@
         <p:spPr>
           <a:xfrm>
             <a:off x="573120" y="1336680"/>
-            <a:ext cx="6413040" cy="3607920"/>
+            <a:ext cx="6412680" cy="3607560"/>
           </a:xfrm>
           <a:prstGeom prst="rect">
             <a:avLst/>
@@ -521,18 +518,18 @@
         <p:spPr>
           <a:xfrm>
             <a:off x="755640" y="5145120"/>
-            <a:ext cx="6048000" cy="4209840"/>
-          </a:xfrm>
-          <a:prstGeom prst="rect">
-            <a:avLst/>
-          </a:prstGeom>
-          <a:noFill/>
-          <a:ln w="0">
-            <a:noFill/>
-          </a:ln>
-        </p:spPr>
-        <p:txBody>
-          <a:bodyPr anchor="t">
+            <a:ext cx="6047640" cy="4209480"/>
+          </a:xfrm>
+          <a:prstGeom prst="rect">
+            <a:avLst/>
+          </a:prstGeom>
+          <a:noFill/>
+          <a:ln w="0">
+            <a:noFill/>
+          </a:ln>
+        </p:spPr>
+        <p:txBody>
+          <a:bodyPr lIns="0" rIns="0" tIns="0" bIns="0" anchor="t">
             <a:noAutofit/>
           </a:bodyPr>
           <a:p>
@@ -555,18 +552,18 @@
         <p:spPr>
           <a:xfrm>
             <a:off x="4281480" y="10155240"/>
-            <a:ext cx="3276360" cy="536040"/>
-          </a:xfrm>
-          <a:prstGeom prst="rect">
-            <a:avLst/>
-          </a:prstGeom>
-          <a:noFill/>
-          <a:ln w="0">
-            <a:noFill/>
-          </a:ln>
-        </p:spPr>
-        <p:txBody>
-          <a:bodyPr anchor="b">
+            <a:ext cx="3276000" cy="535680"/>
+          </a:xfrm>
+          <a:prstGeom prst="rect">
+            <a:avLst/>
+          </a:prstGeom>
+          <a:noFill/>
+          <a:ln w="0">
+            <a:noFill/>
+          </a:ln>
+        </p:spPr>
+        <p:txBody>
+          <a:bodyPr lIns="0" rIns="0" tIns="0" bIns="0" anchor="b">
             <a:noAutofit/>
           </a:bodyPr>
           <a:lstStyle>
@@ -587,7 +584,7 @@
               </a:lnSpc>
               <a:buNone/>
             </a:pPr>
-            <a:fld id="{FC9A8042-87FF-41B7-807C-860EFA5AF2BE}" type="slidenum">
+            <a:fld id="{3A522689-F21E-4059-9872-DFFDFE4EA069}" type="slidenum">
               <a:rPr b="0" lang="en-US" sz="1200" spc="-1" strike="noStrike">
                 <a:latin typeface="Times New Roman"/>
               </a:rPr>
@@ -634,7 +631,7 @@
         <p:spPr>
           <a:xfrm>
             <a:off x="573120" y="1336680"/>
-            <a:ext cx="6413040" cy="3607920"/>
+            <a:ext cx="6412680" cy="3607560"/>
           </a:xfrm>
           <a:prstGeom prst="rect">
             <a:avLst/>
@@ -657,18 +654,18 @@
         <p:spPr>
           <a:xfrm>
             <a:off x="755640" y="5145120"/>
-            <a:ext cx="6048000" cy="4209840"/>
-          </a:xfrm>
-          <a:prstGeom prst="rect">
-            <a:avLst/>
-          </a:prstGeom>
-          <a:noFill/>
-          <a:ln w="0">
-            <a:noFill/>
-          </a:ln>
-        </p:spPr>
-        <p:txBody>
-          <a:bodyPr anchor="t">
+            <a:ext cx="6047640" cy="4209480"/>
+          </a:xfrm>
+          <a:prstGeom prst="rect">
+            <a:avLst/>
+          </a:prstGeom>
+          <a:noFill/>
+          <a:ln w="0">
+            <a:noFill/>
+          </a:ln>
+        </p:spPr>
+        <p:txBody>
+          <a:bodyPr lIns="0" rIns="0" tIns="0" bIns="0" anchor="t">
             <a:noAutofit/>
           </a:bodyPr>
           <a:p>
@@ -691,18 +688,18 @@
         <p:spPr>
           <a:xfrm>
             <a:off x="4281480" y="10155240"/>
-            <a:ext cx="3276360" cy="536040"/>
-          </a:xfrm>
-          <a:prstGeom prst="rect">
-            <a:avLst/>
-          </a:prstGeom>
-          <a:noFill/>
-          <a:ln w="0">
-            <a:noFill/>
-          </a:ln>
-        </p:spPr>
-        <p:txBody>
-          <a:bodyPr anchor="b">
+            <a:ext cx="3276000" cy="535680"/>
+          </a:xfrm>
+          <a:prstGeom prst="rect">
+            <a:avLst/>
+          </a:prstGeom>
+          <a:noFill/>
+          <a:ln w="0">
+            <a:noFill/>
+          </a:ln>
+        </p:spPr>
+        <p:txBody>
+          <a:bodyPr lIns="0" rIns="0" tIns="0" bIns="0" anchor="b">
             <a:noAutofit/>
           </a:bodyPr>
           <a:lstStyle>
@@ -723,7 +720,7 @@
               </a:lnSpc>
               <a:buNone/>
             </a:pPr>
-            <a:fld id="{87AE73FE-B307-437A-B85A-188C172E2D89}" type="slidenum">
+            <a:fld id="{21252010-3621-47A9-8992-4C006F786E86}" type="slidenum">
               <a:rPr b="0" lang="en-US" sz="1200" spc="-1" strike="noStrike">
                 <a:latin typeface="Times New Roman"/>
               </a:rPr>
@@ -770,7 +767,7 @@
         <p:spPr>
           <a:xfrm>
             <a:off x="573120" y="1336680"/>
-            <a:ext cx="6413040" cy="3607920"/>
+            <a:ext cx="6412680" cy="3607560"/>
           </a:xfrm>
           <a:prstGeom prst="rect">
             <a:avLst/>
@@ -793,18 +790,18 @@
         <p:spPr>
           <a:xfrm>
             <a:off x="755640" y="5145120"/>
-            <a:ext cx="6048000" cy="4209840"/>
-          </a:xfrm>
-          <a:prstGeom prst="rect">
-            <a:avLst/>
-          </a:prstGeom>
-          <a:noFill/>
-          <a:ln w="0">
-            <a:noFill/>
-          </a:ln>
-        </p:spPr>
-        <p:txBody>
-          <a:bodyPr anchor="t">
+            <a:ext cx="6047640" cy="4209480"/>
+          </a:xfrm>
+          <a:prstGeom prst="rect">
+            <a:avLst/>
+          </a:prstGeom>
+          <a:noFill/>
+          <a:ln w="0">
+            <a:noFill/>
+          </a:ln>
+        </p:spPr>
+        <p:txBody>
+          <a:bodyPr lIns="0" rIns="0" tIns="0" bIns="0" anchor="t">
             <a:noAutofit/>
           </a:bodyPr>
           <a:p>
@@ -827,18 +824,18 @@
         <p:spPr>
           <a:xfrm>
             <a:off x="4281480" y="10155240"/>
-            <a:ext cx="3276360" cy="536040"/>
-          </a:xfrm>
-          <a:prstGeom prst="rect">
-            <a:avLst/>
-          </a:prstGeom>
-          <a:noFill/>
-          <a:ln w="0">
-            <a:noFill/>
-          </a:ln>
-        </p:spPr>
-        <p:txBody>
-          <a:bodyPr anchor="b">
+            <a:ext cx="3276000" cy="535680"/>
+          </a:xfrm>
+          <a:prstGeom prst="rect">
+            <a:avLst/>
+          </a:prstGeom>
+          <a:noFill/>
+          <a:ln w="0">
+            <a:noFill/>
+          </a:ln>
+        </p:spPr>
+        <p:txBody>
+          <a:bodyPr lIns="0" rIns="0" tIns="0" bIns="0" anchor="b">
             <a:noAutofit/>
           </a:bodyPr>
           <a:lstStyle>
@@ -859,7 +856,7 @@
               </a:lnSpc>
               <a:buNone/>
             </a:pPr>
-            <a:fld id="{B7AB18AC-1145-468B-8AD0-408A43C73F66}" type="slidenum">
+            <a:fld id="{ED65A21A-9950-49A2-AB13-5C07C5BB2CE9}" type="slidenum">
               <a:rPr b="0" lang="en-US" sz="1200" spc="-1" strike="noStrike">
                 <a:latin typeface="Times New Roman"/>
               </a:rPr>
@@ -906,7 +903,7 @@
         <p:spPr>
           <a:xfrm>
             <a:off x="573120" y="1336680"/>
-            <a:ext cx="6413040" cy="3607920"/>
+            <a:ext cx="6412680" cy="3607560"/>
           </a:xfrm>
           <a:prstGeom prst="rect">
             <a:avLst/>
@@ -929,18 +926,18 @@
         <p:spPr>
           <a:xfrm>
             <a:off x="755640" y="5145120"/>
-            <a:ext cx="6048000" cy="4209840"/>
-          </a:xfrm>
-          <a:prstGeom prst="rect">
-            <a:avLst/>
-          </a:prstGeom>
-          <a:noFill/>
-          <a:ln w="0">
-            <a:noFill/>
-          </a:ln>
-        </p:spPr>
-        <p:txBody>
-          <a:bodyPr anchor="t">
+            <a:ext cx="6047640" cy="4209480"/>
+          </a:xfrm>
+          <a:prstGeom prst="rect">
+            <a:avLst/>
+          </a:prstGeom>
+          <a:noFill/>
+          <a:ln w="0">
+            <a:noFill/>
+          </a:ln>
+        </p:spPr>
+        <p:txBody>
+          <a:bodyPr lIns="0" rIns="0" tIns="0" bIns="0" anchor="t">
             <a:noAutofit/>
           </a:bodyPr>
           <a:p>
@@ -963,18 +960,18 @@
         <p:spPr>
           <a:xfrm>
             <a:off x="4281480" y="10155240"/>
-            <a:ext cx="3276360" cy="536040"/>
-          </a:xfrm>
-          <a:prstGeom prst="rect">
-            <a:avLst/>
-          </a:prstGeom>
-          <a:noFill/>
-          <a:ln w="0">
-            <a:noFill/>
-          </a:ln>
-        </p:spPr>
-        <p:txBody>
-          <a:bodyPr anchor="b">
+            <a:ext cx="3276000" cy="535680"/>
+          </a:xfrm>
+          <a:prstGeom prst="rect">
+            <a:avLst/>
+          </a:prstGeom>
+          <a:noFill/>
+          <a:ln w="0">
+            <a:noFill/>
+          </a:ln>
+        </p:spPr>
+        <p:txBody>
+          <a:bodyPr lIns="0" rIns="0" tIns="0" bIns="0" anchor="b">
             <a:noAutofit/>
           </a:bodyPr>
           <a:lstStyle>
@@ -995,7 +992,7 @@
               </a:lnSpc>
               <a:buNone/>
             </a:pPr>
-            <a:fld id="{87566CF7-2467-4F64-A1EB-0F1EED26F884}" type="slidenum">
+            <a:fld id="{AA3147AD-9379-41CB-8243-EFF4B25E25C5}" type="slidenum">
               <a:rPr b="0" lang="en-US" sz="1200" spc="-1" strike="noStrike">
                 <a:latin typeface="Times New Roman"/>
               </a:rPr>
@@ -1042,7 +1039,7 @@
         <p:spPr>
           <a:xfrm>
             <a:off x="573120" y="1336680"/>
-            <a:ext cx="6413040" cy="3607920"/>
+            <a:ext cx="6412680" cy="3607560"/>
           </a:xfrm>
           <a:prstGeom prst="rect">
             <a:avLst/>
@@ -1065,18 +1062,18 @@
         <p:spPr>
           <a:xfrm>
             <a:off x="755640" y="5145120"/>
-            <a:ext cx="6048000" cy="4209840"/>
-          </a:xfrm>
-          <a:prstGeom prst="rect">
-            <a:avLst/>
-          </a:prstGeom>
-          <a:noFill/>
-          <a:ln w="0">
-            <a:noFill/>
-          </a:ln>
-        </p:spPr>
-        <p:txBody>
-          <a:bodyPr anchor="t">
+            <a:ext cx="6047640" cy="4209480"/>
+          </a:xfrm>
+          <a:prstGeom prst="rect">
+            <a:avLst/>
+          </a:prstGeom>
+          <a:noFill/>
+          <a:ln w="0">
+            <a:noFill/>
+          </a:ln>
+        </p:spPr>
+        <p:txBody>
+          <a:bodyPr lIns="0" rIns="0" tIns="0" bIns="0" anchor="t">
             <a:noAutofit/>
           </a:bodyPr>
           <a:p>
@@ -1099,18 +1096,18 @@
         <p:spPr>
           <a:xfrm>
             <a:off x="4281480" y="10155240"/>
-            <a:ext cx="3276360" cy="536040"/>
-          </a:xfrm>
-          <a:prstGeom prst="rect">
-            <a:avLst/>
-          </a:prstGeom>
-          <a:noFill/>
-          <a:ln w="0">
-            <a:noFill/>
-          </a:ln>
-        </p:spPr>
-        <p:txBody>
-          <a:bodyPr anchor="b">
+            <a:ext cx="3276000" cy="535680"/>
+          </a:xfrm>
+          <a:prstGeom prst="rect">
+            <a:avLst/>
+          </a:prstGeom>
+          <a:noFill/>
+          <a:ln w="0">
+            <a:noFill/>
+          </a:ln>
+        </p:spPr>
+        <p:txBody>
+          <a:bodyPr lIns="0" rIns="0" tIns="0" bIns="0" anchor="b">
             <a:noAutofit/>
           </a:bodyPr>
           <a:lstStyle>
@@ -1131,7 +1128,7 @@
               </a:lnSpc>
               <a:buNone/>
             </a:pPr>
-            <a:fld id="{A5AD2D6E-CBF8-4734-B6CB-D4645ADE2B18}" type="slidenum">
+            <a:fld id="{44DC5FB6-BAB3-4A3D-AEC3-E2CBAFC77604}" type="slidenum">
               <a:rPr b="0" lang="en-US" sz="1200" spc="-1" strike="noStrike">
                 <a:latin typeface="Times New Roman"/>
               </a:rPr>
@@ -1178,7 +1175,7 @@
         <p:spPr>
           <a:xfrm>
             <a:off x="573120" y="1336680"/>
-            <a:ext cx="6413040" cy="3607920"/>
+            <a:ext cx="6412680" cy="3607560"/>
           </a:xfrm>
           <a:prstGeom prst="rect">
             <a:avLst/>
@@ -1201,18 +1198,18 @@
         <p:spPr>
           <a:xfrm>
             <a:off x="755640" y="5145120"/>
-            <a:ext cx="6048000" cy="4209840"/>
-          </a:xfrm>
-          <a:prstGeom prst="rect">
-            <a:avLst/>
-          </a:prstGeom>
-          <a:noFill/>
-          <a:ln w="0">
-            <a:noFill/>
-          </a:ln>
-        </p:spPr>
-        <p:txBody>
-          <a:bodyPr anchor="t">
+            <a:ext cx="6047640" cy="4209480"/>
+          </a:xfrm>
+          <a:prstGeom prst="rect">
+            <a:avLst/>
+          </a:prstGeom>
+          <a:noFill/>
+          <a:ln w="0">
+            <a:noFill/>
+          </a:ln>
+        </p:spPr>
+        <p:txBody>
+          <a:bodyPr lIns="0" rIns="0" tIns="0" bIns="0" anchor="t">
             <a:noAutofit/>
           </a:bodyPr>
           <a:p>
@@ -1235,18 +1232,18 @@
         <p:spPr>
           <a:xfrm>
             <a:off x="4281480" y="10155240"/>
-            <a:ext cx="3276360" cy="536040"/>
-          </a:xfrm>
-          <a:prstGeom prst="rect">
-            <a:avLst/>
-          </a:prstGeom>
-          <a:noFill/>
-          <a:ln w="0">
-            <a:noFill/>
-          </a:ln>
-        </p:spPr>
-        <p:txBody>
-          <a:bodyPr anchor="b">
+            <a:ext cx="3276000" cy="535680"/>
+          </a:xfrm>
+          <a:prstGeom prst="rect">
+            <a:avLst/>
+          </a:prstGeom>
+          <a:noFill/>
+          <a:ln w="0">
+            <a:noFill/>
+          </a:ln>
+        </p:spPr>
+        <p:txBody>
+          <a:bodyPr lIns="0" rIns="0" tIns="0" bIns="0" anchor="b">
             <a:noAutofit/>
           </a:bodyPr>
           <a:lstStyle>
@@ -1267,7 +1264,7 @@
               </a:lnSpc>
               <a:buNone/>
             </a:pPr>
-            <a:fld id="{E6AA08B4-258B-419D-8EC5-F196DCB5A2A8}" type="slidenum">
+            <a:fld id="{25F8F5B9-2E97-40D6-A4CE-473C9A22322C}" type="slidenum">
               <a:rPr b="0" lang="en-US" sz="1200" spc="-1" strike="noStrike">
                 <a:latin typeface="Times New Roman"/>
               </a:rPr>
@@ -1314,7 +1311,7 @@
         <p:spPr>
           <a:xfrm>
             <a:off x="573120" y="1336680"/>
-            <a:ext cx="6413040" cy="3607920"/>
+            <a:ext cx="6412680" cy="3607560"/>
           </a:xfrm>
           <a:prstGeom prst="rect">
             <a:avLst/>
@@ -1337,18 +1334,18 @@
         <p:spPr>
           <a:xfrm>
             <a:off x="755640" y="5145120"/>
-            <a:ext cx="6048000" cy="4209840"/>
-          </a:xfrm>
-          <a:prstGeom prst="rect">
-            <a:avLst/>
-          </a:prstGeom>
-          <a:noFill/>
-          <a:ln w="0">
-            <a:noFill/>
-          </a:ln>
-        </p:spPr>
-        <p:txBody>
-          <a:bodyPr anchor="t">
+            <a:ext cx="6047640" cy="4209480"/>
+          </a:xfrm>
+          <a:prstGeom prst="rect">
+            <a:avLst/>
+          </a:prstGeom>
+          <a:noFill/>
+          <a:ln w="0">
+            <a:noFill/>
+          </a:ln>
+        </p:spPr>
+        <p:txBody>
+          <a:bodyPr lIns="0" rIns="0" tIns="0" bIns="0" anchor="t">
             <a:noAutofit/>
           </a:bodyPr>
           <a:p>
@@ -1371,18 +1368,18 @@
         <p:spPr>
           <a:xfrm>
             <a:off x="4281480" y="10155240"/>
-            <a:ext cx="3276360" cy="536040"/>
-          </a:xfrm>
-          <a:prstGeom prst="rect">
-            <a:avLst/>
-          </a:prstGeom>
-          <a:noFill/>
-          <a:ln w="0">
-            <a:noFill/>
-          </a:ln>
-        </p:spPr>
-        <p:txBody>
-          <a:bodyPr anchor="b">
+            <a:ext cx="3276000" cy="535680"/>
+          </a:xfrm>
+          <a:prstGeom prst="rect">
+            <a:avLst/>
+          </a:prstGeom>
+          <a:noFill/>
+          <a:ln w="0">
+            <a:noFill/>
+          </a:ln>
+        </p:spPr>
+        <p:txBody>
+          <a:bodyPr lIns="0" rIns="0" tIns="0" bIns="0" anchor="b">
             <a:noAutofit/>
           </a:bodyPr>
           <a:lstStyle>
@@ -1403,7 +1400,7 @@
               </a:lnSpc>
               <a:buNone/>
             </a:pPr>
-            <a:fld id="{2636D112-DEE1-4980-A624-9EAE352D6FB0}" type="slidenum">
+            <a:fld id="{AFFA6F99-295A-4024-BF14-ECEE2C77C0B9}" type="slidenum">
               <a:rPr b="0" lang="en-US" sz="1200" spc="-1" strike="noStrike">
                 <a:latin typeface="Times New Roman"/>
               </a:rPr>
@@ -1450,7 +1447,7 @@
         <p:spPr>
           <a:xfrm>
             <a:off x="573120" y="1336680"/>
-            <a:ext cx="6413040" cy="3607920"/>
+            <a:ext cx="6412680" cy="3607560"/>
           </a:xfrm>
           <a:prstGeom prst="rect">
             <a:avLst/>
@@ -1473,18 +1470,18 @@
         <p:spPr>
           <a:xfrm>
             <a:off x="755640" y="5145120"/>
-            <a:ext cx="6048000" cy="4209840"/>
-          </a:xfrm>
-          <a:prstGeom prst="rect">
-            <a:avLst/>
-          </a:prstGeom>
-          <a:noFill/>
-          <a:ln w="0">
-            <a:noFill/>
-          </a:ln>
-        </p:spPr>
-        <p:txBody>
-          <a:bodyPr anchor="t">
+            <a:ext cx="6047640" cy="4209480"/>
+          </a:xfrm>
+          <a:prstGeom prst="rect">
+            <a:avLst/>
+          </a:prstGeom>
+          <a:noFill/>
+          <a:ln w="0">
+            <a:noFill/>
+          </a:ln>
+        </p:spPr>
+        <p:txBody>
+          <a:bodyPr lIns="0" rIns="0" tIns="0" bIns="0" anchor="t">
             <a:noAutofit/>
           </a:bodyPr>
           <a:p>
@@ -1507,18 +1504,18 @@
         <p:spPr>
           <a:xfrm>
             <a:off x="4281480" y="10155240"/>
-            <a:ext cx="3276360" cy="536040"/>
-          </a:xfrm>
-          <a:prstGeom prst="rect">
-            <a:avLst/>
-          </a:prstGeom>
-          <a:noFill/>
-          <a:ln w="0">
-            <a:noFill/>
-          </a:ln>
-        </p:spPr>
-        <p:txBody>
-          <a:bodyPr anchor="b">
+            <a:ext cx="3276000" cy="535680"/>
+          </a:xfrm>
+          <a:prstGeom prst="rect">
+            <a:avLst/>
+          </a:prstGeom>
+          <a:noFill/>
+          <a:ln w="0">
+            <a:noFill/>
+          </a:ln>
+        </p:spPr>
+        <p:txBody>
+          <a:bodyPr lIns="0" rIns="0" tIns="0" bIns="0" anchor="b">
             <a:noAutofit/>
           </a:bodyPr>
           <a:lstStyle>
@@ -1539,7 +1536,7 @@
               </a:lnSpc>
               <a:buNone/>
             </a:pPr>
-            <a:fld id="{988EC774-6BC0-4C9E-95BA-574F2A132664}" type="slidenum">
+            <a:fld id="{709C0F4B-062C-41BD-ADBA-55A6A7FCBBD4}" type="slidenum">
               <a:rPr b="0" lang="en-US" sz="1200" spc="-1" strike="noStrike">
                 <a:latin typeface="Times New Roman"/>
               </a:rPr>
@@ -1586,7 +1583,7 @@
         <p:spPr>
           <a:xfrm>
             <a:off x="573120" y="1336680"/>
-            <a:ext cx="6413040" cy="3607920"/>
+            <a:ext cx="6412680" cy="3607560"/>
           </a:xfrm>
           <a:prstGeom prst="rect">
             <a:avLst/>
@@ -1609,18 +1606,18 @@
         <p:spPr>
           <a:xfrm>
             <a:off x="755640" y="5145120"/>
-            <a:ext cx="6048000" cy="4209840"/>
-          </a:xfrm>
-          <a:prstGeom prst="rect">
-            <a:avLst/>
-          </a:prstGeom>
-          <a:noFill/>
-          <a:ln w="0">
-            <a:noFill/>
-          </a:ln>
-        </p:spPr>
-        <p:txBody>
-          <a:bodyPr anchor="t">
+            <a:ext cx="6047640" cy="4209480"/>
+          </a:xfrm>
+          <a:prstGeom prst="rect">
+            <a:avLst/>
+          </a:prstGeom>
+          <a:noFill/>
+          <a:ln w="0">
+            <a:noFill/>
+          </a:ln>
+        </p:spPr>
+        <p:txBody>
+          <a:bodyPr lIns="0" rIns="0" tIns="0" bIns="0" anchor="t">
             <a:noAutofit/>
           </a:bodyPr>
           <a:p>
@@ -1643,18 +1640,18 @@
         <p:spPr>
           <a:xfrm>
             <a:off x="4281480" y="10155240"/>
-            <a:ext cx="3276360" cy="536040"/>
-          </a:xfrm>
-          <a:prstGeom prst="rect">
-            <a:avLst/>
-          </a:prstGeom>
-          <a:noFill/>
-          <a:ln w="0">
-            <a:noFill/>
-          </a:ln>
-        </p:spPr>
-        <p:txBody>
-          <a:bodyPr anchor="b">
+            <a:ext cx="3276000" cy="535680"/>
+          </a:xfrm>
+          <a:prstGeom prst="rect">
+            <a:avLst/>
+          </a:prstGeom>
+          <a:noFill/>
+          <a:ln w="0">
+            <a:noFill/>
+          </a:ln>
+        </p:spPr>
+        <p:txBody>
+          <a:bodyPr lIns="0" rIns="0" tIns="0" bIns="0" anchor="b">
             <a:noAutofit/>
           </a:bodyPr>
           <a:lstStyle>
@@ -1675,7 +1672,7 @@
               </a:lnSpc>
               <a:buNone/>
             </a:pPr>
-            <a:fld id="{7E8709FC-91FD-406C-99EC-9015FEF3DC07}" type="slidenum">
+            <a:fld id="{762A6FBB-E2D8-4E6E-8CE6-36C1E781E9CE}" type="slidenum">
               <a:rPr b="0" lang="en-US" sz="1200" spc="-1" strike="noStrike">
                 <a:latin typeface="Times New Roman"/>
               </a:rPr>
@@ -1722,7 +1719,7 @@
         <p:spPr>
           <a:xfrm>
             <a:off x="573120" y="1336680"/>
-            <a:ext cx="6413040" cy="3607920"/>
+            <a:ext cx="6412680" cy="3607560"/>
           </a:xfrm>
           <a:prstGeom prst="rect">
             <a:avLst/>
@@ -1745,18 +1742,18 @@
         <p:spPr>
           <a:xfrm>
             <a:off x="755640" y="5145120"/>
-            <a:ext cx="6048000" cy="4209840"/>
-          </a:xfrm>
-          <a:prstGeom prst="rect">
-            <a:avLst/>
-          </a:prstGeom>
-          <a:noFill/>
-          <a:ln w="0">
-            <a:noFill/>
-          </a:ln>
-        </p:spPr>
-        <p:txBody>
-          <a:bodyPr anchor="t">
+            <a:ext cx="6047640" cy="4209480"/>
+          </a:xfrm>
+          <a:prstGeom prst="rect">
+            <a:avLst/>
+          </a:prstGeom>
+          <a:noFill/>
+          <a:ln w="0">
+            <a:noFill/>
+          </a:ln>
+        </p:spPr>
+        <p:txBody>
+          <a:bodyPr lIns="0" rIns="0" tIns="0" bIns="0" anchor="t">
             <a:noAutofit/>
           </a:bodyPr>
           <a:p>
@@ -1779,18 +1776,18 @@
         <p:spPr>
           <a:xfrm>
             <a:off x="4281480" y="10155240"/>
-            <a:ext cx="3276360" cy="536040"/>
-          </a:xfrm>
-          <a:prstGeom prst="rect">
-            <a:avLst/>
-          </a:prstGeom>
-          <a:noFill/>
-          <a:ln w="0">
-            <a:noFill/>
-          </a:ln>
-        </p:spPr>
-        <p:txBody>
-          <a:bodyPr anchor="b">
+            <a:ext cx="3276000" cy="535680"/>
+          </a:xfrm>
+          <a:prstGeom prst="rect">
+            <a:avLst/>
+          </a:prstGeom>
+          <a:noFill/>
+          <a:ln w="0">
+            <a:noFill/>
+          </a:ln>
+        </p:spPr>
+        <p:txBody>
+          <a:bodyPr lIns="0" rIns="0" tIns="0" bIns="0" anchor="b">
             <a:noAutofit/>
           </a:bodyPr>
           <a:lstStyle>
@@ -1811,7 +1808,7 @@
               </a:lnSpc>
               <a:buNone/>
             </a:pPr>
-            <a:fld id="{34CF6C64-A81C-4D6F-82FE-9CEFF8035CDE}" type="slidenum">
+            <a:fld id="{8BE07B6B-9967-43BD-BE4A-2D68284B1325}" type="slidenum">
               <a:rPr b="0" lang="en-US" sz="1200" spc="-1" strike="noStrike">
                 <a:latin typeface="Times New Roman"/>
               </a:rPr>
@@ -1879,7 +1876,7 @@
         <p:txBody>
           <a:bodyPr/>
           <a:p>
-            <a:fld id="{4B74AA21-9EE0-4EF1-9749-82E32B8FEF6E}" type="slidenum">
+            <a:fld id="{BC08467C-0AB8-42EC-837B-A5630EF82330}" type="slidenum">
               <a:t>&lt;#&gt;</a:t>
             </a:fld>
           </a:p>
@@ -1941,7 +1938,7 @@
         <p:spPr>
           <a:xfrm>
             <a:off x="609480" y="273600"/>
-            <a:ext cx="10972080" cy="1144440"/>
+            <a:ext cx="10972440" cy="1144800"/>
           </a:xfrm>
           <a:prstGeom prst="rect">
             <a:avLst/>
@@ -1956,10 +1953,10 @@
             <a:noAutofit/>
           </a:bodyPr>
           <a:p>
-            <a:endParaRPr b="0" lang="en-US" sz="1800" spc="-1" strike="noStrike">
-              <a:solidFill>
-                <a:srgbClr val="000000"/>
-              </a:solidFill>
+            <a:pPr algn="ctr">
+              <a:buNone/>
+            </a:pPr>
+            <a:endParaRPr b="0" lang="en-GB" sz="4400" spc="-1" strike="noStrike">
               <a:latin typeface="Arial"/>
             </a:endParaRPr>
           </a:p>
@@ -1978,7 +1975,7 @@
         <p:spPr>
           <a:xfrm>
             <a:off x="609480" y="1604520"/>
-            <a:ext cx="10972080" cy="1896840"/>
+            <a:ext cx="10972440" cy="1896840"/>
           </a:xfrm>
           <a:prstGeom prst="rect">
             <a:avLst/>
@@ -1993,19 +1990,7 @@
             <a:normAutofit/>
           </a:bodyPr>
           <a:p>
-            <a:pPr>
-              <a:lnSpc>
-                <a:spcPct val="90000"/>
-              </a:lnSpc>
-              <a:spcBef>
-                <a:spcPts val="1417"/>
-              </a:spcBef>
-              <a:buNone/>
-            </a:pPr>
-            <a:endParaRPr b="0" lang="en-US" sz="2800" spc="-1" strike="noStrike">
-              <a:solidFill>
-                <a:srgbClr val="000000"/>
-              </a:solidFill>
+            <a:endParaRPr b="0" lang="en-GB" sz="3200" spc="-1" strike="noStrike">
               <a:latin typeface="Arial"/>
             </a:endParaRPr>
           </a:p>
@@ -2024,7 +2009,7 @@
         <p:spPr>
           <a:xfrm>
             <a:off x="609480" y="3682080"/>
-            <a:ext cx="10972080" cy="1896840"/>
+            <a:ext cx="10972440" cy="1896840"/>
           </a:xfrm>
           <a:prstGeom prst="rect">
             <a:avLst/>
@@ -2039,19 +2024,7 @@
             <a:normAutofit/>
           </a:bodyPr>
           <a:p>
-            <a:pPr>
-              <a:lnSpc>
-                <a:spcPct val="90000"/>
-              </a:lnSpc>
-              <a:spcBef>
-                <a:spcPts val="1417"/>
-              </a:spcBef>
-              <a:buNone/>
-            </a:pPr>
-            <a:endParaRPr b="0" lang="en-US" sz="2800" spc="-1" strike="noStrike">
-              <a:solidFill>
-                <a:srgbClr val="000000"/>
-              </a:solidFill>
+            <a:endParaRPr b="0" lang="en-GB" sz="3200" spc="-1" strike="noStrike">
               <a:latin typeface="Arial"/>
             </a:endParaRPr>
           </a:p>
@@ -2091,7 +2064,7 @@
         <p:txBody>
           <a:bodyPr/>
           <a:p>
-            <a:fld id="{097B791A-8EBD-4AF5-ABB8-DDEA386AF7A2}" type="slidenum">
+            <a:fld id="{9CD91913-C93A-4FEE-88AE-97728ED2B89C}" type="slidenum">
               <a:t>&lt;#&gt;</a:t>
             </a:fld>
           </a:p>
@@ -2153,7 +2126,7 @@
         <p:spPr>
           <a:xfrm>
             <a:off x="609480" y="273600"/>
-            <a:ext cx="10972080" cy="1144440"/>
+            <a:ext cx="10972440" cy="1144800"/>
           </a:xfrm>
           <a:prstGeom prst="rect">
             <a:avLst/>
@@ -2168,10 +2141,10 @@
             <a:noAutofit/>
           </a:bodyPr>
           <a:p>
-            <a:endParaRPr b="0" lang="en-US" sz="1800" spc="-1" strike="noStrike">
-              <a:solidFill>
-                <a:srgbClr val="000000"/>
-              </a:solidFill>
+            <a:pPr algn="ctr">
+              <a:buNone/>
+            </a:pPr>
+            <a:endParaRPr b="0" lang="en-GB" sz="4400" spc="-1" strike="noStrike">
               <a:latin typeface="Arial"/>
             </a:endParaRPr>
           </a:p>
@@ -2205,19 +2178,7 @@
             <a:normAutofit/>
           </a:bodyPr>
           <a:p>
-            <a:pPr>
-              <a:lnSpc>
-                <a:spcPct val="90000"/>
-              </a:lnSpc>
-              <a:spcBef>
-                <a:spcPts val="1417"/>
-              </a:spcBef>
-              <a:buNone/>
-            </a:pPr>
-            <a:endParaRPr b="0" lang="en-US" sz="2800" spc="-1" strike="noStrike">
-              <a:solidFill>
-                <a:srgbClr val="000000"/>
-              </a:solidFill>
+            <a:endParaRPr b="0" lang="en-GB" sz="3200" spc="-1" strike="noStrike">
               <a:latin typeface="Arial"/>
             </a:endParaRPr>
           </a:p>
@@ -2251,19 +2212,7 @@
             <a:normAutofit/>
           </a:bodyPr>
           <a:p>
-            <a:pPr>
-              <a:lnSpc>
-                <a:spcPct val="90000"/>
-              </a:lnSpc>
-              <a:spcBef>
-                <a:spcPts val="1417"/>
-              </a:spcBef>
-              <a:buNone/>
-            </a:pPr>
-            <a:endParaRPr b="0" lang="en-US" sz="2800" spc="-1" strike="noStrike">
-              <a:solidFill>
-                <a:srgbClr val="000000"/>
-              </a:solidFill>
+            <a:endParaRPr b="0" lang="en-GB" sz="3200" spc="-1" strike="noStrike">
               <a:latin typeface="Arial"/>
             </a:endParaRPr>
           </a:p>
@@ -2297,19 +2246,7 @@
             <a:normAutofit/>
           </a:bodyPr>
           <a:p>
-            <a:pPr>
-              <a:lnSpc>
-                <a:spcPct val="90000"/>
-              </a:lnSpc>
-              <a:spcBef>
-                <a:spcPts val="1417"/>
-              </a:spcBef>
-              <a:buNone/>
-            </a:pPr>
-            <a:endParaRPr b="0" lang="en-US" sz="2800" spc="-1" strike="noStrike">
-              <a:solidFill>
-                <a:srgbClr val="000000"/>
-              </a:solidFill>
+            <a:endParaRPr b="0" lang="en-GB" sz="3200" spc="-1" strike="noStrike">
               <a:latin typeface="Arial"/>
             </a:endParaRPr>
           </a:p>
@@ -2343,19 +2280,7 @@
             <a:normAutofit/>
           </a:bodyPr>
           <a:p>
-            <a:pPr>
-              <a:lnSpc>
-                <a:spcPct val="90000"/>
-              </a:lnSpc>
-              <a:spcBef>
-                <a:spcPts val="1417"/>
-              </a:spcBef>
-              <a:buNone/>
-            </a:pPr>
-            <a:endParaRPr b="0" lang="en-US" sz="2800" spc="-1" strike="noStrike">
-              <a:solidFill>
-                <a:srgbClr val="000000"/>
-              </a:solidFill>
+            <a:endParaRPr b="0" lang="en-GB" sz="3200" spc="-1" strike="noStrike">
               <a:latin typeface="Arial"/>
             </a:endParaRPr>
           </a:p>
@@ -2395,7 +2320,7 @@
         <p:txBody>
           <a:bodyPr/>
           <a:p>
-            <a:fld id="{5A4A28D2-CB6C-4792-B516-795B1355A532}" type="slidenum">
+            <a:fld id="{787DFC44-0B3F-4695-9FFA-D1361A96C91B}" type="slidenum">
               <a:t>&lt;#&gt;</a:t>
             </a:fld>
           </a:p>
@@ -2457,7 +2382,7 @@
         <p:spPr>
           <a:xfrm>
             <a:off x="609480" y="273600"/>
-            <a:ext cx="10972080" cy="1144440"/>
+            <a:ext cx="10972440" cy="1144800"/>
           </a:xfrm>
           <a:prstGeom prst="rect">
             <a:avLst/>
@@ -2472,10 +2397,10 @@
             <a:noAutofit/>
           </a:bodyPr>
           <a:p>
-            <a:endParaRPr b="0" lang="en-US" sz="1800" spc="-1" strike="noStrike">
-              <a:solidFill>
-                <a:srgbClr val="000000"/>
-              </a:solidFill>
+            <a:pPr algn="ctr">
+              <a:buNone/>
+            </a:pPr>
+            <a:endParaRPr b="0" lang="en-GB" sz="4400" spc="-1" strike="noStrike">
               <a:latin typeface="Arial"/>
             </a:endParaRPr>
           </a:p>
@@ -2494,7 +2419,7 @@
         <p:spPr>
           <a:xfrm>
             <a:off x="609480" y="1604520"/>
-            <a:ext cx="3532680" cy="1896840"/>
+            <a:ext cx="3533040" cy="1896840"/>
           </a:xfrm>
           <a:prstGeom prst="rect">
             <a:avLst/>
@@ -2509,19 +2434,7 @@
             <a:normAutofit/>
           </a:bodyPr>
           <a:p>
-            <a:pPr>
-              <a:lnSpc>
-                <a:spcPct val="90000"/>
-              </a:lnSpc>
-              <a:spcBef>
-                <a:spcPts val="1417"/>
-              </a:spcBef>
-              <a:buNone/>
-            </a:pPr>
-            <a:endParaRPr b="0" lang="en-US" sz="2800" spc="-1" strike="noStrike">
-              <a:solidFill>
-                <a:srgbClr val="000000"/>
-              </a:solidFill>
+            <a:endParaRPr b="0" lang="en-GB" sz="3200" spc="-1" strike="noStrike">
               <a:latin typeface="Arial"/>
             </a:endParaRPr>
           </a:p>
@@ -2539,8 +2452,8 @@
         </p:nvSpPr>
         <p:spPr>
           <a:xfrm>
-            <a:off x="4319280" y="1604520"/>
-            <a:ext cx="3532680" cy="1896840"/>
+            <a:off x="4319640" y="1604520"/>
+            <a:ext cx="3533040" cy="1896840"/>
           </a:xfrm>
           <a:prstGeom prst="rect">
             <a:avLst/>
@@ -2555,19 +2468,7 @@
             <a:normAutofit/>
           </a:bodyPr>
           <a:p>
-            <a:pPr>
-              <a:lnSpc>
-                <a:spcPct val="90000"/>
-              </a:lnSpc>
-              <a:spcBef>
-                <a:spcPts val="1417"/>
-              </a:spcBef>
-              <a:buNone/>
-            </a:pPr>
-            <a:endParaRPr b="0" lang="en-US" sz="2800" spc="-1" strike="noStrike">
-              <a:solidFill>
-                <a:srgbClr val="000000"/>
-              </a:solidFill>
+            <a:endParaRPr b="0" lang="en-GB" sz="3200" spc="-1" strike="noStrike">
               <a:latin typeface="Arial"/>
             </a:endParaRPr>
           </a:p>
@@ -2585,8 +2486,8 @@
         </p:nvSpPr>
         <p:spPr>
           <a:xfrm>
-            <a:off x="8028720" y="1604520"/>
-            <a:ext cx="3532680" cy="1896840"/>
+            <a:off x="8029800" y="1604520"/>
+            <a:ext cx="3533040" cy="1896840"/>
           </a:xfrm>
           <a:prstGeom prst="rect">
             <a:avLst/>
@@ -2601,19 +2502,7 @@
             <a:normAutofit/>
           </a:bodyPr>
           <a:p>
-            <a:pPr>
-              <a:lnSpc>
-                <a:spcPct val="90000"/>
-              </a:lnSpc>
-              <a:spcBef>
-                <a:spcPts val="1417"/>
-              </a:spcBef>
-              <a:buNone/>
-            </a:pPr>
-            <a:endParaRPr b="0" lang="en-US" sz="2800" spc="-1" strike="noStrike">
-              <a:solidFill>
-                <a:srgbClr val="000000"/>
-              </a:solidFill>
+            <a:endParaRPr b="0" lang="en-GB" sz="3200" spc="-1" strike="noStrike">
               <a:latin typeface="Arial"/>
             </a:endParaRPr>
           </a:p>
@@ -2632,7 +2521,7 @@
         <p:spPr>
           <a:xfrm>
             <a:off x="609480" y="3682080"/>
-            <a:ext cx="3532680" cy="1896840"/>
+            <a:ext cx="3533040" cy="1896840"/>
           </a:xfrm>
           <a:prstGeom prst="rect">
             <a:avLst/>
@@ -2647,19 +2536,7 @@
             <a:normAutofit/>
           </a:bodyPr>
           <a:p>
-            <a:pPr>
-              <a:lnSpc>
-                <a:spcPct val="90000"/>
-              </a:lnSpc>
-              <a:spcBef>
-                <a:spcPts val="1417"/>
-              </a:spcBef>
-              <a:buNone/>
-            </a:pPr>
-            <a:endParaRPr b="0" lang="en-US" sz="2800" spc="-1" strike="noStrike">
-              <a:solidFill>
-                <a:srgbClr val="000000"/>
-              </a:solidFill>
+            <a:endParaRPr b="0" lang="en-GB" sz="3200" spc="-1" strike="noStrike">
               <a:latin typeface="Arial"/>
             </a:endParaRPr>
           </a:p>
@@ -2677,8 +2554,8 @@
         </p:nvSpPr>
         <p:spPr>
           <a:xfrm>
-            <a:off x="4319280" y="3682080"/>
-            <a:ext cx="3532680" cy="1896840"/>
+            <a:off x="4319640" y="3682080"/>
+            <a:ext cx="3533040" cy="1896840"/>
           </a:xfrm>
           <a:prstGeom prst="rect">
             <a:avLst/>
@@ -2693,19 +2570,7 @@
             <a:normAutofit/>
           </a:bodyPr>
           <a:p>
-            <a:pPr>
-              <a:lnSpc>
-                <a:spcPct val="90000"/>
-              </a:lnSpc>
-              <a:spcBef>
-                <a:spcPts val="1417"/>
-              </a:spcBef>
-              <a:buNone/>
-            </a:pPr>
-            <a:endParaRPr b="0" lang="en-US" sz="2800" spc="-1" strike="noStrike">
-              <a:solidFill>
-                <a:srgbClr val="000000"/>
-              </a:solidFill>
+            <a:endParaRPr b="0" lang="en-GB" sz="3200" spc="-1" strike="noStrike">
               <a:latin typeface="Arial"/>
             </a:endParaRPr>
           </a:p>
@@ -2723,8 +2588,8 @@
         </p:nvSpPr>
         <p:spPr>
           <a:xfrm>
-            <a:off x="8028720" y="3682080"/>
-            <a:ext cx="3532680" cy="1896840"/>
+            <a:off x="8029800" y="3682080"/>
+            <a:ext cx="3533040" cy="1896840"/>
           </a:xfrm>
           <a:prstGeom prst="rect">
             <a:avLst/>
@@ -2739,19 +2604,7 @@
             <a:normAutofit/>
           </a:bodyPr>
           <a:p>
-            <a:pPr>
-              <a:lnSpc>
-                <a:spcPct val="90000"/>
-              </a:lnSpc>
-              <a:spcBef>
-                <a:spcPts val="1417"/>
-              </a:spcBef>
-              <a:buNone/>
-            </a:pPr>
-            <a:endParaRPr b="0" lang="en-US" sz="2800" spc="-1" strike="noStrike">
-              <a:solidFill>
-                <a:srgbClr val="000000"/>
-              </a:solidFill>
+            <a:endParaRPr b="0" lang="en-GB" sz="3200" spc="-1" strike="noStrike">
               <a:latin typeface="Arial"/>
             </a:endParaRPr>
           </a:p>
@@ -2791,7 +2644,7 @@
         <p:txBody>
           <a:bodyPr/>
           <a:p>
-            <a:fld id="{BCB12EB4-AC13-4F15-8166-3F3ACF759BF2}" type="slidenum">
+            <a:fld id="{89E4603A-E6C2-497E-887B-F5997F14072D}" type="slidenum">
               <a:t>&lt;#&gt;</a:t>
             </a:fld>
           </a:p>
@@ -2874,7 +2727,7 @@
         <p:txBody>
           <a:bodyPr/>
           <a:p>
-            <a:fld id="{1158E76E-9A7E-41F2-A3A5-CB89E2578161}" type="slidenum">
+            <a:fld id="{769B5E12-C7A7-42C4-BBDA-D4087D79ED96}" type="slidenum">
               <a:t>&lt;#&gt;</a:t>
             </a:fld>
           </a:p>
@@ -2936,7 +2789,7 @@
         <p:spPr>
           <a:xfrm>
             <a:off x="609480" y="273600"/>
-            <a:ext cx="10972080" cy="1144440"/>
+            <a:ext cx="10972440" cy="1144800"/>
           </a:xfrm>
           <a:prstGeom prst="rect">
             <a:avLst/>
@@ -2951,10 +2804,10 @@
             <a:noAutofit/>
           </a:bodyPr>
           <a:p>
-            <a:endParaRPr b="0" lang="en-US" sz="1800" spc="-1" strike="noStrike">
-              <a:solidFill>
-                <a:srgbClr val="000000"/>
-              </a:solidFill>
+            <a:pPr algn="ctr">
+              <a:buNone/>
+            </a:pPr>
+            <a:endParaRPr b="0" lang="en-GB" sz="4400" spc="-1" strike="noStrike">
               <a:latin typeface="Arial"/>
             </a:endParaRPr>
           </a:p>
@@ -2973,7 +2826,7 @@
         <p:spPr>
           <a:xfrm>
             <a:off x="609480" y="1604520"/>
-            <a:ext cx="10972080" cy="3976920"/>
+            <a:ext cx="10972440" cy="3977280"/>
           </a:xfrm>
           <a:prstGeom prst="rect">
             <a:avLst/>
@@ -3031,7 +2884,7 @@
         <p:txBody>
           <a:bodyPr/>
           <a:p>
-            <a:fld id="{15FA7080-8B1B-40A2-8BB1-A3397DC241EF}" type="slidenum">
+            <a:fld id="{620F9349-9A2A-43A0-81CA-54362D1B131D}" type="slidenum">
               <a:t>&lt;#&gt;</a:t>
             </a:fld>
           </a:p>
@@ -3093,7 +2946,7 @@
         <p:spPr>
           <a:xfrm>
             <a:off x="609480" y="273600"/>
-            <a:ext cx="10972080" cy="1144440"/>
+            <a:ext cx="10972440" cy="1144800"/>
           </a:xfrm>
           <a:prstGeom prst="rect">
             <a:avLst/>
@@ -3108,10 +2961,10 @@
             <a:noAutofit/>
           </a:bodyPr>
           <a:p>
-            <a:endParaRPr b="0" lang="en-US" sz="1800" spc="-1" strike="noStrike">
-              <a:solidFill>
-                <a:srgbClr val="000000"/>
-              </a:solidFill>
+            <a:pPr algn="ctr">
+              <a:buNone/>
+            </a:pPr>
+            <a:endParaRPr b="0" lang="en-GB" sz="4400" spc="-1" strike="noStrike">
               <a:latin typeface="Arial"/>
             </a:endParaRPr>
           </a:p>
@@ -3130,7 +2983,7 @@
         <p:spPr>
           <a:xfrm>
             <a:off x="609480" y="1604520"/>
-            <a:ext cx="10972080" cy="3976920"/>
+            <a:ext cx="10972440" cy="3977280"/>
           </a:xfrm>
           <a:prstGeom prst="rect">
             <a:avLst/>
@@ -3145,19 +2998,7 @@
             <a:normAutofit/>
           </a:bodyPr>
           <a:p>
-            <a:pPr>
-              <a:lnSpc>
-                <a:spcPct val="90000"/>
-              </a:lnSpc>
-              <a:spcBef>
-                <a:spcPts val="1417"/>
-              </a:spcBef>
-              <a:buNone/>
-            </a:pPr>
-            <a:endParaRPr b="0" lang="en-US" sz="2800" spc="-1" strike="noStrike">
-              <a:solidFill>
-                <a:srgbClr val="000000"/>
-              </a:solidFill>
+            <a:endParaRPr b="0" lang="en-GB" sz="3200" spc="-1" strike="noStrike">
               <a:latin typeface="Arial"/>
             </a:endParaRPr>
           </a:p>
@@ -3197,7 +3038,7 @@
         <p:txBody>
           <a:bodyPr/>
           <a:p>
-            <a:fld id="{A6387842-7E65-44AD-A70F-396A9A81FEE9}" type="slidenum">
+            <a:fld id="{1AD15229-A2A6-499B-A7BA-EC52CDED1B51}" type="slidenum">
               <a:t>&lt;#&gt;</a:t>
             </a:fld>
           </a:p>
@@ -3259,7 +3100,7 @@
         <p:spPr>
           <a:xfrm>
             <a:off x="609480" y="273600"/>
-            <a:ext cx="10972080" cy="1144440"/>
+            <a:ext cx="10972440" cy="1144800"/>
           </a:xfrm>
           <a:prstGeom prst="rect">
             <a:avLst/>
@@ -3274,10 +3115,10 @@
             <a:noAutofit/>
           </a:bodyPr>
           <a:p>
-            <a:endParaRPr b="0" lang="en-US" sz="1800" spc="-1" strike="noStrike">
-              <a:solidFill>
-                <a:srgbClr val="000000"/>
-              </a:solidFill>
+            <a:pPr algn="ctr">
+              <a:buNone/>
+            </a:pPr>
+            <a:endParaRPr b="0" lang="en-GB" sz="4400" spc="-1" strike="noStrike">
               <a:latin typeface="Arial"/>
             </a:endParaRPr>
           </a:p>
@@ -3296,7 +3137,7 @@
         <p:spPr>
           <a:xfrm>
             <a:off x="609480" y="1604520"/>
-            <a:ext cx="5354280" cy="3976920"/>
+            <a:ext cx="5354280" cy="3977280"/>
           </a:xfrm>
           <a:prstGeom prst="rect">
             <a:avLst/>
@@ -3311,19 +3152,7 @@
             <a:normAutofit/>
           </a:bodyPr>
           <a:p>
-            <a:pPr>
-              <a:lnSpc>
-                <a:spcPct val="90000"/>
-              </a:lnSpc>
-              <a:spcBef>
-                <a:spcPts val="1417"/>
-              </a:spcBef>
-              <a:buNone/>
-            </a:pPr>
-            <a:endParaRPr b="0" lang="en-US" sz="2800" spc="-1" strike="noStrike">
-              <a:solidFill>
-                <a:srgbClr val="000000"/>
-              </a:solidFill>
+            <a:endParaRPr b="0" lang="en-GB" sz="3200" spc="-1" strike="noStrike">
               <a:latin typeface="Arial"/>
             </a:endParaRPr>
           </a:p>
@@ -3342,7 +3171,7 @@
         <p:spPr>
           <a:xfrm>
             <a:off x="6231960" y="1604520"/>
-            <a:ext cx="5354280" cy="3976920"/>
+            <a:ext cx="5354280" cy="3977280"/>
           </a:xfrm>
           <a:prstGeom prst="rect">
             <a:avLst/>
@@ -3357,19 +3186,7 @@
             <a:normAutofit/>
           </a:bodyPr>
           <a:p>
-            <a:pPr>
-              <a:lnSpc>
-                <a:spcPct val="90000"/>
-              </a:lnSpc>
-              <a:spcBef>
-                <a:spcPts val="1417"/>
-              </a:spcBef>
-              <a:buNone/>
-            </a:pPr>
-            <a:endParaRPr b="0" lang="en-US" sz="2800" spc="-1" strike="noStrike">
-              <a:solidFill>
-                <a:srgbClr val="000000"/>
-              </a:solidFill>
+            <a:endParaRPr b="0" lang="en-GB" sz="3200" spc="-1" strike="noStrike">
               <a:latin typeface="Arial"/>
             </a:endParaRPr>
           </a:p>
@@ -3409,7 +3226,7 @@
         <p:txBody>
           <a:bodyPr/>
           <a:p>
-            <a:fld id="{275A5F6E-CE0D-4AF0-AA3E-740B07290AD9}" type="slidenum">
+            <a:fld id="{0F617D27-B6AE-4B14-A727-2A6AE19EF740}" type="slidenum">
               <a:t>&lt;#&gt;</a:t>
             </a:fld>
           </a:p>
@@ -3471,7 +3288,7 @@
         <p:spPr>
           <a:xfrm>
             <a:off x="609480" y="273600"/>
-            <a:ext cx="10972080" cy="1144440"/>
+            <a:ext cx="10972440" cy="1144800"/>
           </a:xfrm>
           <a:prstGeom prst="rect">
             <a:avLst/>
@@ -3486,10 +3303,10 @@
             <a:noAutofit/>
           </a:bodyPr>
           <a:p>
-            <a:endParaRPr b="0" lang="en-US" sz="1800" spc="-1" strike="noStrike">
-              <a:solidFill>
-                <a:srgbClr val="000000"/>
-              </a:solidFill>
+            <a:pPr algn="ctr">
+              <a:buNone/>
+            </a:pPr>
+            <a:endParaRPr b="0" lang="en-GB" sz="4400" spc="-1" strike="noStrike">
               <a:latin typeface="Arial"/>
             </a:endParaRPr>
           </a:p>
@@ -3529,7 +3346,7 @@
         <p:txBody>
           <a:bodyPr/>
           <a:p>
-            <a:fld id="{25AE6941-BE2D-4B3A-AB4C-BF77F5AD713E}" type="slidenum">
+            <a:fld id="{B3DEDB68-20BB-40D5-BF37-486BD6EB8372}" type="slidenum">
               <a:t>&lt;#&gt;</a:t>
             </a:fld>
           </a:p>
@@ -3591,7 +3408,7 @@
         <p:spPr>
           <a:xfrm>
             <a:off x="609480" y="273600"/>
-            <a:ext cx="10972080" cy="5306400"/>
+            <a:ext cx="10972440" cy="5307840"/>
           </a:xfrm>
           <a:prstGeom prst="rect">
             <a:avLst/>
@@ -3649,7 +3466,7 @@
         <p:txBody>
           <a:bodyPr/>
           <a:p>
-            <a:fld id="{EE98ABF6-D819-476E-9123-EB1CDFFC04E2}" type="slidenum">
+            <a:fld id="{2013ADBA-35F9-4A73-9AC8-E9674B1EFEC1}" type="slidenum">
               <a:t>&lt;#&gt;</a:t>
             </a:fld>
           </a:p>
@@ -3711,7 +3528,7 @@
         <p:spPr>
           <a:xfrm>
             <a:off x="609480" y="273600"/>
-            <a:ext cx="10972080" cy="1144440"/>
+            <a:ext cx="10972440" cy="1144800"/>
           </a:xfrm>
           <a:prstGeom prst="rect">
             <a:avLst/>
@@ -3726,10 +3543,10 @@
             <a:noAutofit/>
           </a:bodyPr>
           <a:p>
-            <a:endParaRPr b="0" lang="en-US" sz="1800" spc="-1" strike="noStrike">
-              <a:solidFill>
-                <a:srgbClr val="000000"/>
-              </a:solidFill>
+            <a:pPr algn="ctr">
+              <a:buNone/>
+            </a:pPr>
+            <a:endParaRPr b="0" lang="en-GB" sz="4400" spc="-1" strike="noStrike">
               <a:latin typeface="Arial"/>
             </a:endParaRPr>
           </a:p>
@@ -3763,19 +3580,7 @@
             <a:normAutofit/>
           </a:bodyPr>
           <a:p>
-            <a:pPr>
-              <a:lnSpc>
-                <a:spcPct val="90000"/>
-              </a:lnSpc>
-              <a:spcBef>
-                <a:spcPts val="1417"/>
-              </a:spcBef>
-              <a:buNone/>
-            </a:pPr>
-            <a:endParaRPr b="0" lang="en-US" sz="2800" spc="-1" strike="noStrike">
-              <a:solidFill>
-                <a:srgbClr val="000000"/>
-              </a:solidFill>
+            <a:endParaRPr b="0" lang="en-GB" sz="3200" spc="-1" strike="noStrike">
               <a:latin typeface="Arial"/>
             </a:endParaRPr>
           </a:p>
@@ -3794,7 +3599,7 @@
         <p:spPr>
           <a:xfrm>
             <a:off x="6231960" y="1604520"/>
-            <a:ext cx="5354280" cy="3976920"/>
+            <a:ext cx="5354280" cy="3977280"/>
           </a:xfrm>
           <a:prstGeom prst="rect">
             <a:avLst/>
@@ -3809,19 +3614,7 @@
             <a:normAutofit/>
           </a:bodyPr>
           <a:p>
-            <a:pPr>
-              <a:lnSpc>
-                <a:spcPct val="90000"/>
-              </a:lnSpc>
-              <a:spcBef>
-                <a:spcPts val="1417"/>
-              </a:spcBef>
-              <a:buNone/>
-            </a:pPr>
-            <a:endParaRPr b="0" lang="en-US" sz="2800" spc="-1" strike="noStrike">
-              <a:solidFill>
-                <a:srgbClr val="000000"/>
-              </a:solidFill>
+            <a:endParaRPr b="0" lang="en-GB" sz="3200" spc="-1" strike="noStrike">
               <a:latin typeface="Arial"/>
             </a:endParaRPr>
           </a:p>
@@ -3855,19 +3648,7 @@
             <a:normAutofit/>
           </a:bodyPr>
           <a:p>
-            <a:pPr>
-              <a:lnSpc>
-                <a:spcPct val="90000"/>
-              </a:lnSpc>
-              <a:spcBef>
-                <a:spcPts val="1417"/>
-              </a:spcBef>
-              <a:buNone/>
-            </a:pPr>
-            <a:endParaRPr b="0" lang="en-US" sz="2800" spc="-1" strike="noStrike">
-              <a:solidFill>
-                <a:srgbClr val="000000"/>
-              </a:solidFill>
+            <a:endParaRPr b="0" lang="en-GB" sz="3200" spc="-1" strike="noStrike">
               <a:latin typeface="Arial"/>
             </a:endParaRPr>
           </a:p>
@@ -3907,7 +3688,7 @@
         <p:txBody>
           <a:bodyPr/>
           <a:p>
-            <a:fld id="{FFFF93AD-4541-4683-9906-DDD44944E613}" type="slidenum">
+            <a:fld id="{52EE1BC6-74EB-4D95-AAD5-45A29577F9AB}" type="slidenum">
               <a:t>&lt;#&gt;</a:t>
             </a:fld>
           </a:p>
@@ -3969,7 +3750,7 @@
         <p:spPr>
           <a:xfrm>
             <a:off x="609480" y="273600"/>
-            <a:ext cx="10972080" cy="1144440"/>
+            <a:ext cx="10972440" cy="1144800"/>
           </a:xfrm>
           <a:prstGeom prst="rect">
             <a:avLst/>
@@ -3984,10 +3765,10 @@
             <a:noAutofit/>
           </a:bodyPr>
           <a:p>
-            <a:endParaRPr b="0" lang="en-US" sz="1800" spc="-1" strike="noStrike">
-              <a:solidFill>
-                <a:srgbClr val="000000"/>
-              </a:solidFill>
+            <a:pPr algn="ctr">
+              <a:buNone/>
+            </a:pPr>
+            <a:endParaRPr b="0" lang="en-GB" sz="4400" spc="-1" strike="noStrike">
               <a:latin typeface="Arial"/>
             </a:endParaRPr>
           </a:p>
@@ -4006,7 +3787,7 @@
         <p:spPr>
           <a:xfrm>
             <a:off x="609480" y="1604520"/>
-            <a:ext cx="10972080" cy="3976920"/>
+            <a:ext cx="10972440" cy="3977280"/>
           </a:xfrm>
           <a:prstGeom prst="rect">
             <a:avLst/>
@@ -4064,7 +3845,7 @@
         <p:txBody>
           <a:bodyPr/>
           <a:p>
-            <a:fld id="{8828915A-72DB-46F6-BA0E-3535E6432CBD}" type="slidenum">
+            <a:fld id="{D8A7836B-28C5-4709-B7AA-7856B0E78BCD}" type="slidenum">
               <a:t>&lt;#&gt;</a:t>
             </a:fld>
           </a:p>
@@ -4126,7 +3907,7 @@
         <p:spPr>
           <a:xfrm>
             <a:off x="609480" y="273600"/>
-            <a:ext cx="10972080" cy="1144440"/>
+            <a:ext cx="10972440" cy="1144800"/>
           </a:xfrm>
           <a:prstGeom prst="rect">
             <a:avLst/>
@@ -4141,10 +3922,10 @@
             <a:noAutofit/>
           </a:bodyPr>
           <a:p>
-            <a:endParaRPr b="0" lang="en-US" sz="1800" spc="-1" strike="noStrike">
-              <a:solidFill>
-                <a:srgbClr val="000000"/>
-              </a:solidFill>
+            <a:pPr algn="ctr">
+              <a:buNone/>
+            </a:pPr>
+            <a:endParaRPr b="0" lang="en-GB" sz="4400" spc="-1" strike="noStrike">
               <a:latin typeface="Arial"/>
             </a:endParaRPr>
           </a:p>
@@ -4163,7 +3944,7 @@
         <p:spPr>
           <a:xfrm>
             <a:off x="609480" y="1604520"/>
-            <a:ext cx="5354280" cy="3976920"/>
+            <a:ext cx="5354280" cy="3977280"/>
           </a:xfrm>
           <a:prstGeom prst="rect">
             <a:avLst/>
@@ -4178,19 +3959,7 @@
             <a:normAutofit/>
           </a:bodyPr>
           <a:p>
-            <a:pPr>
-              <a:lnSpc>
-                <a:spcPct val="90000"/>
-              </a:lnSpc>
-              <a:spcBef>
-                <a:spcPts val="1417"/>
-              </a:spcBef>
-              <a:buNone/>
-            </a:pPr>
-            <a:endParaRPr b="0" lang="en-US" sz="2800" spc="-1" strike="noStrike">
-              <a:solidFill>
-                <a:srgbClr val="000000"/>
-              </a:solidFill>
+            <a:endParaRPr b="0" lang="en-GB" sz="3200" spc="-1" strike="noStrike">
               <a:latin typeface="Arial"/>
             </a:endParaRPr>
           </a:p>
@@ -4224,19 +3993,7 @@
             <a:normAutofit/>
           </a:bodyPr>
           <a:p>
-            <a:pPr>
-              <a:lnSpc>
-                <a:spcPct val="90000"/>
-              </a:lnSpc>
-              <a:spcBef>
-                <a:spcPts val="1417"/>
-              </a:spcBef>
-              <a:buNone/>
-            </a:pPr>
-            <a:endParaRPr b="0" lang="en-US" sz="2800" spc="-1" strike="noStrike">
-              <a:solidFill>
-                <a:srgbClr val="000000"/>
-              </a:solidFill>
+            <a:endParaRPr b="0" lang="en-GB" sz="3200" spc="-1" strike="noStrike">
               <a:latin typeface="Arial"/>
             </a:endParaRPr>
           </a:p>
@@ -4270,19 +4027,7 @@
             <a:normAutofit/>
           </a:bodyPr>
           <a:p>
-            <a:pPr>
-              <a:lnSpc>
-                <a:spcPct val="90000"/>
-              </a:lnSpc>
-              <a:spcBef>
-                <a:spcPts val="1417"/>
-              </a:spcBef>
-              <a:buNone/>
-            </a:pPr>
-            <a:endParaRPr b="0" lang="en-US" sz="2800" spc="-1" strike="noStrike">
-              <a:solidFill>
-                <a:srgbClr val="000000"/>
-              </a:solidFill>
+            <a:endParaRPr b="0" lang="en-GB" sz="3200" spc="-1" strike="noStrike">
               <a:latin typeface="Arial"/>
             </a:endParaRPr>
           </a:p>
@@ -4322,7 +4067,7 @@
         <p:txBody>
           <a:bodyPr/>
           <a:p>
-            <a:fld id="{78BF21AB-4C9F-404C-892D-C114A442E3BE}" type="slidenum">
+            <a:fld id="{132A1021-EDEE-4027-B784-1099B2D108A8}" type="slidenum">
               <a:t>&lt;#&gt;</a:t>
             </a:fld>
           </a:p>
@@ -4384,7 +4129,7 @@
         <p:spPr>
           <a:xfrm>
             <a:off x="609480" y="273600"/>
-            <a:ext cx="10972080" cy="1144440"/>
+            <a:ext cx="10972440" cy="1144800"/>
           </a:xfrm>
           <a:prstGeom prst="rect">
             <a:avLst/>
@@ -4399,10 +4144,10 @@
             <a:noAutofit/>
           </a:bodyPr>
           <a:p>
-            <a:endParaRPr b="0" lang="en-US" sz="1800" spc="-1" strike="noStrike">
-              <a:solidFill>
-                <a:srgbClr val="000000"/>
-              </a:solidFill>
+            <a:pPr algn="ctr">
+              <a:buNone/>
+            </a:pPr>
+            <a:endParaRPr b="0" lang="en-GB" sz="4400" spc="-1" strike="noStrike">
               <a:latin typeface="Arial"/>
             </a:endParaRPr>
           </a:p>
@@ -4436,19 +4181,7 @@
             <a:normAutofit/>
           </a:bodyPr>
           <a:p>
-            <a:pPr>
-              <a:lnSpc>
-                <a:spcPct val="90000"/>
-              </a:lnSpc>
-              <a:spcBef>
-                <a:spcPts val="1417"/>
-              </a:spcBef>
-              <a:buNone/>
-            </a:pPr>
-            <a:endParaRPr b="0" lang="en-US" sz="2800" spc="-1" strike="noStrike">
-              <a:solidFill>
-                <a:srgbClr val="000000"/>
-              </a:solidFill>
+            <a:endParaRPr b="0" lang="en-GB" sz="3200" spc="-1" strike="noStrike">
               <a:latin typeface="Arial"/>
             </a:endParaRPr>
           </a:p>
@@ -4482,19 +4215,7 @@
             <a:normAutofit/>
           </a:bodyPr>
           <a:p>
-            <a:pPr>
-              <a:lnSpc>
-                <a:spcPct val="90000"/>
-              </a:lnSpc>
-              <a:spcBef>
-                <a:spcPts val="1417"/>
-              </a:spcBef>
-              <a:buNone/>
-            </a:pPr>
-            <a:endParaRPr b="0" lang="en-US" sz="2800" spc="-1" strike="noStrike">
-              <a:solidFill>
-                <a:srgbClr val="000000"/>
-              </a:solidFill>
+            <a:endParaRPr b="0" lang="en-GB" sz="3200" spc="-1" strike="noStrike">
               <a:latin typeface="Arial"/>
             </a:endParaRPr>
           </a:p>
@@ -4513,7 +4234,7 @@
         <p:spPr>
           <a:xfrm>
             <a:off x="609480" y="3682080"/>
-            <a:ext cx="10972080" cy="1896840"/>
+            <a:ext cx="10972440" cy="1896840"/>
           </a:xfrm>
           <a:prstGeom prst="rect">
             <a:avLst/>
@@ -4528,19 +4249,7 @@
             <a:normAutofit/>
           </a:bodyPr>
           <a:p>
-            <a:pPr>
-              <a:lnSpc>
-                <a:spcPct val="90000"/>
-              </a:lnSpc>
-              <a:spcBef>
-                <a:spcPts val="1417"/>
-              </a:spcBef>
-              <a:buNone/>
-            </a:pPr>
-            <a:endParaRPr b="0" lang="en-US" sz="2800" spc="-1" strike="noStrike">
-              <a:solidFill>
-                <a:srgbClr val="000000"/>
-              </a:solidFill>
+            <a:endParaRPr b="0" lang="en-GB" sz="3200" spc="-1" strike="noStrike">
               <a:latin typeface="Arial"/>
             </a:endParaRPr>
           </a:p>
@@ -4580,7 +4289,7 @@
         <p:txBody>
           <a:bodyPr/>
           <a:p>
-            <a:fld id="{5D3AE66D-A99E-40B9-AE8F-A2B4BAF6100F}" type="slidenum">
+            <a:fld id="{9E586249-C328-4366-B4FF-3031241744FE}" type="slidenum">
               <a:t>&lt;#&gt;</a:t>
             </a:fld>
           </a:p>
@@ -4642,7 +4351,7 @@
         <p:spPr>
           <a:xfrm>
             <a:off x="609480" y="273600"/>
-            <a:ext cx="10972080" cy="1144440"/>
+            <a:ext cx="10972440" cy="1144800"/>
           </a:xfrm>
           <a:prstGeom prst="rect">
             <a:avLst/>
@@ -4657,10 +4366,10 @@
             <a:noAutofit/>
           </a:bodyPr>
           <a:p>
-            <a:endParaRPr b="0" lang="en-US" sz="1800" spc="-1" strike="noStrike">
-              <a:solidFill>
-                <a:srgbClr val="000000"/>
-              </a:solidFill>
+            <a:pPr algn="ctr">
+              <a:buNone/>
+            </a:pPr>
+            <a:endParaRPr b="0" lang="en-GB" sz="4400" spc="-1" strike="noStrike">
               <a:latin typeface="Arial"/>
             </a:endParaRPr>
           </a:p>
@@ -4679,7 +4388,7 @@
         <p:spPr>
           <a:xfrm>
             <a:off x="609480" y="1604520"/>
-            <a:ext cx="10972080" cy="1896840"/>
+            <a:ext cx="10972440" cy="1896840"/>
           </a:xfrm>
           <a:prstGeom prst="rect">
             <a:avLst/>
@@ -4694,19 +4403,7 @@
             <a:normAutofit/>
           </a:bodyPr>
           <a:p>
-            <a:pPr>
-              <a:lnSpc>
-                <a:spcPct val="90000"/>
-              </a:lnSpc>
-              <a:spcBef>
-                <a:spcPts val="1417"/>
-              </a:spcBef>
-              <a:buNone/>
-            </a:pPr>
-            <a:endParaRPr b="0" lang="en-US" sz="2800" spc="-1" strike="noStrike">
-              <a:solidFill>
-                <a:srgbClr val="000000"/>
-              </a:solidFill>
+            <a:endParaRPr b="0" lang="en-GB" sz="3200" spc="-1" strike="noStrike">
               <a:latin typeface="Arial"/>
             </a:endParaRPr>
           </a:p>
@@ -4725,7 +4422,7 @@
         <p:spPr>
           <a:xfrm>
             <a:off x="609480" y="3682080"/>
-            <a:ext cx="10972080" cy="1896840"/>
+            <a:ext cx="10972440" cy="1896840"/>
           </a:xfrm>
           <a:prstGeom prst="rect">
             <a:avLst/>
@@ -4740,19 +4437,7 @@
             <a:normAutofit/>
           </a:bodyPr>
           <a:p>
-            <a:pPr>
-              <a:lnSpc>
-                <a:spcPct val="90000"/>
-              </a:lnSpc>
-              <a:spcBef>
-                <a:spcPts val="1417"/>
-              </a:spcBef>
-              <a:buNone/>
-            </a:pPr>
-            <a:endParaRPr b="0" lang="en-US" sz="2800" spc="-1" strike="noStrike">
-              <a:solidFill>
-                <a:srgbClr val="000000"/>
-              </a:solidFill>
+            <a:endParaRPr b="0" lang="en-GB" sz="3200" spc="-1" strike="noStrike">
               <a:latin typeface="Arial"/>
             </a:endParaRPr>
           </a:p>
@@ -4792,7 +4477,7 @@
         <p:txBody>
           <a:bodyPr/>
           <a:p>
-            <a:fld id="{A87A3CD5-6E41-41EE-914B-15226C0C6A95}" type="slidenum">
+            <a:fld id="{3D21D240-5C80-4AC2-B024-B44AC848EED3}" type="slidenum">
               <a:t>&lt;#&gt;</a:t>
             </a:fld>
           </a:p>
@@ -4854,7 +4539,7 @@
         <p:spPr>
           <a:xfrm>
             <a:off x="609480" y="273600"/>
-            <a:ext cx="10972080" cy="1144440"/>
+            <a:ext cx="10972440" cy="1144800"/>
           </a:xfrm>
           <a:prstGeom prst="rect">
             <a:avLst/>
@@ -4869,10 +4554,10 @@
             <a:noAutofit/>
           </a:bodyPr>
           <a:p>
-            <a:endParaRPr b="0" lang="en-US" sz="1800" spc="-1" strike="noStrike">
-              <a:solidFill>
-                <a:srgbClr val="000000"/>
-              </a:solidFill>
+            <a:pPr algn="ctr">
+              <a:buNone/>
+            </a:pPr>
+            <a:endParaRPr b="0" lang="en-GB" sz="4400" spc="-1" strike="noStrike">
               <a:latin typeface="Arial"/>
             </a:endParaRPr>
           </a:p>
@@ -4906,19 +4591,7 @@
             <a:normAutofit/>
           </a:bodyPr>
           <a:p>
-            <a:pPr>
-              <a:lnSpc>
-                <a:spcPct val="90000"/>
-              </a:lnSpc>
-              <a:spcBef>
-                <a:spcPts val="1417"/>
-              </a:spcBef>
-              <a:buNone/>
-            </a:pPr>
-            <a:endParaRPr b="0" lang="en-US" sz="2800" spc="-1" strike="noStrike">
-              <a:solidFill>
-                <a:srgbClr val="000000"/>
-              </a:solidFill>
+            <a:endParaRPr b="0" lang="en-GB" sz="3200" spc="-1" strike="noStrike">
               <a:latin typeface="Arial"/>
             </a:endParaRPr>
           </a:p>
@@ -4952,19 +4625,7 @@
             <a:normAutofit/>
           </a:bodyPr>
           <a:p>
-            <a:pPr>
-              <a:lnSpc>
-                <a:spcPct val="90000"/>
-              </a:lnSpc>
-              <a:spcBef>
-                <a:spcPts val="1417"/>
-              </a:spcBef>
-              <a:buNone/>
-            </a:pPr>
-            <a:endParaRPr b="0" lang="en-US" sz="2800" spc="-1" strike="noStrike">
-              <a:solidFill>
-                <a:srgbClr val="000000"/>
-              </a:solidFill>
+            <a:endParaRPr b="0" lang="en-GB" sz="3200" spc="-1" strike="noStrike">
               <a:latin typeface="Arial"/>
             </a:endParaRPr>
           </a:p>
@@ -4998,19 +4659,7 @@
             <a:normAutofit/>
           </a:bodyPr>
           <a:p>
-            <a:pPr>
-              <a:lnSpc>
-                <a:spcPct val="90000"/>
-              </a:lnSpc>
-              <a:spcBef>
-                <a:spcPts val="1417"/>
-              </a:spcBef>
-              <a:buNone/>
-            </a:pPr>
-            <a:endParaRPr b="0" lang="en-US" sz="2800" spc="-1" strike="noStrike">
-              <a:solidFill>
-                <a:srgbClr val="000000"/>
-              </a:solidFill>
+            <a:endParaRPr b="0" lang="en-GB" sz="3200" spc="-1" strike="noStrike">
               <a:latin typeface="Arial"/>
             </a:endParaRPr>
           </a:p>
@@ -5044,19 +4693,7 @@
             <a:normAutofit/>
           </a:bodyPr>
           <a:p>
-            <a:pPr>
-              <a:lnSpc>
-                <a:spcPct val="90000"/>
-              </a:lnSpc>
-              <a:spcBef>
-                <a:spcPts val="1417"/>
-              </a:spcBef>
-              <a:buNone/>
-            </a:pPr>
-            <a:endParaRPr b="0" lang="en-US" sz="2800" spc="-1" strike="noStrike">
-              <a:solidFill>
-                <a:srgbClr val="000000"/>
-              </a:solidFill>
+            <a:endParaRPr b="0" lang="en-GB" sz="3200" spc="-1" strike="noStrike">
               <a:latin typeface="Arial"/>
             </a:endParaRPr>
           </a:p>
@@ -5096,7 +4733,7 @@
         <p:txBody>
           <a:bodyPr/>
           <a:p>
-            <a:fld id="{9E05BC88-42DE-4C88-88CD-C9E920C54BEB}" type="slidenum">
+            <a:fld id="{657AA00B-07A5-401C-A56F-79ECD5D24F33}" type="slidenum">
               <a:t>&lt;#&gt;</a:t>
             </a:fld>
           </a:p>
@@ -5158,7 +4795,7 @@
         <p:spPr>
           <a:xfrm>
             <a:off x="609480" y="273600"/>
-            <a:ext cx="10972080" cy="1144440"/>
+            <a:ext cx="10972440" cy="1144800"/>
           </a:xfrm>
           <a:prstGeom prst="rect">
             <a:avLst/>
@@ -5173,10 +4810,10 @@
             <a:noAutofit/>
           </a:bodyPr>
           <a:p>
-            <a:endParaRPr b="0" lang="en-US" sz="1800" spc="-1" strike="noStrike">
-              <a:solidFill>
-                <a:srgbClr val="000000"/>
-              </a:solidFill>
+            <a:pPr algn="ctr">
+              <a:buNone/>
+            </a:pPr>
+            <a:endParaRPr b="0" lang="en-GB" sz="4400" spc="-1" strike="noStrike">
               <a:latin typeface="Arial"/>
             </a:endParaRPr>
           </a:p>
@@ -5195,7 +4832,7 @@
         <p:spPr>
           <a:xfrm>
             <a:off x="609480" y="1604520"/>
-            <a:ext cx="3532680" cy="1896840"/>
+            <a:ext cx="3533040" cy="1896840"/>
           </a:xfrm>
           <a:prstGeom prst="rect">
             <a:avLst/>
@@ -5210,19 +4847,7 @@
             <a:normAutofit/>
           </a:bodyPr>
           <a:p>
-            <a:pPr>
-              <a:lnSpc>
-                <a:spcPct val="90000"/>
-              </a:lnSpc>
-              <a:spcBef>
-                <a:spcPts val="1417"/>
-              </a:spcBef>
-              <a:buNone/>
-            </a:pPr>
-            <a:endParaRPr b="0" lang="en-US" sz="2800" spc="-1" strike="noStrike">
-              <a:solidFill>
-                <a:srgbClr val="000000"/>
-              </a:solidFill>
+            <a:endParaRPr b="0" lang="en-GB" sz="3200" spc="-1" strike="noStrike">
               <a:latin typeface="Arial"/>
             </a:endParaRPr>
           </a:p>
@@ -5240,8 +4865,8 @@
         </p:nvSpPr>
         <p:spPr>
           <a:xfrm>
-            <a:off x="4319280" y="1604520"/>
-            <a:ext cx="3532680" cy="1896840"/>
+            <a:off x="4319640" y="1604520"/>
+            <a:ext cx="3533040" cy="1896840"/>
           </a:xfrm>
           <a:prstGeom prst="rect">
             <a:avLst/>
@@ -5256,19 +4881,7 @@
             <a:normAutofit/>
           </a:bodyPr>
           <a:p>
-            <a:pPr>
-              <a:lnSpc>
-                <a:spcPct val="90000"/>
-              </a:lnSpc>
-              <a:spcBef>
-                <a:spcPts val="1417"/>
-              </a:spcBef>
-              <a:buNone/>
-            </a:pPr>
-            <a:endParaRPr b="0" lang="en-US" sz="2800" spc="-1" strike="noStrike">
-              <a:solidFill>
-                <a:srgbClr val="000000"/>
-              </a:solidFill>
+            <a:endParaRPr b="0" lang="en-GB" sz="3200" spc="-1" strike="noStrike">
               <a:latin typeface="Arial"/>
             </a:endParaRPr>
           </a:p>
@@ -5286,8 +4899,8 @@
         </p:nvSpPr>
         <p:spPr>
           <a:xfrm>
-            <a:off x="8028720" y="1604520"/>
-            <a:ext cx="3532680" cy="1896840"/>
+            <a:off x="8029800" y="1604520"/>
+            <a:ext cx="3533040" cy="1896840"/>
           </a:xfrm>
           <a:prstGeom prst="rect">
             <a:avLst/>
@@ -5302,19 +4915,7 @@
             <a:normAutofit/>
           </a:bodyPr>
           <a:p>
-            <a:pPr>
-              <a:lnSpc>
-                <a:spcPct val="90000"/>
-              </a:lnSpc>
-              <a:spcBef>
-                <a:spcPts val="1417"/>
-              </a:spcBef>
-              <a:buNone/>
-            </a:pPr>
-            <a:endParaRPr b="0" lang="en-US" sz="2800" spc="-1" strike="noStrike">
-              <a:solidFill>
-                <a:srgbClr val="000000"/>
-              </a:solidFill>
+            <a:endParaRPr b="0" lang="en-GB" sz="3200" spc="-1" strike="noStrike">
               <a:latin typeface="Arial"/>
             </a:endParaRPr>
           </a:p>
@@ -5333,7 +4934,7 @@
         <p:spPr>
           <a:xfrm>
             <a:off x="609480" y="3682080"/>
-            <a:ext cx="3532680" cy="1896840"/>
+            <a:ext cx="3533040" cy="1896840"/>
           </a:xfrm>
           <a:prstGeom prst="rect">
             <a:avLst/>
@@ -5348,19 +4949,7 @@
             <a:normAutofit/>
           </a:bodyPr>
           <a:p>
-            <a:pPr>
-              <a:lnSpc>
-                <a:spcPct val="90000"/>
-              </a:lnSpc>
-              <a:spcBef>
-                <a:spcPts val="1417"/>
-              </a:spcBef>
-              <a:buNone/>
-            </a:pPr>
-            <a:endParaRPr b="0" lang="en-US" sz="2800" spc="-1" strike="noStrike">
-              <a:solidFill>
-                <a:srgbClr val="000000"/>
-              </a:solidFill>
+            <a:endParaRPr b="0" lang="en-GB" sz="3200" spc="-1" strike="noStrike">
               <a:latin typeface="Arial"/>
             </a:endParaRPr>
           </a:p>
@@ -5378,8 +4967,8 @@
         </p:nvSpPr>
         <p:spPr>
           <a:xfrm>
-            <a:off x="4319280" y="3682080"/>
-            <a:ext cx="3532680" cy="1896840"/>
+            <a:off x="4319640" y="3682080"/>
+            <a:ext cx="3533040" cy="1896840"/>
           </a:xfrm>
           <a:prstGeom prst="rect">
             <a:avLst/>
@@ -5394,19 +4983,7 @@
             <a:normAutofit/>
           </a:bodyPr>
           <a:p>
-            <a:pPr>
-              <a:lnSpc>
-                <a:spcPct val="90000"/>
-              </a:lnSpc>
-              <a:spcBef>
-                <a:spcPts val="1417"/>
-              </a:spcBef>
-              <a:buNone/>
-            </a:pPr>
-            <a:endParaRPr b="0" lang="en-US" sz="2800" spc="-1" strike="noStrike">
-              <a:solidFill>
-                <a:srgbClr val="000000"/>
-              </a:solidFill>
+            <a:endParaRPr b="0" lang="en-GB" sz="3200" spc="-1" strike="noStrike">
               <a:latin typeface="Arial"/>
             </a:endParaRPr>
           </a:p>
@@ -5424,8 +5001,8 @@
         </p:nvSpPr>
         <p:spPr>
           <a:xfrm>
-            <a:off x="8028720" y="3682080"/>
-            <a:ext cx="3532680" cy="1896840"/>
+            <a:off x="8029800" y="3682080"/>
+            <a:ext cx="3533040" cy="1896840"/>
           </a:xfrm>
           <a:prstGeom prst="rect">
             <a:avLst/>
@@ -5440,19 +5017,7 @@
             <a:normAutofit/>
           </a:bodyPr>
           <a:p>
-            <a:pPr>
-              <a:lnSpc>
-                <a:spcPct val="90000"/>
-              </a:lnSpc>
-              <a:spcBef>
-                <a:spcPts val="1417"/>
-              </a:spcBef>
-              <a:buNone/>
-            </a:pPr>
-            <a:endParaRPr b="0" lang="en-US" sz="2800" spc="-1" strike="noStrike">
-              <a:solidFill>
-                <a:srgbClr val="000000"/>
-              </a:solidFill>
+            <a:endParaRPr b="0" lang="en-GB" sz="3200" spc="-1" strike="noStrike">
               <a:latin typeface="Arial"/>
             </a:endParaRPr>
           </a:p>
@@ -5492,7 +5057,7 @@
         <p:txBody>
           <a:bodyPr/>
           <a:p>
-            <a:fld id="{410BE777-28A2-4AD6-8DBC-EED03DF03F8A}" type="slidenum">
+            <a:fld id="{7D5511B8-349E-4EB7-9E44-1124C1427890}" type="slidenum">
               <a:t>&lt;#&gt;</a:t>
             </a:fld>
           </a:p>
@@ -5575,7 +5140,7 @@
         <p:txBody>
           <a:bodyPr/>
           <a:p>
-            <a:fld id="{DA9176C2-BBB4-4C8C-A588-ABC8D7201B96}" type="slidenum">
+            <a:fld id="{101AC504-AE61-4E35-8BEF-19FD5213C762}" type="slidenum">
               <a:t>&lt;#&gt;</a:t>
             </a:fld>
           </a:p>
@@ -5637,7 +5202,7 @@
         <p:spPr>
           <a:xfrm>
             <a:off x="609480" y="273600"/>
-            <a:ext cx="10972080" cy="1144440"/>
+            <a:ext cx="10972440" cy="1144800"/>
           </a:xfrm>
           <a:prstGeom prst="rect">
             <a:avLst/>
@@ -5652,10 +5217,10 @@
             <a:noAutofit/>
           </a:bodyPr>
           <a:p>
-            <a:endParaRPr b="0" lang="en-US" sz="1800" spc="-1" strike="noStrike">
-              <a:solidFill>
-                <a:srgbClr val="000000"/>
-              </a:solidFill>
+            <a:pPr algn="ctr">
+              <a:buNone/>
+            </a:pPr>
+            <a:endParaRPr b="0" lang="en-GB" sz="4400" spc="-1" strike="noStrike">
               <a:latin typeface="Arial"/>
             </a:endParaRPr>
           </a:p>
@@ -5674,7 +5239,7 @@
         <p:spPr>
           <a:xfrm>
             <a:off x="609480" y="1604520"/>
-            <a:ext cx="10972080" cy="3976920"/>
+            <a:ext cx="10972440" cy="3977280"/>
           </a:xfrm>
           <a:prstGeom prst="rect">
             <a:avLst/>
@@ -5732,7 +5297,7 @@
         <p:txBody>
           <a:bodyPr/>
           <a:p>
-            <a:fld id="{5442FDA2-0AE3-411E-B03C-E4BF920D3ABC}" type="slidenum">
+            <a:fld id="{B61C481E-F5AF-43D7-92C5-D8364783641A}" type="slidenum">
               <a:t>&lt;#&gt;</a:t>
             </a:fld>
           </a:p>
@@ -5794,7 +5359,7 @@
         <p:spPr>
           <a:xfrm>
             <a:off x="609480" y="273600"/>
-            <a:ext cx="10972080" cy="1144440"/>
+            <a:ext cx="10972440" cy="1144800"/>
           </a:xfrm>
           <a:prstGeom prst="rect">
             <a:avLst/>
@@ -5809,10 +5374,10 @@
             <a:noAutofit/>
           </a:bodyPr>
           <a:p>
-            <a:endParaRPr b="0" lang="en-US" sz="1800" spc="-1" strike="noStrike">
-              <a:solidFill>
-                <a:srgbClr val="000000"/>
-              </a:solidFill>
+            <a:pPr algn="ctr">
+              <a:buNone/>
+            </a:pPr>
+            <a:endParaRPr b="0" lang="en-GB" sz="4400" spc="-1" strike="noStrike">
               <a:latin typeface="Arial"/>
             </a:endParaRPr>
           </a:p>
@@ -5831,7 +5396,7 @@
         <p:spPr>
           <a:xfrm>
             <a:off x="609480" y="1604520"/>
-            <a:ext cx="10972080" cy="3976920"/>
+            <a:ext cx="10972440" cy="3977280"/>
           </a:xfrm>
           <a:prstGeom prst="rect">
             <a:avLst/>
@@ -5846,19 +5411,7 @@
             <a:normAutofit/>
           </a:bodyPr>
           <a:p>
-            <a:pPr>
-              <a:lnSpc>
-                <a:spcPct val="90000"/>
-              </a:lnSpc>
-              <a:spcBef>
-                <a:spcPts val="1417"/>
-              </a:spcBef>
-              <a:buNone/>
-            </a:pPr>
-            <a:endParaRPr b="0" lang="en-US" sz="2800" spc="-1" strike="noStrike">
-              <a:solidFill>
-                <a:srgbClr val="000000"/>
-              </a:solidFill>
+            <a:endParaRPr b="0" lang="en-GB" sz="3200" spc="-1" strike="noStrike">
               <a:latin typeface="Arial"/>
             </a:endParaRPr>
           </a:p>
@@ -5898,7 +5451,7 @@
         <p:txBody>
           <a:bodyPr/>
           <a:p>
-            <a:fld id="{9125C0FA-E1CE-4129-80E3-4EC1B951BE3D}" type="slidenum">
+            <a:fld id="{C0E9F46B-D04C-4C96-9DEB-DAD5AEC11C08}" type="slidenum">
               <a:t>&lt;#&gt;</a:t>
             </a:fld>
           </a:p>
@@ -5960,7 +5513,7 @@
         <p:spPr>
           <a:xfrm>
             <a:off x="609480" y="273600"/>
-            <a:ext cx="10972080" cy="1144440"/>
+            <a:ext cx="10972440" cy="1144800"/>
           </a:xfrm>
           <a:prstGeom prst="rect">
             <a:avLst/>
@@ -5975,10 +5528,10 @@
             <a:noAutofit/>
           </a:bodyPr>
           <a:p>
-            <a:endParaRPr b="0" lang="en-US" sz="1800" spc="-1" strike="noStrike">
-              <a:solidFill>
-                <a:srgbClr val="000000"/>
-              </a:solidFill>
+            <a:pPr algn="ctr">
+              <a:buNone/>
+            </a:pPr>
+            <a:endParaRPr b="0" lang="en-GB" sz="4400" spc="-1" strike="noStrike">
               <a:latin typeface="Arial"/>
             </a:endParaRPr>
           </a:p>
@@ -5997,7 +5550,7 @@
         <p:spPr>
           <a:xfrm>
             <a:off x="609480" y="1604520"/>
-            <a:ext cx="5354280" cy="3976920"/>
+            <a:ext cx="5354280" cy="3977280"/>
           </a:xfrm>
           <a:prstGeom prst="rect">
             <a:avLst/>
@@ -6012,19 +5565,7 @@
             <a:normAutofit/>
           </a:bodyPr>
           <a:p>
-            <a:pPr>
-              <a:lnSpc>
-                <a:spcPct val="90000"/>
-              </a:lnSpc>
-              <a:spcBef>
-                <a:spcPts val="1417"/>
-              </a:spcBef>
-              <a:buNone/>
-            </a:pPr>
-            <a:endParaRPr b="0" lang="en-US" sz="2800" spc="-1" strike="noStrike">
-              <a:solidFill>
-                <a:srgbClr val="000000"/>
-              </a:solidFill>
+            <a:endParaRPr b="0" lang="en-GB" sz="3200" spc="-1" strike="noStrike">
               <a:latin typeface="Arial"/>
             </a:endParaRPr>
           </a:p>
@@ -6043,7 +5584,7 @@
         <p:spPr>
           <a:xfrm>
             <a:off x="6231960" y="1604520"/>
-            <a:ext cx="5354280" cy="3976920"/>
+            <a:ext cx="5354280" cy="3977280"/>
           </a:xfrm>
           <a:prstGeom prst="rect">
             <a:avLst/>
@@ -6058,19 +5599,7 @@
             <a:normAutofit/>
           </a:bodyPr>
           <a:p>
-            <a:pPr>
-              <a:lnSpc>
-                <a:spcPct val="90000"/>
-              </a:lnSpc>
-              <a:spcBef>
-                <a:spcPts val="1417"/>
-              </a:spcBef>
-              <a:buNone/>
-            </a:pPr>
-            <a:endParaRPr b="0" lang="en-US" sz="2800" spc="-1" strike="noStrike">
-              <a:solidFill>
-                <a:srgbClr val="000000"/>
-              </a:solidFill>
+            <a:endParaRPr b="0" lang="en-GB" sz="3200" spc="-1" strike="noStrike">
               <a:latin typeface="Arial"/>
             </a:endParaRPr>
           </a:p>
@@ -6110,7 +5639,7 @@
         <p:txBody>
           <a:bodyPr/>
           <a:p>
-            <a:fld id="{F99CBD8F-A462-4AB2-A416-999AB3C39D35}" type="slidenum">
+            <a:fld id="{5CED59B9-BBF0-4E5C-BF39-88F2E921BFF8}" type="slidenum">
               <a:t>&lt;#&gt;</a:t>
             </a:fld>
           </a:p>
@@ -6172,7 +5701,7 @@
         <p:spPr>
           <a:xfrm>
             <a:off x="609480" y="273600"/>
-            <a:ext cx="10972080" cy="1144440"/>
+            <a:ext cx="10972440" cy="1144800"/>
           </a:xfrm>
           <a:prstGeom prst="rect">
             <a:avLst/>
@@ -6187,10 +5716,10 @@
             <a:noAutofit/>
           </a:bodyPr>
           <a:p>
-            <a:endParaRPr b="0" lang="en-US" sz="1800" spc="-1" strike="noStrike">
-              <a:solidFill>
-                <a:srgbClr val="000000"/>
-              </a:solidFill>
+            <a:pPr algn="ctr">
+              <a:buNone/>
+            </a:pPr>
+            <a:endParaRPr b="0" lang="en-GB" sz="4400" spc="-1" strike="noStrike">
               <a:latin typeface="Arial"/>
             </a:endParaRPr>
           </a:p>
@@ -6230,7 +5759,7 @@
         <p:txBody>
           <a:bodyPr/>
           <a:p>
-            <a:fld id="{49C5B17F-4D74-4D67-A095-BC988ACDD6B8}" type="slidenum">
+            <a:fld id="{1B3236C6-EBD3-4DE7-BD36-42478B152EE5}" type="slidenum">
               <a:t>&lt;#&gt;</a:t>
             </a:fld>
           </a:p>
@@ -6292,7 +5821,7 @@
         <p:spPr>
           <a:xfrm>
             <a:off x="609480" y="273600"/>
-            <a:ext cx="10972080" cy="1144440"/>
+            <a:ext cx="10972440" cy="1144800"/>
           </a:xfrm>
           <a:prstGeom prst="rect">
             <a:avLst/>
@@ -6307,10 +5836,10 @@
             <a:noAutofit/>
           </a:bodyPr>
           <a:p>
-            <a:endParaRPr b="0" lang="en-US" sz="1800" spc="-1" strike="noStrike">
-              <a:solidFill>
-                <a:srgbClr val="000000"/>
-              </a:solidFill>
+            <a:pPr algn="ctr">
+              <a:buNone/>
+            </a:pPr>
+            <a:endParaRPr b="0" lang="en-GB" sz="4400" spc="-1" strike="noStrike">
               <a:latin typeface="Arial"/>
             </a:endParaRPr>
           </a:p>
@@ -6329,7 +5858,7 @@
         <p:spPr>
           <a:xfrm>
             <a:off x="609480" y="1604520"/>
-            <a:ext cx="10972080" cy="3976920"/>
+            <a:ext cx="10972440" cy="3977280"/>
           </a:xfrm>
           <a:prstGeom prst="rect">
             <a:avLst/>
@@ -6344,19 +5873,7 @@
             <a:normAutofit/>
           </a:bodyPr>
           <a:p>
-            <a:pPr>
-              <a:lnSpc>
-                <a:spcPct val="90000"/>
-              </a:lnSpc>
-              <a:spcBef>
-                <a:spcPts val="1417"/>
-              </a:spcBef>
-              <a:buNone/>
-            </a:pPr>
-            <a:endParaRPr b="0" lang="en-US" sz="2800" spc="-1" strike="noStrike">
-              <a:solidFill>
-                <a:srgbClr val="000000"/>
-              </a:solidFill>
+            <a:endParaRPr b="0" lang="en-GB" sz="3200" spc="-1" strike="noStrike">
               <a:latin typeface="Arial"/>
             </a:endParaRPr>
           </a:p>
@@ -6396,7 +5913,7 @@
         <p:txBody>
           <a:bodyPr/>
           <a:p>
-            <a:fld id="{E7737B88-0764-4CFD-836A-B8F3C700B1AE}" type="slidenum">
+            <a:fld id="{5657DFE5-FE37-42D9-BAF8-444BE7688EF0}" type="slidenum">
               <a:t>&lt;#&gt;</a:t>
             </a:fld>
           </a:p>
@@ -6458,7 +5975,7 @@
         <p:spPr>
           <a:xfrm>
             <a:off x="609480" y="273600"/>
-            <a:ext cx="10972080" cy="5306400"/>
+            <a:ext cx="10972440" cy="5307840"/>
           </a:xfrm>
           <a:prstGeom prst="rect">
             <a:avLst/>
@@ -6516,7 +6033,7 @@
         <p:txBody>
           <a:bodyPr/>
           <a:p>
-            <a:fld id="{CD253ED2-E45E-4C23-B153-DEB6E0EEEF44}" type="slidenum">
+            <a:fld id="{711020E5-0800-4F94-B754-97FD8F1227FF}" type="slidenum">
               <a:t>&lt;#&gt;</a:t>
             </a:fld>
           </a:p>
@@ -6578,7 +6095,7 @@
         <p:spPr>
           <a:xfrm>
             <a:off x="609480" y="273600"/>
-            <a:ext cx="10972080" cy="1144440"/>
+            <a:ext cx="10972440" cy="1144800"/>
           </a:xfrm>
           <a:prstGeom prst="rect">
             <a:avLst/>
@@ -6593,10 +6110,10 @@
             <a:noAutofit/>
           </a:bodyPr>
           <a:p>
-            <a:endParaRPr b="0" lang="en-US" sz="1800" spc="-1" strike="noStrike">
-              <a:solidFill>
-                <a:srgbClr val="000000"/>
-              </a:solidFill>
+            <a:pPr algn="ctr">
+              <a:buNone/>
+            </a:pPr>
+            <a:endParaRPr b="0" lang="en-GB" sz="4400" spc="-1" strike="noStrike">
               <a:latin typeface="Arial"/>
             </a:endParaRPr>
           </a:p>
@@ -6630,19 +6147,7 @@
             <a:normAutofit/>
           </a:bodyPr>
           <a:p>
-            <a:pPr>
-              <a:lnSpc>
-                <a:spcPct val="90000"/>
-              </a:lnSpc>
-              <a:spcBef>
-                <a:spcPts val="1417"/>
-              </a:spcBef>
-              <a:buNone/>
-            </a:pPr>
-            <a:endParaRPr b="0" lang="en-US" sz="2800" spc="-1" strike="noStrike">
-              <a:solidFill>
-                <a:srgbClr val="000000"/>
-              </a:solidFill>
+            <a:endParaRPr b="0" lang="en-GB" sz="3200" spc="-1" strike="noStrike">
               <a:latin typeface="Arial"/>
             </a:endParaRPr>
           </a:p>
@@ -6661,7 +6166,7 @@
         <p:spPr>
           <a:xfrm>
             <a:off x="6231960" y="1604520"/>
-            <a:ext cx="5354280" cy="3976920"/>
+            <a:ext cx="5354280" cy="3977280"/>
           </a:xfrm>
           <a:prstGeom prst="rect">
             <a:avLst/>
@@ -6676,19 +6181,7 @@
             <a:normAutofit/>
           </a:bodyPr>
           <a:p>
-            <a:pPr>
-              <a:lnSpc>
-                <a:spcPct val="90000"/>
-              </a:lnSpc>
-              <a:spcBef>
-                <a:spcPts val="1417"/>
-              </a:spcBef>
-              <a:buNone/>
-            </a:pPr>
-            <a:endParaRPr b="0" lang="en-US" sz="2800" spc="-1" strike="noStrike">
-              <a:solidFill>
-                <a:srgbClr val="000000"/>
-              </a:solidFill>
+            <a:endParaRPr b="0" lang="en-GB" sz="3200" spc="-1" strike="noStrike">
               <a:latin typeface="Arial"/>
             </a:endParaRPr>
           </a:p>
@@ -6722,19 +6215,7 @@
             <a:normAutofit/>
           </a:bodyPr>
           <a:p>
-            <a:pPr>
-              <a:lnSpc>
-                <a:spcPct val="90000"/>
-              </a:lnSpc>
-              <a:spcBef>
-                <a:spcPts val="1417"/>
-              </a:spcBef>
-              <a:buNone/>
-            </a:pPr>
-            <a:endParaRPr b="0" lang="en-US" sz="2800" spc="-1" strike="noStrike">
-              <a:solidFill>
-                <a:srgbClr val="000000"/>
-              </a:solidFill>
+            <a:endParaRPr b="0" lang="en-GB" sz="3200" spc="-1" strike="noStrike">
               <a:latin typeface="Arial"/>
             </a:endParaRPr>
           </a:p>
@@ -6774,7 +6255,7 @@
         <p:txBody>
           <a:bodyPr/>
           <a:p>
-            <a:fld id="{07FE64CB-2F0A-4286-98AF-EF6CC24663C8}" type="slidenum">
+            <a:fld id="{3DC62BBC-8B2C-415F-BE1B-CE6BF486AD81}" type="slidenum">
               <a:t>&lt;#&gt;</a:t>
             </a:fld>
           </a:p>
@@ -6836,7 +6317,7 @@
         <p:spPr>
           <a:xfrm>
             <a:off x="609480" y="273600"/>
-            <a:ext cx="10972080" cy="1144440"/>
+            <a:ext cx="10972440" cy="1144800"/>
           </a:xfrm>
           <a:prstGeom prst="rect">
             <a:avLst/>
@@ -6851,10 +6332,10 @@
             <a:noAutofit/>
           </a:bodyPr>
           <a:p>
-            <a:endParaRPr b="0" lang="en-US" sz="1800" spc="-1" strike="noStrike">
-              <a:solidFill>
-                <a:srgbClr val="000000"/>
-              </a:solidFill>
+            <a:pPr algn="ctr">
+              <a:buNone/>
+            </a:pPr>
+            <a:endParaRPr b="0" lang="en-GB" sz="4400" spc="-1" strike="noStrike">
               <a:latin typeface="Arial"/>
             </a:endParaRPr>
           </a:p>
@@ -6873,7 +6354,7 @@
         <p:spPr>
           <a:xfrm>
             <a:off x="609480" y="1604520"/>
-            <a:ext cx="5354280" cy="3976920"/>
+            <a:ext cx="5354280" cy="3977280"/>
           </a:xfrm>
           <a:prstGeom prst="rect">
             <a:avLst/>
@@ -6888,19 +6369,7 @@
             <a:normAutofit/>
           </a:bodyPr>
           <a:p>
-            <a:pPr>
-              <a:lnSpc>
-                <a:spcPct val="90000"/>
-              </a:lnSpc>
-              <a:spcBef>
-                <a:spcPts val="1417"/>
-              </a:spcBef>
-              <a:buNone/>
-            </a:pPr>
-            <a:endParaRPr b="0" lang="en-US" sz="2800" spc="-1" strike="noStrike">
-              <a:solidFill>
-                <a:srgbClr val="000000"/>
-              </a:solidFill>
+            <a:endParaRPr b="0" lang="en-GB" sz="3200" spc="-1" strike="noStrike">
               <a:latin typeface="Arial"/>
             </a:endParaRPr>
           </a:p>
@@ -6934,19 +6403,7 @@
             <a:normAutofit/>
           </a:bodyPr>
           <a:p>
-            <a:pPr>
-              <a:lnSpc>
-                <a:spcPct val="90000"/>
-              </a:lnSpc>
-              <a:spcBef>
-                <a:spcPts val="1417"/>
-              </a:spcBef>
-              <a:buNone/>
-            </a:pPr>
-            <a:endParaRPr b="0" lang="en-US" sz="2800" spc="-1" strike="noStrike">
-              <a:solidFill>
-                <a:srgbClr val="000000"/>
-              </a:solidFill>
+            <a:endParaRPr b="0" lang="en-GB" sz="3200" spc="-1" strike="noStrike">
               <a:latin typeface="Arial"/>
             </a:endParaRPr>
           </a:p>
@@ -6980,19 +6437,7 @@
             <a:normAutofit/>
           </a:bodyPr>
           <a:p>
-            <a:pPr>
-              <a:lnSpc>
-                <a:spcPct val="90000"/>
-              </a:lnSpc>
-              <a:spcBef>
-                <a:spcPts val="1417"/>
-              </a:spcBef>
-              <a:buNone/>
-            </a:pPr>
-            <a:endParaRPr b="0" lang="en-US" sz="2800" spc="-1" strike="noStrike">
-              <a:solidFill>
-                <a:srgbClr val="000000"/>
-              </a:solidFill>
+            <a:endParaRPr b="0" lang="en-GB" sz="3200" spc="-1" strike="noStrike">
               <a:latin typeface="Arial"/>
             </a:endParaRPr>
           </a:p>
@@ -7032,7 +6477,7 @@
         <p:txBody>
           <a:bodyPr/>
           <a:p>
-            <a:fld id="{612C7DB0-09FD-4C5B-ACCE-CAA39BC46699}" type="slidenum">
+            <a:fld id="{938D0FA7-7BBC-4A50-A757-773D052E3D2E}" type="slidenum">
               <a:t>&lt;#&gt;</a:t>
             </a:fld>
           </a:p>
@@ -7094,7 +6539,7 @@
         <p:spPr>
           <a:xfrm>
             <a:off x="609480" y="273600"/>
-            <a:ext cx="10972080" cy="1144440"/>
+            <a:ext cx="10972440" cy="1144800"/>
           </a:xfrm>
           <a:prstGeom prst="rect">
             <a:avLst/>
@@ -7109,10 +6554,10 @@
             <a:noAutofit/>
           </a:bodyPr>
           <a:p>
-            <a:endParaRPr b="0" lang="en-US" sz="1800" spc="-1" strike="noStrike">
-              <a:solidFill>
-                <a:srgbClr val="000000"/>
-              </a:solidFill>
+            <a:pPr algn="ctr">
+              <a:buNone/>
+            </a:pPr>
+            <a:endParaRPr b="0" lang="en-GB" sz="4400" spc="-1" strike="noStrike">
               <a:latin typeface="Arial"/>
             </a:endParaRPr>
           </a:p>
@@ -7146,19 +6591,7 @@
             <a:normAutofit/>
           </a:bodyPr>
           <a:p>
-            <a:pPr>
-              <a:lnSpc>
-                <a:spcPct val="90000"/>
-              </a:lnSpc>
-              <a:spcBef>
-                <a:spcPts val="1417"/>
-              </a:spcBef>
-              <a:buNone/>
-            </a:pPr>
-            <a:endParaRPr b="0" lang="en-US" sz="2800" spc="-1" strike="noStrike">
-              <a:solidFill>
-                <a:srgbClr val="000000"/>
-              </a:solidFill>
+            <a:endParaRPr b="0" lang="en-GB" sz="3200" spc="-1" strike="noStrike">
               <a:latin typeface="Arial"/>
             </a:endParaRPr>
           </a:p>
@@ -7192,19 +6625,7 @@
             <a:normAutofit/>
           </a:bodyPr>
           <a:p>
-            <a:pPr>
-              <a:lnSpc>
-                <a:spcPct val="90000"/>
-              </a:lnSpc>
-              <a:spcBef>
-                <a:spcPts val="1417"/>
-              </a:spcBef>
-              <a:buNone/>
-            </a:pPr>
-            <a:endParaRPr b="0" lang="en-US" sz="2800" spc="-1" strike="noStrike">
-              <a:solidFill>
-                <a:srgbClr val="000000"/>
-              </a:solidFill>
+            <a:endParaRPr b="0" lang="en-GB" sz="3200" spc="-1" strike="noStrike">
               <a:latin typeface="Arial"/>
             </a:endParaRPr>
           </a:p>
@@ -7223,7 +6644,7 @@
         <p:spPr>
           <a:xfrm>
             <a:off x="609480" y="3682080"/>
-            <a:ext cx="10972080" cy="1896840"/>
+            <a:ext cx="10972440" cy="1896840"/>
           </a:xfrm>
           <a:prstGeom prst="rect">
             <a:avLst/>
@@ -7238,19 +6659,7 @@
             <a:normAutofit/>
           </a:bodyPr>
           <a:p>
-            <a:pPr>
-              <a:lnSpc>
-                <a:spcPct val="90000"/>
-              </a:lnSpc>
-              <a:spcBef>
-                <a:spcPts val="1417"/>
-              </a:spcBef>
-              <a:buNone/>
-            </a:pPr>
-            <a:endParaRPr b="0" lang="en-US" sz="2800" spc="-1" strike="noStrike">
-              <a:solidFill>
-                <a:srgbClr val="000000"/>
-              </a:solidFill>
+            <a:endParaRPr b="0" lang="en-GB" sz="3200" spc="-1" strike="noStrike">
               <a:latin typeface="Arial"/>
             </a:endParaRPr>
           </a:p>
@@ -7290,7 +6699,7 @@
         <p:txBody>
           <a:bodyPr/>
           <a:p>
-            <a:fld id="{EA0783B4-E17B-4311-B529-39D0BFF8C22C}" type="slidenum">
+            <a:fld id="{AC9B474D-6096-4A3B-BF71-93EFD0C9E1D1}" type="slidenum">
               <a:t>&lt;#&gt;</a:t>
             </a:fld>
           </a:p>
@@ -7352,7 +6761,7 @@
         <p:spPr>
           <a:xfrm>
             <a:off x="609480" y="273600"/>
-            <a:ext cx="10972080" cy="1144440"/>
+            <a:ext cx="10972440" cy="1144800"/>
           </a:xfrm>
           <a:prstGeom prst="rect">
             <a:avLst/>
@@ -7367,10 +6776,10 @@
             <a:noAutofit/>
           </a:bodyPr>
           <a:p>
-            <a:endParaRPr b="0" lang="en-US" sz="1800" spc="-1" strike="noStrike">
-              <a:solidFill>
-                <a:srgbClr val="000000"/>
-              </a:solidFill>
+            <a:pPr algn="ctr">
+              <a:buNone/>
+            </a:pPr>
+            <a:endParaRPr b="0" lang="en-GB" sz="4400" spc="-1" strike="noStrike">
               <a:latin typeface="Arial"/>
             </a:endParaRPr>
           </a:p>
@@ -7389,7 +6798,7 @@
         <p:spPr>
           <a:xfrm>
             <a:off x="609480" y="1604520"/>
-            <a:ext cx="10972080" cy="1896840"/>
+            <a:ext cx="10972440" cy="1896840"/>
           </a:xfrm>
           <a:prstGeom prst="rect">
             <a:avLst/>
@@ -7404,19 +6813,7 @@
             <a:normAutofit/>
           </a:bodyPr>
           <a:p>
-            <a:pPr>
-              <a:lnSpc>
-                <a:spcPct val="90000"/>
-              </a:lnSpc>
-              <a:spcBef>
-                <a:spcPts val="1417"/>
-              </a:spcBef>
-              <a:buNone/>
-            </a:pPr>
-            <a:endParaRPr b="0" lang="en-US" sz="2800" spc="-1" strike="noStrike">
-              <a:solidFill>
-                <a:srgbClr val="000000"/>
-              </a:solidFill>
+            <a:endParaRPr b="0" lang="en-GB" sz="3200" spc="-1" strike="noStrike">
               <a:latin typeface="Arial"/>
             </a:endParaRPr>
           </a:p>
@@ -7435,7 +6832,7 @@
         <p:spPr>
           <a:xfrm>
             <a:off x="609480" y="3682080"/>
-            <a:ext cx="10972080" cy="1896840"/>
+            <a:ext cx="10972440" cy="1896840"/>
           </a:xfrm>
           <a:prstGeom prst="rect">
             <a:avLst/>
@@ -7450,19 +6847,7 @@
             <a:normAutofit/>
           </a:bodyPr>
           <a:p>
-            <a:pPr>
-              <a:lnSpc>
-                <a:spcPct val="90000"/>
-              </a:lnSpc>
-              <a:spcBef>
-                <a:spcPts val="1417"/>
-              </a:spcBef>
-              <a:buNone/>
-            </a:pPr>
-            <a:endParaRPr b="0" lang="en-US" sz="2800" spc="-1" strike="noStrike">
-              <a:solidFill>
-                <a:srgbClr val="000000"/>
-              </a:solidFill>
+            <a:endParaRPr b="0" lang="en-GB" sz="3200" spc="-1" strike="noStrike">
               <a:latin typeface="Arial"/>
             </a:endParaRPr>
           </a:p>
@@ -7502,7 +6887,7 @@
         <p:txBody>
           <a:bodyPr/>
           <a:p>
-            <a:fld id="{ED38E614-D841-4510-9D14-77EA69D1CCAE}" type="slidenum">
+            <a:fld id="{0AF7C0ED-7F04-4769-A8BB-F3B94CEAD34F}" type="slidenum">
               <a:t>&lt;#&gt;</a:t>
             </a:fld>
           </a:p>
@@ -7564,7 +6949,7 @@
         <p:spPr>
           <a:xfrm>
             <a:off x="609480" y="273600"/>
-            <a:ext cx="10972080" cy="1144440"/>
+            <a:ext cx="10972440" cy="1144800"/>
           </a:xfrm>
           <a:prstGeom prst="rect">
             <a:avLst/>
@@ -7579,10 +6964,10 @@
             <a:noAutofit/>
           </a:bodyPr>
           <a:p>
-            <a:endParaRPr b="0" lang="en-US" sz="1800" spc="-1" strike="noStrike">
-              <a:solidFill>
-                <a:srgbClr val="000000"/>
-              </a:solidFill>
+            <a:pPr algn="ctr">
+              <a:buNone/>
+            </a:pPr>
+            <a:endParaRPr b="0" lang="en-GB" sz="4400" spc="-1" strike="noStrike">
               <a:latin typeface="Arial"/>
             </a:endParaRPr>
           </a:p>
@@ -7616,19 +7001,7 @@
             <a:normAutofit/>
           </a:bodyPr>
           <a:p>
-            <a:pPr>
-              <a:lnSpc>
-                <a:spcPct val="90000"/>
-              </a:lnSpc>
-              <a:spcBef>
-                <a:spcPts val="1417"/>
-              </a:spcBef>
-              <a:buNone/>
-            </a:pPr>
-            <a:endParaRPr b="0" lang="en-US" sz="2800" spc="-1" strike="noStrike">
-              <a:solidFill>
-                <a:srgbClr val="000000"/>
-              </a:solidFill>
+            <a:endParaRPr b="0" lang="en-GB" sz="3200" spc="-1" strike="noStrike">
               <a:latin typeface="Arial"/>
             </a:endParaRPr>
           </a:p>
@@ -7662,19 +7035,7 @@
             <a:normAutofit/>
           </a:bodyPr>
           <a:p>
-            <a:pPr>
-              <a:lnSpc>
-                <a:spcPct val="90000"/>
-              </a:lnSpc>
-              <a:spcBef>
-                <a:spcPts val="1417"/>
-              </a:spcBef>
-              <a:buNone/>
-            </a:pPr>
-            <a:endParaRPr b="0" lang="en-US" sz="2800" spc="-1" strike="noStrike">
-              <a:solidFill>
-                <a:srgbClr val="000000"/>
-              </a:solidFill>
+            <a:endParaRPr b="0" lang="en-GB" sz="3200" spc="-1" strike="noStrike">
               <a:latin typeface="Arial"/>
             </a:endParaRPr>
           </a:p>
@@ -7708,19 +7069,7 @@
             <a:normAutofit/>
           </a:bodyPr>
           <a:p>
-            <a:pPr>
-              <a:lnSpc>
-                <a:spcPct val="90000"/>
-              </a:lnSpc>
-              <a:spcBef>
-                <a:spcPts val="1417"/>
-              </a:spcBef>
-              <a:buNone/>
-            </a:pPr>
-            <a:endParaRPr b="0" lang="en-US" sz="2800" spc="-1" strike="noStrike">
-              <a:solidFill>
-                <a:srgbClr val="000000"/>
-              </a:solidFill>
+            <a:endParaRPr b="0" lang="en-GB" sz="3200" spc="-1" strike="noStrike">
               <a:latin typeface="Arial"/>
             </a:endParaRPr>
           </a:p>
@@ -7754,19 +7103,7 @@
             <a:normAutofit/>
           </a:bodyPr>
           <a:p>
-            <a:pPr>
-              <a:lnSpc>
-                <a:spcPct val="90000"/>
-              </a:lnSpc>
-              <a:spcBef>
-                <a:spcPts val="1417"/>
-              </a:spcBef>
-              <a:buNone/>
-            </a:pPr>
-            <a:endParaRPr b="0" lang="en-US" sz="2800" spc="-1" strike="noStrike">
-              <a:solidFill>
-                <a:srgbClr val="000000"/>
-              </a:solidFill>
+            <a:endParaRPr b="0" lang="en-GB" sz="3200" spc="-1" strike="noStrike">
               <a:latin typeface="Arial"/>
             </a:endParaRPr>
           </a:p>
@@ -7806,7 +7143,7 @@
         <p:txBody>
           <a:bodyPr/>
           <a:p>
-            <a:fld id="{A4B136CC-DD36-4D79-9883-B155970B542C}" type="slidenum">
+            <a:fld id="{80D14D7D-333E-4772-B750-611D8A1882FD}" type="slidenum">
               <a:t>&lt;#&gt;</a:t>
             </a:fld>
           </a:p>
@@ -7868,7 +7205,7 @@
         <p:spPr>
           <a:xfrm>
             <a:off x="609480" y="273600"/>
-            <a:ext cx="10972080" cy="1144440"/>
+            <a:ext cx="10972440" cy="1144800"/>
           </a:xfrm>
           <a:prstGeom prst="rect">
             <a:avLst/>
@@ -7883,10 +7220,10 @@
             <a:noAutofit/>
           </a:bodyPr>
           <a:p>
-            <a:endParaRPr b="0" lang="en-US" sz="1800" spc="-1" strike="noStrike">
-              <a:solidFill>
-                <a:srgbClr val="000000"/>
-              </a:solidFill>
+            <a:pPr algn="ctr">
+              <a:buNone/>
+            </a:pPr>
+            <a:endParaRPr b="0" lang="en-GB" sz="4400" spc="-1" strike="noStrike">
               <a:latin typeface="Arial"/>
             </a:endParaRPr>
           </a:p>
@@ -7905,7 +7242,7 @@
         <p:spPr>
           <a:xfrm>
             <a:off x="609480" y="1604520"/>
-            <a:ext cx="3532680" cy="1896840"/>
+            <a:ext cx="3533040" cy="1896840"/>
           </a:xfrm>
           <a:prstGeom prst="rect">
             <a:avLst/>
@@ -7920,19 +7257,7 @@
             <a:normAutofit/>
           </a:bodyPr>
           <a:p>
-            <a:pPr>
-              <a:lnSpc>
-                <a:spcPct val="90000"/>
-              </a:lnSpc>
-              <a:spcBef>
-                <a:spcPts val="1417"/>
-              </a:spcBef>
-              <a:buNone/>
-            </a:pPr>
-            <a:endParaRPr b="0" lang="en-US" sz="2800" spc="-1" strike="noStrike">
-              <a:solidFill>
-                <a:srgbClr val="000000"/>
-              </a:solidFill>
+            <a:endParaRPr b="0" lang="en-GB" sz="3200" spc="-1" strike="noStrike">
               <a:latin typeface="Arial"/>
             </a:endParaRPr>
           </a:p>
@@ -7950,8 +7275,8 @@
         </p:nvSpPr>
         <p:spPr>
           <a:xfrm>
-            <a:off x="4319280" y="1604520"/>
-            <a:ext cx="3532680" cy="1896840"/>
+            <a:off x="4319640" y="1604520"/>
+            <a:ext cx="3533040" cy="1896840"/>
           </a:xfrm>
           <a:prstGeom prst="rect">
             <a:avLst/>
@@ -7966,19 +7291,7 @@
             <a:normAutofit/>
           </a:bodyPr>
           <a:p>
-            <a:pPr>
-              <a:lnSpc>
-                <a:spcPct val="90000"/>
-              </a:lnSpc>
-              <a:spcBef>
-                <a:spcPts val="1417"/>
-              </a:spcBef>
-              <a:buNone/>
-            </a:pPr>
-            <a:endParaRPr b="0" lang="en-US" sz="2800" spc="-1" strike="noStrike">
-              <a:solidFill>
-                <a:srgbClr val="000000"/>
-              </a:solidFill>
+            <a:endParaRPr b="0" lang="en-GB" sz="3200" spc="-1" strike="noStrike">
               <a:latin typeface="Arial"/>
             </a:endParaRPr>
           </a:p>
@@ -7996,8 +7309,8 @@
         </p:nvSpPr>
         <p:spPr>
           <a:xfrm>
-            <a:off x="8028720" y="1604520"/>
-            <a:ext cx="3532680" cy="1896840"/>
+            <a:off x="8029800" y="1604520"/>
+            <a:ext cx="3533040" cy="1896840"/>
           </a:xfrm>
           <a:prstGeom prst="rect">
             <a:avLst/>
@@ -8012,19 +7325,7 @@
             <a:normAutofit/>
           </a:bodyPr>
           <a:p>
-            <a:pPr>
-              <a:lnSpc>
-                <a:spcPct val="90000"/>
-              </a:lnSpc>
-              <a:spcBef>
-                <a:spcPts val="1417"/>
-              </a:spcBef>
-              <a:buNone/>
-            </a:pPr>
-            <a:endParaRPr b="0" lang="en-US" sz="2800" spc="-1" strike="noStrike">
-              <a:solidFill>
-                <a:srgbClr val="000000"/>
-              </a:solidFill>
+            <a:endParaRPr b="0" lang="en-GB" sz="3200" spc="-1" strike="noStrike">
               <a:latin typeface="Arial"/>
             </a:endParaRPr>
           </a:p>
@@ -8043,7 +7344,7 @@
         <p:spPr>
           <a:xfrm>
             <a:off x="609480" y="3682080"/>
-            <a:ext cx="3532680" cy="1896840"/>
+            <a:ext cx="3533040" cy="1896840"/>
           </a:xfrm>
           <a:prstGeom prst="rect">
             <a:avLst/>
@@ -8058,19 +7359,7 @@
             <a:normAutofit/>
           </a:bodyPr>
           <a:p>
-            <a:pPr>
-              <a:lnSpc>
-                <a:spcPct val="90000"/>
-              </a:lnSpc>
-              <a:spcBef>
-                <a:spcPts val="1417"/>
-              </a:spcBef>
-              <a:buNone/>
-            </a:pPr>
-            <a:endParaRPr b="0" lang="en-US" sz="2800" spc="-1" strike="noStrike">
-              <a:solidFill>
-                <a:srgbClr val="000000"/>
-              </a:solidFill>
+            <a:endParaRPr b="0" lang="en-GB" sz="3200" spc="-1" strike="noStrike">
               <a:latin typeface="Arial"/>
             </a:endParaRPr>
           </a:p>
@@ -8088,8 +7377,8 @@
         </p:nvSpPr>
         <p:spPr>
           <a:xfrm>
-            <a:off x="4319280" y="3682080"/>
-            <a:ext cx="3532680" cy="1896840"/>
+            <a:off x="4319640" y="3682080"/>
+            <a:ext cx="3533040" cy="1896840"/>
           </a:xfrm>
           <a:prstGeom prst="rect">
             <a:avLst/>
@@ -8104,19 +7393,7 @@
             <a:normAutofit/>
           </a:bodyPr>
           <a:p>
-            <a:pPr>
-              <a:lnSpc>
-                <a:spcPct val="90000"/>
-              </a:lnSpc>
-              <a:spcBef>
-                <a:spcPts val="1417"/>
-              </a:spcBef>
-              <a:buNone/>
-            </a:pPr>
-            <a:endParaRPr b="0" lang="en-US" sz="2800" spc="-1" strike="noStrike">
-              <a:solidFill>
-                <a:srgbClr val="000000"/>
-              </a:solidFill>
+            <a:endParaRPr b="0" lang="en-GB" sz="3200" spc="-1" strike="noStrike">
               <a:latin typeface="Arial"/>
             </a:endParaRPr>
           </a:p>
@@ -8134,8 +7411,8 @@
         </p:nvSpPr>
         <p:spPr>
           <a:xfrm>
-            <a:off x="8028720" y="3682080"/>
-            <a:ext cx="3532680" cy="1896840"/>
+            <a:off x="8029800" y="3682080"/>
+            <a:ext cx="3533040" cy="1896840"/>
           </a:xfrm>
           <a:prstGeom prst="rect">
             <a:avLst/>
@@ -8150,19 +7427,7 @@
             <a:normAutofit/>
           </a:bodyPr>
           <a:p>
-            <a:pPr>
-              <a:lnSpc>
-                <a:spcPct val="90000"/>
-              </a:lnSpc>
-              <a:spcBef>
-                <a:spcPts val="1417"/>
-              </a:spcBef>
-              <a:buNone/>
-            </a:pPr>
-            <a:endParaRPr b="0" lang="en-US" sz="2800" spc="-1" strike="noStrike">
-              <a:solidFill>
-                <a:srgbClr val="000000"/>
-              </a:solidFill>
+            <a:endParaRPr b="0" lang="en-GB" sz="3200" spc="-1" strike="noStrike">
               <a:latin typeface="Arial"/>
             </a:endParaRPr>
           </a:p>
@@ -8202,7 +7467,7 @@
         <p:txBody>
           <a:bodyPr/>
           <a:p>
-            <a:fld id="{C8399A60-2045-44E2-A0AC-E2C4E8678897}" type="slidenum">
+            <a:fld id="{8157B2BA-1F83-4C6C-9796-97F0AD7E7521}" type="slidenum">
               <a:t>&lt;#&gt;</a:t>
             </a:fld>
           </a:p>
@@ -8285,7 +7550,7 @@
         <p:txBody>
           <a:bodyPr/>
           <a:p>
-            <a:fld id="{EBF9159E-39B8-4D41-9B2E-3612F05C94E0}" type="slidenum">
+            <a:fld id="{DABC2F70-771B-4F01-8358-E938A6C86AF2}" type="slidenum">
               <a:t>&lt;#&gt;</a:t>
             </a:fld>
           </a:p>
@@ -8347,7 +7612,7 @@
         <p:spPr>
           <a:xfrm>
             <a:off x="609480" y="273600"/>
-            <a:ext cx="10972080" cy="1144440"/>
+            <a:ext cx="10972440" cy="1144800"/>
           </a:xfrm>
           <a:prstGeom prst="rect">
             <a:avLst/>
@@ -8362,10 +7627,10 @@
             <a:noAutofit/>
           </a:bodyPr>
           <a:p>
-            <a:endParaRPr b="0" lang="en-US" sz="1800" spc="-1" strike="noStrike">
-              <a:solidFill>
-                <a:srgbClr val="000000"/>
-              </a:solidFill>
+            <a:pPr algn="ctr">
+              <a:buNone/>
+            </a:pPr>
+            <a:endParaRPr b="0" lang="en-GB" sz="4400" spc="-1" strike="noStrike">
               <a:latin typeface="Arial"/>
             </a:endParaRPr>
           </a:p>
@@ -8384,7 +7649,7 @@
         <p:spPr>
           <a:xfrm>
             <a:off x="609480" y="1604520"/>
-            <a:ext cx="10972080" cy="3976920"/>
+            <a:ext cx="10972440" cy="3977280"/>
           </a:xfrm>
           <a:prstGeom prst="rect">
             <a:avLst/>
@@ -8442,7 +7707,7 @@
         <p:txBody>
           <a:bodyPr/>
           <a:p>
-            <a:fld id="{48D2A864-B384-4E85-B711-9B0520CCEB37}" type="slidenum">
+            <a:fld id="{E37422E2-71FE-4814-863C-3F2507E40781}" type="slidenum">
               <a:t>&lt;#&gt;</a:t>
             </a:fld>
           </a:p>
@@ -8504,7 +7769,7 @@
         <p:spPr>
           <a:xfrm>
             <a:off x="609480" y="273600"/>
-            <a:ext cx="10972080" cy="1144440"/>
+            <a:ext cx="10972440" cy="1144800"/>
           </a:xfrm>
           <a:prstGeom prst="rect">
             <a:avLst/>
@@ -8519,10 +7784,10 @@
             <a:noAutofit/>
           </a:bodyPr>
           <a:p>
-            <a:endParaRPr b="0" lang="en-US" sz="1800" spc="-1" strike="noStrike">
-              <a:solidFill>
-                <a:srgbClr val="000000"/>
-              </a:solidFill>
+            <a:pPr algn="ctr">
+              <a:buNone/>
+            </a:pPr>
+            <a:endParaRPr b="0" lang="en-GB" sz="4400" spc="-1" strike="noStrike">
               <a:latin typeface="Arial"/>
             </a:endParaRPr>
           </a:p>
@@ -8541,7 +7806,7 @@
         <p:spPr>
           <a:xfrm>
             <a:off x="609480" y="1604520"/>
-            <a:ext cx="10972080" cy="3976920"/>
+            <a:ext cx="10972440" cy="3977280"/>
           </a:xfrm>
           <a:prstGeom prst="rect">
             <a:avLst/>
@@ -8556,19 +7821,7 @@
             <a:normAutofit/>
           </a:bodyPr>
           <a:p>
-            <a:pPr>
-              <a:lnSpc>
-                <a:spcPct val="90000"/>
-              </a:lnSpc>
-              <a:spcBef>
-                <a:spcPts val="1417"/>
-              </a:spcBef>
-              <a:buNone/>
-            </a:pPr>
-            <a:endParaRPr b="0" lang="en-US" sz="2800" spc="-1" strike="noStrike">
-              <a:solidFill>
-                <a:srgbClr val="000000"/>
-              </a:solidFill>
+            <a:endParaRPr b="0" lang="en-GB" sz="3200" spc="-1" strike="noStrike">
               <a:latin typeface="Arial"/>
             </a:endParaRPr>
           </a:p>
@@ -8608,7 +7861,7 @@
         <p:txBody>
           <a:bodyPr/>
           <a:p>
-            <a:fld id="{A2BE2CE7-02A8-4BD0-B941-E9906082F535}" type="slidenum">
+            <a:fld id="{3394D6A7-9CD6-44CE-A850-D34700A9C14F}" type="slidenum">
               <a:t>&lt;#&gt;</a:t>
             </a:fld>
           </a:p>
@@ -8670,7 +7923,7 @@
         <p:spPr>
           <a:xfrm>
             <a:off x="609480" y="273600"/>
-            <a:ext cx="10972080" cy="1144440"/>
+            <a:ext cx="10972440" cy="1144800"/>
           </a:xfrm>
           <a:prstGeom prst="rect">
             <a:avLst/>
@@ -8685,10 +7938,10 @@
             <a:noAutofit/>
           </a:bodyPr>
           <a:p>
-            <a:endParaRPr b="0" lang="en-US" sz="1800" spc="-1" strike="noStrike">
-              <a:solidFill>
-                <a:srgbClr val="000000"/>
-              </a:solidFill>
+            <a:pPr algn="ctr">
+              <a:buNone/>
+            </a:pPr>
+            <a:endParaRPr b="0" lang="en-GB" sz="4400" spc="-1" strike="noStrike">
               <a:latin typeface="Arial"/>
             </a:endParaRPr>
           </a:p>
@@ -8707,7 +7960,7 @@
         <p:spPr>
           <a:xfrm>
             <a:off x="609480" y="1604520"/>
-            <a:ext cx="5354280" cy="3976920"/>
+            <a:ext cx="5354280" cy="3977280"/>
           </a:xfrm>
           <a:prstGeom prst="rect">
             <a:avLst/>
@@ -8722,19 +7975,7 @@
             <a:normAutofit/>
           </a:bodyPr>
           <a:p>
-            <a:pPr>
-              <a:lnSpc>
-                <a:spcPct val="90000"/>
-              </a:lnSpc>
-              <a:spcBef>
-                <a:spcPts val="1417"/>
-              </a:spcBef>
-              <a:buNone/>
-            </a:pPr>
-            <a:endParaRPr b="0" lang="en-US" sz="2800" spc="-1" strike="noStrike">
-              <a:solidFill>
-                <a:srgbClr val="000000"/>
-              </a:solidFill>
+            <a:endParaRPr b="0" lang="en-GB" sz="3200" spc="-1" strike="noStrike">
               <a:latin typeface="Arial"/>
             </a:endParaRPr>
           </a:p>
@@ -8753,7 +7994,7 @@
         <p:spPr>
           <a:xfrm>
             <a:off x="6231960" y="1604520"/>
-            <a:ext cx="5354280" cy="3976920"/>
+            <a:ext cx="5354280" cy="3977280"/>
           </a:xfrm>
           <a:prstGeom prst="rect">
             <a:avLst/>
@@ -8768,19 +8009,7 @@
             <a:normAutofit/>
           </a:bodyPr>
           <a:p>
-            <a:pPr>
-              <a:lnSpc>
-                <a:spcPct val="90000"/>
-              </a:lnSpc>
-              <a:spcBef>
-                <a:spcPts val="1417"/>
-              </a:spcBef>
-              <a:buNone/>
-            </a:pPr>
-            <a:endParaRPr b="0" lang="en-US" sz="2800" spc="-1" strike="noStrike">
-              <a:solidFill>
-                <a:srgbClr val="000000"/>
-              </a:solidFill>
+            <a:endParaRPr b="0" lang="en-GB" sz="3200" spc="-1" strike="noStrike">
               <a:latin typeface="Arial"/>
             </a:endParaRPr>
           </a:p>
@@ -8820,7 +8049,7 @@
         <p:txBody>
           <a:bodyPr/>
           <a:p>
-            <a:fld id="{29BBACE9-B123-4A1B-B0F0-B1154F0C7AF4}" type="slidenum">
+            <a:fld id="{4779183C-C978-44C3-A1F1-FCAB0FBBF7C2}" type="slidenum">
               <a:t>&lt;#&gt;</a:t>
             </a:fld>
           </a:p>
@@ -8882,7 +8111,7 @@
         <p:spPr>
           <a:xfrm>
             <a:off x="609480" y="273600"/>
-            <a:ext cx="10972080" cy="1144440"/>
+            <a:ext cx="10972440" cy="1144800"/>
           </a:xfrm>
           <a:prstGeom prst="rect">
             <a:avLst/>
@@ -8897,10 +8126,10 @@
             <a:noAutofit/>
           </a:bodyPr>
           <a:p>
-            <a:endParaRPr b="0" lang="en-US" sz="1800" spc="-1" strike="noStrike">
-              <a:solidFill>
-                <a:srgbClr val="000000"/>
-              </a:solidFill>
+            <a:pPr algn="ctr">
+              <a:buNone/>
+            </a:pPr>
+            <a:endParaRPr b="0" lang="en-GB" sz="4400" spc="-1" strike="noStrike">
               <a:latin typeface="Arial"/>
             </a:endParaRPr>
           </a:p>
@@ -8919,7 +8148,7 @@
         <p:spPr>
           <a:xfrm>
             <a:off x="609480" y="1604520"/>
-            <a:ext cx="5354280" cy="3976920"/>
+            <a:ext cx="5354280" cy="3977280"/>
           </a:xfrm>
           <a:prstGeom prst="rect">
             <a:avLst/>
@@ -8934,19 +8163,7 @@
             <a:normAutofit/>
           </a:bodyPr>
           <a:p>
-            <a:pPr>
-              <a:lnSpc>
-                <a:spcPct val="90000"/>
-              </a:lnSpc>
-              <a:spcBef>
-                <a:spcPts val="1417"/>
-              </a:spcBef>
-              <a:buNone/>
-            </a:pPr>
-            <a:endParaRPr b="0" lang="en-US" sz="2800" spc="-1" strike="noStrike">
-              <a:solidFill>
-                <a:srgbClr val="000000"/>
-              </a:solidFill>
+            <a:endParaRPr b="0" lang="en-GB" sz="3200" spc="-1" strike="noStrike">
               <a:latin typeface="Arial"/>
             </a:endParaRPr>
           </a:p>
@@ -8965,7 +8182,7 @@
         <p:spPr>
           <a:xfrm>
             <a:off x="6231960" y="1604520"/>
-            <a:ext cx="5354280" cy="3976920"/>
+            <a:ext cx="5354280" cy="3977280"/>
           </a:xfrm>
           <a:prstGeom prst="rect">
             <a:avLst/>
@@ -8980,19 +8197,7 @@
             <a:normAutofit/>
           </a:bodyPr>
           <a:p>
-            <a:pPr>
-              <a:lnSpc>
-                <a:spcPct val="90000"/>
-              </a:lnSpc>
-              <a:spcBef>
-                <a:spcPts val="1417"/>
-              </a:spcBef>
-              <a:buNone/>
-            </a:pPr>
-            <a:endParaRPr b="0" lang="en-US" sz="2800" spc="-1" strike="noStrike">
-              <a:solidFill>
-                <a:srgbClr val="000000"/>
-              </a:solidFill>
+            <a:endParaRPr b="0" lang="en-GB" sz="3200" spc="-1" strike="noStrike">
               <a:latin typeface="Arial"/>
             </a:endParaRPr>
           </a:p>
@@ -9032,7 +8237,7 @@
         <p:txBody>
           <a:bodyPr/>
           <a:p>
-            <a:fld id="{E5B16E37-C50C-4D9F-9950-062EF03450B3}" type="slidenum">
+            <a:fld id="{824C65E9-EF2F-427D-9DA1-E0BB95541F2C}" type="slidenum">
               <a:t>&lt;#&gt;</a:t>
             </a:fld>
           </a:p>
@@ -9094,7 +8299,7 @@
         <p:spPr>
           <a:xfrm>
             <a:off x="609480" y="273600"/>
-            <a:ext cx="10972080" cy="1144440"/>
+            <a:ext cx="10972440" cy="1144800"/>
           </a:xfrm>
           <a:prstGeom prst="rect">
             <a:avLst/>
@@ -9109,10 +8314,10 @@
             <a:noAutofit/>
           </a:bodyPr>
           <a:p>
-            <a:endParaRPr b="0" lang="en-US" sz="1800" spc="-1" strike="noStrike">
-              <a:solidFill>
-                <a:srgbClr val="000000"/>
-              </a:solidFill>
+            <a:pPr algn="ctr">
+              <a:buNone/>
+            </a:pPr>
+            <a:endParaRPr b="0" lang="en-GB" sz="4400" spc="-1" strike="noStrike">
               <a:latin typeface="Arial"/>
             </a:endParaRPr>
           </a:p>
@@ -9152,7 +8357,7 @@
         <p:txBody>
           <a:bodyPr/>
           <a:p>
-            <a:fld id="{D4EFD887-6534-484A-B69A-E0A1E5AC44AA}" type="slidenum">
+            <a:fld id="{1CF2A6B0-18C6-4CD2-B7D7-72E2914505C4}" type="slidenum">
               <a:t>&lt;#&gt;</a:t>
             </a:fld>
           </a:p>
@@ -9214,7 +8419,7 @@
         <p:spPr>
           <a:xfrm>
             <a:off x="609480" y="273600"/>
-            <a:ext cx="10972080" cy="5306400"/>
+            <a:ext cx="10972440" cy="5307840"/>
           </a:xfrm>
           <a:prstGeom prst="rect">
             <a:avLst/>
@@ -9272,7 +8477,7 @@
         <p:txBody>
           <a:bodyPr/>
           <a:p>
-            <a:fld id="{8562542B-1C92-4E48-B057-633017F0ED08}" type="slidenum">
+            <a:fld id="{0857D5AA-9A8D-4AFE-A590-A6A37419820D}" type="slidenum">
               <a:t>&lt;#&gt;</a:t>
             </a:fld>
           </a:p>
@@ -9334,7 +8539,7 @@
         <p:spPr>
           <a:xfrm>
             <a:off x="609480" y="273600"/>
-            <a:ext cx="10972080" cy="1144440"/>
+            <a:ext cx="10972440" cy="1144800"/>
           </a:xfrm>
           <a:prstGeom prst="rect">
             <a:avLst/>
@@ -9349,10 +8554,10 @@
             <a:noAutofit/>
           </a:bodyPr>
           <a:p>
-            <a:endParaRPr b="0" lang="en-US" sz="1800" spc="-1" strike="noStrike">
-              <a:solidFill>
-                <a:srgbClr val="000000"/>
-              </a:solidFill>
+            <a:pPr algn="ctr">
+              <a:buNone/>
+            </a:pPr>
+            <a:endParaRPr b="0" lang="en-GB" sz="4400" spc="-1" strike="noStrike">
               <a:latin typeface="Arial"/>
             </a:endParaRPr>
           </a:p>
@@ -9386,19 +8591,7 @@
             <a:normAutofit/>
           </a:bodyPr>
           <a:p>
-            <a:pPr>
-              <a:lnSpc>
-                <a:spcPct val="90000"/>
-              </a:lnSpc>
-              <a:spcBef>
-                <a:spcPts val="1417"/>
-              </a:spcBef>
-              <a:buNone/>
-            </a:pPr>
-            <a:endParaRPr b="0" lang="en-US" sz="2800" spc="-1" strike="noStrike">
-              <a:solidFill>
-                <a:srgbClr val="000000"/>
-              </a:solidFill>
+            <a:endParaRPr b="0" lang="en-GB" sz="3200" spc="-1" strike="noStrike">
               <a:latin typeface="Arial"/>
             </a:endParaRPr>
           </a:p>
@@ -9417,7 +8610,7 @@
         <p:spPr>
           <a:xfrm>
             <a:off x="6231960" y="1604520"/>
-            <a:ext cx="5354280" cy="3976920"/>
+            <a:ext cx="5354280" cy="3977280"/>
           </a:xfrm>
           <a:prstGeom prst="rect">
             <a:avLst/>
@@ -9432,19 +8625,7 @@
             <a:normAutofit/>
           </a:bodyPr>
           <a:p>
-            <a:pPr>
-              <a:lnSpc>
-                <a:spcPct val="90000"/>
-              </a:lnSpc>
-              <a:spcBef>
-                <a:spcPts val="1417"/>
-              </a:spcBef>
-              <a:buNone/>
-            </a:pPr>
-            <a:endParaRPr b="0" lang="en-US" sz="2800" spc="-1" strike="noStrike">
-              <a:solidFill>
-                <a:srgbClr val="000000"/>
-              </a:solidFill>
+            <a:endParaRPr b="0" lang="en-GB" sz="3200" spc="-1" strike="noStrike">
               <a:latin typeface="Arial"/>
             </a:endParaRPr>
           </a:p>
@@ -9478,19 +8659,7 @@
             <a:normAutofit/>
           </a:bodyPr>
           <a:p>
-            <a:pPr>
-              <a:lnSpc>
-                <a:spcPct val="90000"/>
-              </a:lnSpc>
-              <a:spcBef>
-                <a:spcPts val="1417"/>
-              </a:spcBef>
-              <a:buNone/>
-            </a:pPr>
-            <a:endParaRPr b="0" lang="en-US" sz="2800" spc="-1" strike="noStrike">
-              <a:solidFill>
-                <a:srgbClr val="000000"/>
-              </a:solidFill>
+            <a:endParaRPr b="0" lang="en-GB" sz="3200" spc="-1" strike="noStrike">
               <a:latin typeface="Arial"/>
             </a:endParaRPr>
           </a:p>
@@ -9530,7 +8699,7 @@
         <p:txBody>
           <a:bodyPr/>
           <a:p>
-            <a:fld id="{AE155A46-A3AA-461C-8A15-35A7AEA22118}" type="slidenum">
+            <a:fld id="{2A8D3F4F-89E6-4B5B-A092-C6C8CA133D50}" type="slidenum">
               <a:t>&lt;#&gt;</a:t>
             </a:fld>
           </a:p>
@@ -9592,7 +8761,7 @@
         <p:spPr>
           <a:xfrm>
             <a:off x="609480" y="273600"/>
-            <a:ext cx="10972080" cy="1144440"/>
+            <a:ext cx="10972440" cy="1144800"/>
           </a:xfrm>
           <a:prstGeom prst="rect">
             <a:avLst/>
@@ -9607,10 +8776,10 @@
             <a:noAutofit/>
           </a:bodyPr>
           <a:p>
-            <a:endParaRPr b="0" lang="en-US" sz="1800" spc="-1" strike="noStrike">
-              <a:solidFill>
-                <a:srgbClr val="000000"/>
-              </a:solidFill>
+            <a:pPr algn="ctr">
+              <a:buNone/>
+            </a:pPr>
+            <a:endParaRPr b="0" lang="en-GB" sz="4400" spc="-1" strike="noStrike">
               <a:latin typeface="Arial"/>
             </a:endParaRPr>
           </a:p>
@@ -9629,7 +8798,7 @@
         <p:spPr>
           <a:xfrm>
             <a:off x="609480" y="1604520"/>
-            <a:ext cx="5354280" cy="3976920"/>
+            <a:ext cx="5354280" cy="3977280"/>
           </a:xfrm>
           <a:prstGeom prst="rect">
             <a:avLst/>
@@ -9644,19 +8813,7 @@
             <a:normAutofit/>
           </a:bodyPr>
           <a:p>
-            <a:pPr>
-              <a:lnSpc>
-                <a:spcPct val="90000"/>
-              </a:lnSpc>
-              <a:spcBef>
-                <a:spcPts val="1417"/>
-              </a:spcBef>
-              <a:buNone/>
-            </a:pPr>
-            <a:endParaRPr b="0" lang="en-US" sz="2800" spc="-1" strike="noStrike">
-              <a:solidFill>
-                <a:srgbClr val="000000"/>
-              </a:solidFill>
+            <a:endParaRPr b="0" lang="en-GB" sz="3200" spc="-1" strike="noStrike">
               <a:latin typeface="Arial"/>
             </a:endParaRPr>
           </a:p>
@@ -9690,19 +8847,7 @@
             <a:normAutofit/>
           </a:bodyPr>
           <a:p>
-            <a:pPr>
-              <a:lnSpc>
-                <a:spcPct val="90000"/>
-              </a:lnSpc>
-              <a:spcBef>
-                <a:spcPts val="1417"/>
-              </a:spcBef>
-              <a:buNone/>
-            </a:pPr>
-            <a:endParaRPr b="0" lang="en-US" sz="2800" spc="-1" strike="noStrike">
-              <a:solidFill>
-                <a:srgbClr val="000000"/>
-              </a:solidFill>
+            <a:endParaRPr b="0" lang="en-GB" sz="3200" spc="-1" strike="noStrike">
               <a:latin typeface="Arial"/>
             </a:endParaRPr>
           </a:p>
@@ -9736,19 +8881,7 @@
             <a:normAutofit/>
           </a:bodyPr>
           <a:p>
-            <a:pPr>
-              <a:lnSpc>
-                <a:spcPct val="90000"/>
-              </a:lnSpc>
-              <a:spcBef>
-                <a:spcPts val="1417"/>
-              </a:spcBef>
-              <a:buNone/>
-            </a:pPr>
-            <a:endParaRPr b="0" lang="en-US" sz="2800" spc="-1" strike="noStrike">
-              <a:solidFill>
-                <a:srgbClr val="000000"/>
-              </a:solidFill>
+            <a:endParaRPr b="0" lang="en-GB" sz="3200" spc="-1" strike="noStrike">
               <a:latin typeface="Arial"/>
             </a:endParaRPr>
           </a:p>
@@ -9788,7 +8921,7 @@
         <p:txBody>
           <a:bodyPr/>
           <a:p>
-            <a:fld id="{C3AC71AF-F995-458D-86F3-70103F2A25B0}" type="slidenum">
+            <a:fld id="{536D5B3D-2B27-4BA2-AF27-FB47DDC4A08F}" type="slidenum">
               <a:t>&lt;#&gt;</a:t>
             </a:fld>
           </a:p>
@@ -9850,7 +8983,7 @@
         <p:spPr>
           <a:xfrm>
             <a:off x="609480" y="273600"/>
-            <a:ext cx="10972080" cy="1144440"/>
+            <a:ext cx="10972440" cy="1144800"/>
           </a:xfrm>
           <a:prstGeom prst="rect">
             <a:avLst/>
@@ -9865,10 +8998,10 @@
             <a:noAutofit/>
           </a:bodyPr>
           <a:p>
-            <a:endParaRPr b="0" lang="en-US" sz="1800" spc="-1" strike="noStrike">
-              <a:solidFill>
-                <a:srgbClr val="000000"/>
-              </a:solidFill>
+            <a:pPr algn="ctr">
+              <a:buNone/>
+            </a:pPr>
+            <a:endParaRPr b="0" lang="en-GB" sz="4400" spc="-1" strike="noStrike">
               <a:latin typeface="Arial"/>
             </a:endParaRPr>
           </a:p>
@@ -9902,19 +9035,7 @@
             <a:normAutofit/>
           </a:bodyPr>
           <a:p>
-            <a:pPr>
-              <a:lnSpc>
-                <a:spcPct val="90000"/>
-              </a:lnSpc>
-              <a:spcBef>
-                <a:spcPts val="1417"/>
-              </a:spcBef>
-              <a:buNone/>
-            </a:pPr>
-            <a:endParaRPr b="0" lang="en-US" sz="2800" spc="-1" strike="noStrike">
-              <a:solidFill>
-                <a:srgbClr val="000000"/>
-              </a:solidFill>
+            <a:endParaRPr b="0" lang="en-GB" sz="3200" spc="-1" strike="noStrike">
               <a:latin typeface="Arial"/>
             </a:endParaRPr>
           </a:p>
@@ -9948,19 +9069,7 @@
             <a:normAutofit/>
           </a:bodyPr>
           <a:p>
-            <a:pPr>
-              <a:lnSpc>
-                <a:spcPct val="90000"/>
-              </a:lnSpc>
-              <a:spcBef>
-                <a:spcPts val="1417"/>
-              </a:spcBef>
-              <a:buNone/>
-            </a:pPr>
-            <a:endParaRPr b="0" lang="en-US" sz="2800" spc="-1" strike="noStrike">
-              <a:solidFill>
-                <a:srgbClr val="000000"/>
-              </a:solidFill>
+            <a:endParaRPr b="0" lang="en-GB" sz="3200" spc="-1" strike="noStrike">
               <a:latin typeface="Arial"/>
             </a:endParaRPr>
           </a:p>
@@ -9979,7 +9088,7 @@
         <p:spPr>
           <a:xfrm>
             <a:off x="609480" y="3682080"/>
-            <a:ext cx="10972080" cy="1896840"/>
+            <a:ext cx="10972440" cy="1896840"/>
           </a:xfrm>
           <a:prstGeom prst="rect">
             <a:avLst/>
@@ -9994,19 +9103,7 @@
             <a:normAutofit/>
           </a:bodyPr>
           <a:p>
-            <a:pPr>
-              <a:lnSpc>
-                <a:spcPct val="90000"/>
-              </a:lnSpc>
-              <a:spcBef>
-                <a:spcPts val="1417"/>
-              </a:spcBef>
-              <a:buNone/>
-            </a:pPr>
-            <a:endParaRPr b="0" lang="en-US" sz="2800" spc="-1" strike="noStrike">
-              <a:solidFill>
-                <a:srgbClr val="000000"/>
-              </a:solidFill>
+            <a:endParaRPr b="0" lang="en-GB" sz="3200" spc="-1" strike="noStrike">
               <a:latin typeface="Arial"/>
             </a:endParaRPr>
           </a:p>
@@ -10046,7 +9143,7 @@
         <p:txBody>
           <a:bodyPr/>
           <a:p>
-            <a:fld id="{A96C6C1C-1B6A-49AC-9897-FA2893404820}" type="slidenum">
+            <a:fld id="{E55DB7B7-C6BD-4609-A67B-585BA00880A3}" type="slidenum">
               <a:t>&lt;#&gt;</a:t>
             </a:fld>
           </a:p>
@@ -10108,7 +9205,7 @@
         <p:spPr>
           <a:xfrm>
             <a:off x="609480" y="273600"/>
-            <a:ext cx="10972080" cy="1144440"/>
+            <a:ext cx="10972440" cy="1144800"/>
           </a:xfrm>
           <a:prstGeom prst="rect">
             <a:avLst/>
@@ -10123,10 +9220,10 @@
             <a:noAutofit/>
           </a:bodyPr>
           <a:p>
-            <a:endParaRPr b="0" lang="en-US" sz="1800" spc="-1" strike="noStrike">
-              <a:solidFill>
-                <a:srgbClr val="000000"/>
-              </a:solidFill>
+            <a:pPr algn="ctr">
+              <a:buNone/>
+            </a:pPr>
+            <a:endParaRPr b="0" lang="en-GB" sz="4400" spc="-1" strike="noStrike">
               <a:latin typeface="Arial"/>
             </a:endParaRPr>
           </a:p>
@@ -10145,7 +9242,7 @@
         <p:spPr>
           <a:xfrm>
             <a:off x="609480" y="1604520"/>
-            <a:ext cx="10972080" cy="1896840"/>
+            <a:ext cx="10972440" cy="1896840"/>
           </a:xfrm>
           <a:prstGeom prst="rect">
             <a:avLst/>
@@ -10160,19 +9257,7 @@
             <a:normAutofit/>
           </a:bodyPr>
           <a:p>
-            <a:pPr>
-              <a:lnSpc>
-                <a:spcPct val="90000"/>
-              </a:lnSpc>
-              <a:spcBef>
-                <a:spcPts val="1417"/>
-              </a:spcBef>
-              <a:buNone/>
-            </a:pPr>
-            <a:endParaRPr b="0" lang="en-US" sz="2800" spc="-1" strike="noStrike">
-              <a:solidFill>
-                <a:srgbClr val="000000"/>
-              </a:solidFill>
+            <a:endParaRPr b="0" lang="en-GB" sz="3200" spc="-1" strike="noStrike">
               <a:latin typeface="Arial"/>
             </a:endParaRPr>
           </a:p>
@@ -10191,7 +9276,7 @@
         <p:spPr>
           <a:xfrm>
             <a:off x="609480" y="3682080"/>
-            <a:ext cx="10972080" cy="1896840"/>
+            <a:ext cx="10972440" cy="1896840"/>
           </a:xfrm>
           <a:prstGeom prst="rect">
             <a:avLst/>
@@ -10206,19 +9291,7 @@
             <a:normAutofit/>
           </a:bodyPr>
           <a:p>
-            <a:pPr>
-              <a:lnSpc>
-                <a:spcPct val="90000"/>
-              </a:lnSpc>
-              <a:spcBef>
-                <a:spcPts val="1417"/>
-              </a:spcBef>
-              <a:buNone/>
-            </a:pPr>
-            <a:endParaRPr b="0" lang="en-US" sz="2800" spc="-1" strike="noStrike">
-              <a:solidFill>
-                <a:srgbClr val="000000"/>
-              </a:solidFill>
+            <a:endParaRPr b="0" lang="en-GB" sz="3200" spc="-1" strike="noStrike">
               <a:latin typeface="Arial"/>
             </a:endParaRPr>
           </a:p>
@@ -10258,7 +9331,7 @@
         <p:txBody>
           <a:bodyPr/>
           <a:p>
-            <a:fld id="{7323F854-3DC0-4D59-8E72-8778C90A3D6B}" type="slidenum">
+            <a:fld id="{727C59E8-6985-40EC-9066-287A0739F9F0}" type="slidenum">
               <a:t>&lt;#&gt;</a:t>
             </a:fld>
           </a:p>
@@ -10320,7 +9393,7 @@
         <p:spPr>
           <a:xfrm>
             <a:off x="609480" y="273600"/>
-            <a:ext cx="10972080" cy="1144440"/>
+            <a:ext cx="10972440" cy="1144800"/>
           </a:xfrm>
           <a:prstGeom prst="rect">
             <a:avLst/>
@@ -10335,10 +9408,10 @@
             <a:noAutofit/>
           </a:bodyPr>
           <a:p>
-            <a:endParaRPr b="0" lang="en-US" sz="1800" spc="-1" strike="noStrike">
-              <a:solidFill>
-                <a:srgbClr val="000000"/>
-              </a:solidFill>
+            <a:pPr algn="ctr">
+              <a:buNone/>
+            </a:pPr>
+            <a:endParaRPr b="0" lang="en-GB" sz="4400" spc="-1" strike="noStrike">
               <a:latin typeface="Arial"/>
             </a:endParaRPr>
           </a:p>
@@ -10372,19 +9445,7 @@
             <a:normAutofit/>
           </a:bodyPr>
           <a:p>
-            <a:pPr>
-              <a:lnSpc>
-                <a:spcPct val="90000"/>
-              </a:lnSpc>
-              <a:spcBef>
-                <a:spcPts val="1417"/>
-              </a:spcBef>
-              <a:buNone/>
-            </a:pPr>
-            <a:endParaRPr b="0" lang="en-US" sz="2800" spc="-1" strike="noStrike">
-              <a:solidFill>
-                <a:srgbClr val="000000"/>
-              </a:solidFill>
+            <a:endParaRPr b="0" lang="en-GB" sz="3200" spc="-1" strike="noStrike">
               <a:latin typeface="Arial"/>
             </a:endParaRPr>
           </a:p>
@@ -10418,19 +9479,7 @@
             <a:normAutofit/>
           </a:bodyPr>
           <a:p>
-            <a:pPr>
-              <a:lnSpc>
-                <a:spcPct val="90000"/>
-              </a:lnSpc>
-              <a:spcBef>
-                <a:spcPts val="1417"/>
-              </a:spcBef>
-              <a:buNone/>
-            </a:pPr>
-            <a:endParaRPr b="0" lang="en-US" sz="2800" spc="-1" strike="noStrike">
-              <a:solidFill>
-                <a:srgbClr val="000000"/>
-              </a:solidFill>
+            <a:endParaRPr b="0" lang="en-GB" sz="3200" spc="-1" strike="noStrike">
               <a:latin typeface="Arial"/>
             </a:endParaRPr>
           </a:p>
@@ -10464,19 +9513,7 @@
             <a:normAutofit/>
           </a:bodyPr>
           <a:p>
-            <a:pPr>
-              <a:lnSpc>
-                <a:spcPct val="90000"/>
-              </a:lnSpc>
-              <a:spcBef>
-                <a:spcPts val="1417"/>
-              </a:spcBef>
-              <a:buNone/>
-            </a:pPr>
-            <a:endParaRPr b="0" lang="en-US" sz="2800" spc="-1" strike="noStrike">
-              <a:solidFill>
-                <a:srgbClr val="000000"/>
-              </a:solidFill>
+            <a:endParaRPr b="0" lang="en-GB" sz="3200" spc="-1" strike="noStrike">
               <a:latin typeface="Arial"/>
             </a:endParaRPr>
           </a:p>
@@ -10510,19 +9547,7 @@
             <a:normAutofit/>
           </a:bodyPr>
           <a:p>
-            <a:pPr>
-              <a:lnSpc>
-                <a:spcPct val="90000"/>
-              </a:lnSpc>
-              <a:spcBef>
-                <a:spcPts val="1417"/>
-              </a:spcBef>
-              <a:buNone/>
-            </a:pPr>
-            <a:endParaRPr b="0" lang="en-US" sz="2800" spc="-1" strike="noStrike">
-              <a:solidFill>
-                <a:srgbClr val="000000"/>
-              </a:solidFill>
+            <a:endParaRPr b="0" lang="en-GB" sz="3200" spc="-1" strike="noStrike">
               <a:latin typeface="Arial"/>
             </a:endParaRPr>
           </a:p>
@@ -10562,7 +9587,7 @@
         <p:txBody>
           <a:bodyPr/>
           <a:p>
-            <a:fld id="{A61382D8-BBB9-4CD6-BAF2-5A6164F3431F}" type="slidenum">
+            <a:fld id="{992B0D45-9016-4F59-86C9-D3977F53CF8F}" type="slidenum">
               <a:t>&lt;#&gt;</a:t>
             </a:fld>
           </a:p>
@@ -10624,7 +9649,7 @@
         <p:spPr>
           <a:xfrm>
             <a:off x="609480" y="273600"/>
-            <a:ext cx="10972080" cy="1144440"/>
+            <a:ext cx="10972440" cy="1144800"/>
           </a:xfrm>
           <a:prstGeom prst="rect">
             <a:avLst/>
@@ -10639,10 +9664,10 @@
             <a:noAutofit/>
           </a:bodyPr>
           <a:p>
-            <a:endParaRPr b="0" lang="en-US" sz="1800" spc="-1" strike="noStrike">
-              <a:solidFill>
-                <a:srgbClr val="000000"/>
-              </a:solidFill>
+            <a:pPr algn="ctr">
+              <a:buNone/>
+            </a:pPr>
+            <a:endParaRPr b="0" lang="en-GB" sz="4400" spc="-1" strike="noStrike">
               <a:latin typeface="Arial"/>
             </a:endParaRPr>
           </a:p>
@@ -10661,7 +9686,7 @@
         <p:spPr>
           <a:xfrm>
             <a:off x="609480" y="1604520"/>
-            <a:ext cx="3532680" cy="1896840"/>
+            <a:ext cx="3533040" cy="1896840"/>
           </a:xfrm>
           <a:prstGeom prst="rect">
             <a:avLst/>
@@ -10676,19 +9701,7 @@
             <a:normAutofit/>
           </a:bodyPr>
           <a:p>
-            <a:pPr>
-              <a:lnSpc>
-                <a:spcPct val="90000"/>
-              </a:lnSpc>
-              <a:spcBef>
-                <a:spcPts val="1417"/>
-              </a:spcBef>
-              <a:buNone/>
-            </a:pPr>
-            <a:endParaRPr b="0" lang="en-US" sz="2800" spc="-1" strike="noStrike">
-              <a:solidFill>
-                <a:srgbClr val="000000"/>
-              </a:solidFill>
+            <a:endParaRPr b="0" lang="en-GB" sz="3200" spc="-1" strike="noStrike">
               <a:latin typeface="Arial"/>
             </a:endParaRPr>
           </a:p>
@@ -10706,8 +9719,8 @@
         </p:nvSpPr>
         <p:spPr>
           <a:xfrm>
-            <a:off x="4319280" y="1604520"/>
-            <a:ext cx="3532680" cy="1896840"/>
+            <a:off x="4319640" y="1604520"/>
+            <a:ext cx="3533040" cy="1896840"/>
           </a:xfrm>
           <a:prstGeom prst="rect">
             <a:avLst/>
@@ -10722,19 +9735,7 @@
             <a:normAutofit/>
           </a:bodyPr>
           <a:p>
-            <a:pPr>
-              <a:lnSpc>
-                <a:spcPct val="90000"/>
-              </a:lnSpc>
-              <a:spcBef>
-                <a:spcPts val="1417"/>
-              </a:spcBef>
-              <a:buNone/>
-            </a:pPr>
-            <a:endParaRPr b="0" lang="en-US" sz="2800" spc="-1" strike="noStrike">
-              <a:solidFill>
-                <a:srgbClr val="000000"/>
-              </a:solidFill>
+            <a:endParaRPr b="0" lang="en-GB" sz="3200" spc="-1" strike="noStrike">
               <a:latin typeface="Arial"/>
             </a:endParaRPr>
           </a:p>
@@ -10752,8 +9753,8 @@
         </p:nvSpPr>
         <p:spPr>
           <a:xfrm>
-            <a:off x="8028720" y="1604520"/>
-            <a:ext cx="3532680" cy="1896840"/>
+            <a:off x="8029800" y="1604520"/>
+            <a:ext cx="3533040" cy="1896840"/>
           </a:xfrm>
           <a:prstGeom prst="rect">
             <a:avLst/>
@@ -10768,19 +9769,7 @@
             <a:normAutofit/>
           </a:bodyPr>
           <a:p>
-            <a:pPr>
-              <a:lnSpc>
-                <a:spcPct val="90000"/>
-              </a:lnSpc>
-              <a:spcBef>
-                <a:spcPts val="1417"/>
-              </a:spcBef>
-              <a:buNone/>
-            </a:pPr>
-            <a:endParaRPr b="0" lang="en-US" sz="2800" spc="-1" strike="noStrike">
-              <a:solidFill>
-                <a:srgbClr val="000000"/>
-              </a:solidFill>
+            <a:endParaRPr b="0" lang="en-GB" sz="3200" spc="-1" strike="noStrike">
               <a:latin typeface="Arial"/>
             </a:endParaRPr>
           </a:p>
@@ -10799,7 +9788,7 @@
         <p:spPr>
           <a:xfrm>
             <a:off x="609480" y="3682080"/>
-            <a:ext cx="3532680" cy="1896840"/>
+            <a:ext cx="3533040" cy="1896840"/>
           </a:xfrm>
           <a:prstGeom prst="rect">
             <a:avLst/>
@@ -10814,19 +9803,7 @@
             <a:normAutofit/>
           </a:bodyPr>
           <a:p>
-            <a:pPr>
-              <a:lnSpc>
-                <a:spcPct val="90000"/>
-              </a:lnSpc>
-              <a:spcBef>
-                <a:spcPts val="1417"/>
-              </a:spcBef>
-              <a:buNone/>
-            </a:pPr>
-            <a:endParaRPr b="0" lang="en-US" sz="2800" spc="-1" strike="noStrike">
-              <a:solidFill>
-                <a:srgbClr val="000000"/>
-              </a:solidFill>
+            <a:endParaRPr b="0" lang="en-GB" sz="3200" spc="-1" strike="noStrike">
               <a:latin typeface="Arial"/>
             </a:endParaRPr>
           </a:p>
@@ -10844,8 +9821,8 @@
         </p:nvSpPr>
         <p:spPr>
           <a:xfrm>
-            <a:off x="4319280" y="3682080"/>
-            <a:ext cx="3532680" cy="1896840"/>
+            <a:off x="4319640" y="3682080"/>
+            <a:ext cx="3533040" cy="1896840"/>
           </a:xfrm>
           <a:prstGeom prst="rect">
             <a:avLst/>
@@ -10860,19 +9837,7 @@
             <a:normAutofit/>
           </a:bodyPr>
           <a:p>
-            <a:pPr>
-              <a:lnSpc>
-                <a:spcPct val="90000"/>
-              </a:lnSpc>
-              <a:spcBef>
-                <a:spcPts val="1417"/>
-              </a:spcBef>
-              <a:buNone/>
-            </a:pPr>
-            <a:endParaRPr b="0" lang="en-US" sz="2800" spc="-1" strike="noStrike">
-              <a:solidFill>
-                <a:srgbClr val="000000"/>
-              </a:solidFill>
+            <a:endParaRPr b="0" lang="en-GB" sz="3200" spc="-1" strike="noStrike">
               <a:latin typeface="Arial"/>
             </a:endParaRPr>
           </a:p>
@@ -10890,8 +9855,8 @@
         </p:nvSpPr>
         <p:spPr>
           <a:xfrm>
-            <a:off x="8028720" y="3682080"/>
-            <a:ext cx="3532680" cy="1896840"/>
+            <a:off x="8029800" y="3682080"/>
+            <a:ext cx="3533040" cy="1896840"/>
           </a:xfrm>
           <a:prstGeom prst="rect">
             <a:avLst/>
@@ -10906,19 +9871,7 @@
             <a:normAutofit/>
           </a:bodyPr>
           <a:p>
-            <a:pPr>
-              <a:lnSpc>
-                <a:spcPct val="90000"/>
-              </a:lnSpc>
-              <a:spcBef>
-                <a:spcPts val="1417"/>
-              </a:spcBef>
-              <a:buNone/>
-            </a:pPr>
-            <a:endParaRPr b="0" lang="en-US" sz="2800" spc="-1" strike="noStrike">
-              <a:solidFill>
-                <a:srgbClr val="000000"/>
-              </a:solidFill>
+            <a:endParaRPr b="0" lang="en-GB" sz="3200" spc="-1" strike="noStrike">
               <a:latin typeface="Arial"/>
             </a:endParaRPr>
           </a:p>
@@ -10958,7 +9911,7 @@
         <p:txBody>
           <a:bodyPr/>
           <a:p>
-            <a:fld id="{96A23E0C-5181-417B-BE82-60ED905441ED}" type="slidenum">
+            <a:fld id="{AB2C2142-455C-4CD0-A405-237FC9778423}" type="slidenum">
               <a:t>&lt;#&gt;</a:t>
             </a:fld>
           </a:p>
@@ -11041,7 +9994,7 @@
         <p:txBody>
           <a:bodyPr/>
           <a:p>
-            <a:fld id="{1DED31EA-3C5C-4A37-A3D5-2D188EEE1A9C}" type="slidenum">
+            <a:fld id="{C09E50F9-383C-44E2-8747-AA63FA0DFCF5}" type="slidenum">
               <a:t>&lt;#&gt;</a:t>
             </a:fld>
           </a:p>
@@ -11103,7 +10056,7 @@
         <p:spPr>
           <a:xfrm>
             <a:off x="609480" y="273600"/>
-            <a:ext cx="10972080" cy="1144440"/>
+            <a:ext cx="10972440" cy="1144800"/>
           </a:xfrm>
           <a:prstGeom prst="rect">
             <a:avLst/>
@@ -11118,10 +10071,10 @@
             <a:noAutofit/>
           </a:bodyPr>
           <a:p>
-            <a:endParaRPr b="0" lang="en-US" sz="1800" spc="-1" strike="noStrike">
-              <a:solidFill>
-                <a:srgbClr val="000000"/>
-              </a:solidFill>
+            <a:pPr algn="ctr">
+              <a:buNone/>
+            </a:pPr>
+            <a:endParaRPr b="0" lang="en-GB" sz="4400" spc="-1" strike="noStrike">
               <a:latin typeface="Arial"/>
             </a:endParaRPr>
           </a:p>
@@ -11161,7 +10114,7 @@
         <p:txBody>
           <a:bodyPr/>
           <a:p>
-            <a:fld id="{19530885-F663-445E-A725-827F3828D2AD}" type="slidenum">
+            <a:fld id="{35CA4CAA-5263-4795-B64C-B9967BC5DE58}" type="slidenum">
               <a:t>&lt;#&gt;</a:t>
             </a:fld>
           </a:p>
@@ -11223,7 +10176,7 @@
         <p:spPr>
           <a:xfrm>
             <a:off x="609480" y="273600"/>
-            <a:ext cx="10972080" cy="1144440"/>
+            <a:ext cx="10972440" cy="1144800"/>
           </a:xfrm>
           <a:prstGeom prst="rect">
             <a:avLst/>
@@ -11238,10 +10191,10 @@
             <a:noAutofit/>
           </a:bodyPr>
           <a:p>
-            <a:endParaRPr b="0" lang="en-US" sz="1800" spc="-1" strike="noStrike">
-              <a:solidFill>
-                <a:srgbClr val="000000"/>
-              </a:solidFill>
+            <a:pPr algn="ctr">
+              <a:buNone/>
+            </a:pPr>
+            <a:endParaRPr b="0" lang="en-GB" sz="4400" spc="-1" strike="noStrike">
               <a:latin typeface="Arial"/>
             </a:endParaRPr>
           </a:p>
@@ -11260,7 +10213,7 @@
         <p:spPr>
           <a:xfrm>
             <a:off x="609480" y="1604520"/>
-            <a:ext cx="10972080" cy="3976920"/>
+            <a:ext cx="10972440" cy="3977280"/>
           </a:xfrm>
           <a:prstGeom prst="rect">
             <a:avLst/>
@@ -11318,7 +10271,7 @@
         <p:txBody>
           <a:bodyPr/>
           <a:p>
-            <a:fld id="{006E8AF5-B3B0-4979-8651-1504B0246D0D}" type="slidenum">
+            <a:fld id="{8884E31A-0715-4416-9BAD-1923B72DB048}" type="slidenum">
               <a:t>&lt;#&gt;</a:t>
             </a:fld>
           </a:p>
@@ -11380,7 +10333,7 @@
         <p:spPr>
           <a:xfrm>
             <a:off x="609480" y="273600"/>
-            <a:ext cx="10972080" cy="1144440"/>
+            <a:ext cx="10972440" cy="1144800"/>
           </a:xfrm>
           <a:prstGeom prst="rect">
             <a:avLst/>
@@ -11395,10 +10348,10 @@
             <a:noAutofit/>
           </a:bodyPr>
           <a:p>
-            <a:endParaRPr b="0" lang="en-US" sz="1800" spc="-1" strike="noStrike">
-              <a:solidFill>
-                <a:srgbClr val="000000"/>
-              </a:solidFill>
+            <a:pPr algn="ctr">
+              <a:buNone/>
+            </a:pPr>
+            <a:endParaRPr b="0" lang="en-GB" sz="4400" spc="-1" strike="noStrike">
               <a:latin typeface="Arial"/>
             </a:endParaRPr>
           </a:p>
@@ -11417,7 +10370,7 @@
         <p:spPr>
           <a:xfrm>
             <a:off x="609480" y="1604520"/>
-            <a:ext cx="10972080" cy="3976920"/>
+            <a:ext cx="10972440" cy="3977280"/>
           </a:xfrm>
           <a:prstGeom prst="rect">
             <a:avLst/>
@@ -11432,19 +10385,7 @@
             <a:normAutofit/>
           </a:bodyPr>
           <a:p>
-            <a:pPr>
-              <a:lnSpc>
-                <a:spcPct val="90000"/>
-              </a:lnSpc>
-              <a:spcBef>
-                <a:spcPts val="1417"/>
-              </a:spcBef>
-              <a:buNone/>
-            </a:pPr>
-            <a:endParaRPr b="0" lang="en-US" sz="2800" spc="-1" strike="noStrike">
-              <a:solidFill>
-                <a:srgbClr val="000000"/>
-              </a:solidFill>
+            <a:endParaRPr b="0" lang="en-GB" sz="3200" spc="-1" strike="noStrike">
               <a:latin typeface="Arial"/>
             </a:endParaRPr>
           </a:p>
@@ -11484,7 +10425,7 @@
         <p:txBody>
           <a:bodyPr/>
           <a:p>
-            <a:fld id="{4A87ACEF-10E8-454A-9FEB-8C8CF3E3E7EB}" type="slidenum">
+            <a:fld id="{2C3BDAD1-D575-4E54-A87A-83BAFE6E60D8}" type="slidenum">
               <a:t>&lt;#&gt;</a:t>
             </a:fld>
           </a:p>
@@ -11546,7 +10487,7 @@
         <p:spPr>
           <a:xfrm>
             <a:off x="609480" y="273600"/>
-            <a:ext cx="10972080" cy="1144440"/>
+            <a:ext cx="10972440" cy="1144800"/>
           </a:xfrm>
           <a:prstGeom prst="rect">
             <a:avLst/>
@@ -11561,10 +10502,10 @@
             <a:noAutofit/>
           </a:bodyPr>
           <a:p>
-            <a:endParaRPr b="0" lang="en-US" sz="1800" spc="-1" strike="noStrike">
-              <a:solidFill>
-                <a:srgbClr val="000000"/>
-              </a:solidFill>
+            <a:pPr algn="ctr">
+              <a:buNone/>
+            </a:pPr>
+            <a:endParaRPr b="0" lang="en-GB" sz="4400" spc="-1" strike="noStrike">
               <a:latin typeface="Arial"/>
             </a:endParaRPr>
           </a:p>
@@ -11583,7 +10524,7 @@
         <p:spPr>
           <a:xfrm>
             <a:off x="609480" y="1604520"/>
-            <a:ext cx="5354280" cy="3976920"/>
+            <a:ext cx="5354280" cy="3977280"/>
           </a:xfrm>
           <a:prstGeom prst="rect">
             <a:avLst/>
@@ -11598,19 +10539,7 @@
             <a:normAutofit/>
           </a:bodyPr>
           <a:p>
-            <a:pPr>
-              <a:lnSpc>
-                <a:spcPct val="90000"/>
-              </a:lnSpc>
-              <a:spcBef>
-                <a:spcPts val="1417"/>
-              </a:spcBef>
-              <a:buNone/>
-            </a:pPr>
-            <a:endParaRPr b="0" lang="en-US" sz="2800" spc="-1" strike="noStrike">
-              <a:solidFill>
-                <a:srgbClr val="000000"/>
-              </a:solidFill>
+            <a:endParaRPr b="0" lang="en-GB" sz="3200" spc="-1" strike="noStrike">
               <a:latin typeface="Arial"/>
             </a:endParaRPr>
           </a:p>
@@ -11629,7 +10558,7 @@
         <p:spPr>
           <a:xfrm>
             <a:off x="6231960" y="1604520"/>
-            <a:ext cx="5354280" cy="3976920"/>
+            <a:ext cx="5354280" cy="3977280"/>
           </a:xfrm>
           <a:prstGeom prst="rect">
             <a:avLst/>
@@ -11644,19 +10573,7 @@
             <a:normAutofit/>
           </a:bodyPr>
           <a:p>
-            <a:pPr>
-              <a:lnSpc>
-                <a:spcPct val="90000"/>
-              </a:lnSpc>
-              <a:spcBef>
-                <a:spcPts val="1417"/>
-              </a:spcBef>
-              <a:buNone/>
-            </a:pPr>
-            <a:endParaRPr b="0" lang="en-US" sz="2800" spc="-1" strike="noStrike">
-              <a:solidFill>
-                <a:srgbClr val="000000"/>
-              </a:solidFill>
+            <a:endParaRPr b="0" lang="en-GB" sz="3200" spc="-1" strike="noStrike">
               <a:latin typeface="Arial"/>
             </a:endParaRPr>
           </a:p>
@@ -11696,7 +10613,7 @@
         <p:txBody>
           <a:bodyPr/>
           <a:p>
-            <a:fld id="{0A3C3415-ED69-4A59-B83B-AF264FCC3CCE}" type="slidenum">
+            <a:fld id="{6C9961E7-65BD-49B7-808B-EF15387AAFDB}" type="slidenum">
               <a:t>&lt;#&gt;</a:t>
             </a:fld>
           </a:p>
@@ -11758,7 +10675,7 @@
         <p:spPr>
           <a:xfrm>
             <a:off x="609480" y="273600"/>
-            <a:ext cx="10972080" cy="1144440"/>
+            <a:ext cx="10972440" cy="1144800"/>
           </a:xfrm>
           <a:prstGeom prst="rect">
             <a:avLst/>
@@ -11773,10 +10690,10 @@
             <a:noAutofit/>
           </a:bodyPr>
           <a:p>
-            <a:endParaRPr b="0" lang="en-US" sz="1800" spc="-1" strike="noStrike">
-              <a:solidFill>
-                <a:srgbClr val="000000"/>
-              </a:solidFill>
+            <a:pPr algn="ctr">
+              <a:buNone/>
+            </a:pPr>
+            <a:endParaRPr b="0" lang="en-GB" sz="4400" spc="-1" strike="noStrike">
               <a:latin typeface="Arial"/>
             </a:endParaRPr>
           </a:p>
@@ -11816,7 +10733,7 @@
         <p:txBody>
           <a:bodyPr/>
           <a:p>
-            <a:fld id="{46C486F8-C444-4087-8756-9B88CE5EB5C0}" type="slidenum">
+            <a:fld id="{990971D7-35AE-4368-B69B-FE954031283A}" type="slidenum">
               <a:t>&lt;#&gt;</a:t>
             </a:fld>
           </a:p>
@@ -11878,7 +10795,7 @@
         <p:spPr>
           <a:xfrm>
             <a:off x="609480" y="273600"/>
-            <a:ext cx="10972080" cy="5306400"/>
+            <a:ext cx="10972440" cy="5307840"/>
           </a:xfrm>
           <a:prstGeom prst="rect">
             <a:avLst/>
@@ -11936,7 +10853,7 @@
         <p:txBody>
           <a:bodyPr/>
           <a:p>
-            <a:fld id="{EFF63EF8-C07F-4409-8F62-2185C84AE9F1}" type="slidenum">
+            <a:fld id="{D7E6070A-46D2-4EB0-BC9D-C99F15AA9796}" type="slidenum">
               <a:t>&lt;#&gt;</a:t>
             </a:fld>
           </a:p>
@@ -11998,7 +10915,7 @@
         <p:spPr>
           <a:xfrm>
             <a:off x="609480" y="273600"/>
-            <a:ext cx="10972080" cy="1144440"/>
+            <a:ext cx="10972440" cy="1144800"/>
           </a:xfrm>
           <a:prstGeom prst="rect">
             <a:avLst/>
@@ -12013,10 +10930,10 @@
             <a:noAutofit/>
           </a:bodyPr>
           <a:p>
-            <a:endParaRPr b="0" lang="en-US" sz="1800" spc="-1" strike="noStrike">
-              <a:solidFill>
-                <a:srgbClr val="000000"/>
-              </a:solidFill>
+            <a:pPr algn="ctr">
+              <a:buNone/>
+            </a:pPr>
+            <a:endParaRPr b="0" lang="en-GB" sz="4400" spc="-1" strike="noStrike">
               <a:latin typeface="Arial"/>
             </a:endParaRPr>
           </a:p>
@@ -12050,19 +10967,7 @@
             <a:normAutofit/>
           </a:bodyPr>
           <a:p>
-            <a:pPr>
-              <a:lnSpc>
-                <a:spcPct val="90000"/>
-              </a:lnSpc>
-              <a:spcBef>
-                <a:spcPts val="1417"/>
-              </a:spcBef>
-              <a:buNone/>
-            </a:pPr>
-            <a:endParaRPr b="0" lang="en-US" sz="2800" spc="-1" strike="noStrike">
-              <a:solidFill>
-                <a:srgbClr val="000000"/>
-              </a:solidFill>
+            <a:endParaRPr b="0" lang="en-GB" sz="3200" spc="-1" strike="noStrike">
               <a:latin typeface="Arial"/>
             </a:endParaRPr>
           </a:p>
@@ -12081,7 +10986,7 @@
         <p:spPr>
           <a:xfrm>
             <a:off x="6231960" y="1604520"/>
-            <a:ext cx="5354280" cy="3976920"/>
+            <a:ext cx="5354280" cy="3977280"/>
           </a:xfrm>
           <a:prstGeom prst="rect">
             <a:avLst/>
@@ -12096,19 +11001,7 @@
             <a:normAutofit/>
           </a:bodyPr>
           <a:p>
-            <a:pPr>
-              <a:lnSpc>
-                <a:spcPct val="90000"/>
-              </a:lnSpc>
-              <a:spcBef>
-                <a:spcPts val="1417"/>
-              </a:spcBef>
-              <a:buNone/>
-            </a:pPr>
-            <a:endParaRPr b="0" lang="en-US" sz="2800" spc="-1" strike="noStrike">
-              <a:solidFill>
-                <a:srgbClr val="000000"/>
-              </a:solidFill>
+            <a:endParaRPr b="0" lang="en-GB" sz="3200" spc="-1" strike="noStrike">
               <a:latin typeface="Arial"/>
             </a:endParaRPr>
           </a:p>
@@ -12142,19 +11035,7 @@
             <a:normAutofit/>
           </a:bodyPr>
           <a:p>
-            <a:pPr>
-              <a:lnSpc>
-                <a:spcPct val="90000"/>
-              </a:lnSpc>
-              <a:spcBef>
-                <a:spcPts val="1417"/>
-              </a:spcBef>
-              <a:buNone/>
-            </a:pPr>
-            <a:endParaRPr b="0" lang="en-US" sz="2800" spc="-1" strike="noStrike">
-              <a:solidFill>
-                <a:srgbClr val="000000"/>
-              </a:solidFill>
+            <a:endParaRPr b="0" lang="en-GB" sz="3200" spc="-1" strike="noStrike">
               <a:latin typeface="Arial"/>
             </a:endParaRPr>
           </a:p>
@@ -12194,7 +11075,7 @@
         <p:txBody>
           <a:bodyPr/>
           <a:p>
-            <a:fld id="{5BC15CBA-3F34-49DA-9B76-96D450EC749A}" type="slidenum">
+            <a:fld id="{C8319AC6-D4BB-4DB1-971C-C708ADBE9A15}" type="slidenum">
               <a:t>&lt;#&gt;</a:t>
             </a:fld>
           </a:p>
@@ -12256,7 +11137,7 @@
         <p:spPr>
           <a:xfrm>
             <a:off x="609480" y="273600"/>
-            <a:ext cx="10972080" cy="1144440"/>
+            <a:ext cx="10972440" cy="1144800"/>
           </a:xfrm>
           <a:prstGeom prst="rect">
             <a:avLst/>
@@ -12271,10 +11152,10 @@
             <a:noAutofit/>
           </a:bodyPr>
           <a:p>
-            <a:endParaRPr b="0" lang="en-US" sz="1800" spc="-1" strike="noStrike">
-              <a:solidFill>
-                <a:srgbClr val="000000"/>
-              </a:solidFill>
+            <a:pPr algn="ctr">
+              <a:buNone/>
+            </a:pPr>
+            <a:endParaRPr b="0" lang="en-GB" sz="4400" spc="-1" strike="noStrike">
               <a:latin typeface="Arial"/>
             </a:endParaRPr>
           </a:p>
@@ -12293,7 +11174,7 @@
         <p:spPr>
           <a:xfrm>
             <a:off x="609480" y="1604520"/>
-            <a:ext cx="5354280" cy="3976920"/>
+            <a:ext cx="5354280" cy="3977280"/>
           </a:xfrm>
           <a:prstGeom prst="rect">
             <a:avLst/>
@@ -12308,19 +11189,7 @@
             <a:normAutofit/>
           </a:bodyPr>
           <a:p>
-            <a:pPr>
-              <a:lnSpc>
-                <a:spcPct val="90000"/>
-              </a:lnSpc>
-              <a:spcBef>
-                <a:spcPts val="1417"/>
-              </a:spcBef>
-              <a:buNone/>
-            </a:pPr>
-            <a:endParaRPr b="0" lang="en-US" sz="2800" spc="-1" strike="noStrike">
-              <a:solidFill>
-                <a:srgbClr val="000000"/>
-              </a:solidFill>
+            <a:endParaRPr b="0" lang="en-GB" sz="3200" spc="-1" strike="noStrike">
               <a:latin typeface="Arial"/>
             </a:endParaRPr>
           </a:p>
@@ -12354,19 +11223,7 @@
             <a:normAutofit/>
           </a:bodyPr>
           <a:p>
-            <a:pPr>
-              <a:lnSpc>
-                <a:spcPct val="90000"/>
-              </a:lnSpc>
-              <a:spcBef>
-                <a:spcPts val="1417"/>
-              </a:spcBef>
-              <a:buNone/>
-            </a:pPr>
-            <a:endParaRPr b="0" lang="en-US" sz="2800" spc="-1" strike="noStrike">
-              <a:solidFill>
-                <a:srgbClr val="000000"/>
-              </a:solidFill>
+            <a:endParaRPr b="0" lang="en-GB" sz="3200" spc="-1" strike="noStrike">
               <a:latin typeface="Arial"/>
             </a:endParaRPr>
           </a:p>
@@ -12400,19 +11257,7 @@
             <a:normAutofit/>
           </a:bodyPr>
           <a:p>
-            <a:pPr>
-              <a:lnSpc>
-                <a:spcPct val="90000"/>
-              </a:lnSpc>
-              <a:spcBef>
-                <a:spcPts val="1417"/>
-              </a:spcBef>
-              <a:buNone/>
-            </a:pPr>
-            <a:endParaRPr b="0" lang="en-US" sz="2800" spc="-1" strike="noStrike">
-              <a:solidFill>
-                <a:srgbClr val="000000"/>
-              </a:solidFill>
+            <a:endParaRPr b="0" lang="en-GB" sz="3200" spc="-1" strike="noStrike">
               <a:latin typeface="Arial"/>
             </a:endParaRPr>
           </a:p>
@@ -12452,7 +11297,7 @@
         <p:txBody>
           <a:bodyPr/>
           <a:p>
-            <a:fld id="{D6D6B6E1-6836-4F52-8E11-E6D26BC2B3CD}" type="slidenum">
+            <a:fld id="{797F9ACC-E2AF-47C3-847F-D3E1DB012AA2}" type="slidenum">
               <a:t>&lt;#&gt;</a:t>
             </a:fld>
           </a:p>
@@ -12514,7 +11359,7 @@
         <p:spPr>
           <a:xfrm>
             <a:off x="609480" y="273600"/>
-            <a:ext cx="10972080" cy="1144440"/>
+            <a:ext cx="10972440" cy="1144800"/>
           </a:xfrm>
           <a:prstGeom prst="rect">
             <a:avLst/>
@@ -12529,10 +11374,10 @@
             <a:noAutofit/>
           </a:bodyPr>
           <a:p>
-            <a:endParaRPr b="0" lang="en-US" sz="1800" spc="-1" strike="noStrike">
-              <a:solidFill>
-                <a:srgbClr val="000000"/>
-              </a:solidFill>
+            <a:pPr algn="ctr">
+              <a:buNone/>
+            </a:pPr>
+            <a:endParaRPr b="0" lang="en-GB" sz="4400" spc="-1" strike="noStrike">
               <a:latin typeface="Arial"/>
             </a:endParaRPr>
           </a:p>
@@ -12566,19 +11411,7 @@
             <a:normAutofit/>
           </a:bodyPr>
           <a:p>
-            <a:pPr>
-              <a:lnSpc>
-                <a:spcPct val="90000"/>
-              </a:lnSpc>
-              <a:spcBef>
-                <a:spcPts val="1417"/>
-              </a:spcBef>
-              <a:buNone/>
-            </a:pPr>
-            <a:endParaRPr b="0" lang="en-US" sz="2800" spc="-1" strike="noStrike">
-              <a:solidFill>
-                <a:srgbClr val="000000"/>
-              </a:solidFill>
+            <a:endParaRPr b="0" lang="en-GB" sz="3200" spc="-1" strike="noStrike">
               <a:latin typeface="Arial"/>
             </a:endParaRPr>
           </a:p>
@@ -12612,19 +11445,7 @@
             <a:normAutofit/>
           </a:bodyPr>
           <a:p>
-            <a:pPr>
-              <a:lnSpc>
-                <a:spcPct val="90000"/>
-              </a:lnSpc>
-              <a:spcBef>
-                <a:spcPts val="1417"/>
-              </a:spcBef>
-              <a:buNone/>
-            </a:pPr>
-            <a:endParaRPr b="0" lang="en-US" sz="2800" spc="-1" strike="noStrike">
-              <a:solidFill>
-                <a:srgbClr val="000000"/>
-              </a:solidFill>
+            <a:endParaRPr b="0" lang="en-GB" sz="3200" spc="-1" strike="noStrike">
               <a:latin typeface="Arial"/>
             </a:endParaRPr>
           </a:p>
@@ -12643,7 +11464,7 @@
         <p:spPr>
           <a:xfrm>
             <a:off x="609480" y="3682080"/>
-            <a:ext cx="10972080" cy="1896840"/>
+            <a:ext cx="10972440" cy="1896840"/>
           </a:xfrm>
           <a:prstGeom prst="rect">
             <a:avLst/>
@@ -12658,19 +11479,7 @@
             <a:normAutofit/>
           </a:bodyPr>
           <a:p>
-            <a:pPr>
-              <a:lnSpc>
-                <a:spcPct val="90000"/>
-              </a:lnSpc>
-              <a:spcBef>
-                <a:spcPts val="1417"/>
-              </a:spcBef>
-              <a:buNone/>
-            </a:pPr>
-            <a:endParaRPr b="0" lang="en-US" sz="2800" spc="-1" strike="noStrike">
-              <a:solidFill>
-                <a:srgbClr val="000000"/>
-              </a:solidFill>
+            <a:endParaRPr b="0" lang="en-GB" sz="3200" spc="-1" strike="noStrike">
               <a:latin typeface="Arial"/>
             </a:endParaRPr>
           </a:p>
@@ -12710,7 +11519,7 @@
         <p:txBody>
           <a:bodyPr/>
           <a:p>
-            <a:fld id="{35E7F671-93D0-409A-A9AF-77161742CC7D}" type="slidenum">
+            <a:fld id="{44025A25-F3B7-4DF7-B518-51271BD0835B}" type="slidenum">
               <a:t>&lt;#&gt;</a:t>
             </a:fld>
           </a:p>
@@ -12772,7 +11581,7 @@
         <p:spPr>
           <a:xfrm>
             <a:off x="609480" y="273600"/>
-            <a:ext cx="10972080" cy="1144440"/>
+            <a:ext cx="10972440" cy="1144800"/>
           </a:xfrm>
           <a:prstGeom prst="rect">
             <a:avLst/>
@@ -12787,10 +11596,10 @@
             <a:noAutofit/>
           </a:bodyPr>
           <a:p>
-            <a:endParaRPr b="0" lang="en-US" sz="1800" spc="-1" strike="noStrike">
-              <a:solidFill>
-                <a:srgbClr val="000000"/>
-              </a:solidFill>
+            <a:pPr algn="ctr">
+              <a:buNone/>
+            </a:pPr>
+            <a:endParaRPr b="0" lang="en-GB" sz="4400" spc="-1" strike="noStrike">
               <a:latin typeface="Arial"/>
             </a:endParaRPr>
           </a:p>
@@ -12809,7 +11618,7 @@
         <p:spPr>
           <a:xfrm>
             <a:off x="609480" y="1604520"/>
-            <a:ext cx="10972080" cy="1896840"/>
+            <a:ext cx="10972440" cy="1896840"/>
           </a:xfrm>
           <a:prstGeom prst="rect">
             <a:avLst/>
@@ -12824,19 +11633,7 @@
             <a:normAutofit/>
           </a:bodyPr>
           <a:p>
-            <a:pPr>
-              <a:lnSpc>
-                <a:spcPct val="90000"/>
-              </a:lnSpc>
-              <a:spcBef>
-                <a:spcPts val="1417"/>
-              </a:spcBef>
-              <a:buNone/>
-            </a:pPr>
-            <a:endParaRPr b="0" lang="en-US" sz="2800" spc="-1" strike="noStrike">
-              <a:solidFill>
-                <a:srgbClr val="000000"/>
-              </a:solidFill>
+            <a:endParaRPr b="0" lang="en-GB" sz="3200" spc="-1" strike="noStrike">
               <a:latin typeface="Arial"/>
             </a:endParaRPr>
           </a:p>
@@ -12855,7 +11652,7 @@
         <p:spPr>
           <a:xfrm>
             <a:off x="609480" y="3682080"/>
-            <a:ext cx="10972080" cy="1896840"/>
+            <a:ext cx="10972440" cy="1896840"/>
           </a:xfrm>
           <a:prstGeom prst="rect">
             <a:avLst/>
@@ -12870,19 +11667,7 @@
             <a:normAutofit/>
           </a:bodyPr>
           <a:p>
-            <a:pPr>
-              <a:lnSpc>
-                <a:spcPct val="90000"/>
-              </a:lnSpc>
-              <a:spcBef>
-                <a:spcPts val="1417"/>
-              </a:spcBef>
-              <a:buNone/>
-            </a:pPr>
-            <a:endParaRPr b="0" lang="en-US" sz="2800" spc="-1" strike="noStrike">
-              <a:solidFill>
-                <a:srgbClr val="000000"/>
-              </a:solidFill>
+            <a:endParaRPr b="0" lang="en-GB" sz="3200" spc="-1" strike="noStrike">
               <a:latin typeface="Arial"/>
             </a:endParaRPr>
           </a:p>
@@ -12922,7 +11707,7 @@
         <p:txBody>
           <a:bodyPr/>
           <a:p>
-            <a:fld id="{581F541C-9483-43DB-9703-D44F7F8D3B78}" type="slidenum">
+            <a:fld id="{3D303F5B-14E8-4B33-9B5A-583CDE688803}" type="slidenum">
               <a:t>&lt;#&gt;</a:t>
             </a:fld>
           </a:p>
@@ -12984,7 +11769,7 @@
         <p:spPr>
           <a:xfrm>
             <a:off x="609480" y="273600"/>
-            <a:ext cx="10972080" cy="1144440"/>
+            <a:ext cx="10972440" cy="1144800"/>
           </a:xfrm>
           <a:prstGeom prst="rect">
             <a:avLst/>
@@ -12999,10 +11784,10 @@
             <a:noAutofit/>
           </a:bodyPr>
           <a:p>
-            <a:endParaRPr b="0" lang="en-US" sz="1800" spc="-1" strike="noStrike">
-              <a:solidFill>
-                <a:srgbClr val="000000"/>
-              </a:solidFill>
+            <a:pPr algn="ctr">
+              <a:buNone/>
+            </a:pPr>
+            <a:endParaRPr b="0" lang="en-GB" sz="4400" spc="-1" strike="noStrike">
               <a:latin typeface="Arial"/>
             </a:endParaRPr>
           </a:p>
@@ -13036,19 +11821,7 @@
             <a:normAutofit/>
           </a:bodyPr>
           <a:p>
-            <a:pPr>
-              <a:lnSpc>
-                <a:spcPct val="90000"/>
-              </a:lnSpc>
-              <a:spcBef>
-                <a:spcPts val="1417"/>
-              </a:spcBef>
-              <a:buNone/>
-            </a:pPr>
-            <a:endParaRPr b="0" lang="en-US" sz="2800" spc="-1" strike="noStrike">
-              <a:solidFill>
-                <a:srgbClr val="000000"/>
-              </a:solidFill>
+            <a:endParaRPr b="0" lang="en-GB" sz="3200" spc="-1" strike="noStrike">
               <a:latin typeface="Arial"/>
             </a:endParaRPr>
           </a:p>
@@ -13082,19 +11855,7 @@
             <a:normAutofit/>
           </a:bodyPr>
           <a:p>
-            <a:pPr>
-              <a:lnSpc>
-                <a:spcPct val="90000"/>
-              </a:lnSpc>
-              <a:spcBef>
-                <a:spcPts val="1417"/>
-              </a:spcBef>
-              <a:buNone/>
-            </a:pPr>
-            <a:endParaRPr b="0" lang="en-US" sz="2800" spc="-1" strike="noStrike">
-              <a:solidFill>
-                <a:srgbClr val="000000"/>
-              </a:solidFill>
+            <a:endParaRPr b="0" lang="en-GB" sz="3200" spc="-1" strike="noStrike">
               <a:latin typeface="Arial"/>
             </a:endParaRPr>
           </a:p>
@@ -13128,19 +11889,7 @@
             <a:normAutofit/>
           </a:bodyPr>
           <a:p>
-            <a:pPr>
-              <a:lnSpc>
-                <a:spcPct val="90000"/>
-              </a:lnSpc>
-              <a:spcBef>
-                <a:spcPts val="1417"/>
-              </a:spcBef>
-              <a:buNone/>
-            </a:pPr>
-            <a:endParaRPr b="0" lang="en-US" sz="2800" spc="-1" strike="noStrike">
-              <a:solidFill>
-                <a:srgbClr val="000000"/>
-              </a:solidFill>
+            <a:endParaRPr b="0" lang="en-GB" sz="3200" spc="-1" strike="noStrike">
               <a:latin typeface="Arial"/>
             </a:endParaRPr>
           </a:p>
@@ -13174,19 +11923,7 @@
             <a:normAutofit/>
           </a:bodyPr>
           <a:p>
-            <a:pPr>
-              <a:lnSpc>
-                <a:spcPct val="90000"/>
-              </a:lnSpc>
-              <a:spcBef>
-                <a:spcPts val="1417"/>
-              </a:spcBef>
-              <a:buNone/>
-            </a:pPr>
-            <a:endParaRPr b="0" lang="en-US" sz="2800" spc="-1" strike="noStrike">
-              <a:solidFill>
-                <a:srgbClr val="000000"/>
-              </a:solidFill>
+            <a:endParaRPr b="0" lang="en-GB" sz="3200" spc="-1" strike="noStrike">
               <a:latin typeface="Arial"/>
             </a:endParaRPr>
           </a:p>
@@ -13226,7 +11963,7 @@
         <p:txBody>
           <a:bodyPr/>
           <a:p>
-            <a:fld id="{4692F6E9-BA59-40B5-B530-339FC616801D}" type="slidenum">
+            <a:fld id="{36CBCDE9-2927-447B-9B43-E53C9EEF2230}" type="slidenum">
               <a:t>&lt;#&gt;</a:t>
             </a:fld>
           </a:p>
@@ -13288,7 +12025,7 @@
         <p:spPr>
           <a:xfrm>
             <a:off x="609480" y="273600"/>
-            <a:ext cx="10972080" cy="5306400"/>
+            <a:ext cx="10972440" cy="5307840"/>
           </a:xfrm>
           <a:prstGeom prst="rect">
             <a:avLst/>
@@ -13346,7 +12083,7 @@
         <p:txBody>
           <a:bodyPr/>
           <a:p>
-            <a:fld id="{68E9326C-5853-46DF-A75D-B1065D08E6CF}" type="slidenum">
+            <a:fld id="{40B86EDF-59F4-4A85-9078-3DAEEDB09F8D}" type="slidenum">
               <a:t>&lt;#&gt;</a:t>
             </a:fld>
           </a:p>
@@ -13408,7 +12145,7 @@
         <p:spPr>
           <a:xfrm>
             <a:off x="609480" y="273600"/>
-            <a:ext cx="10972080" cy="1144440"/>
+            <a:ext cx="10972440" cy="1144800"/>
           </a:xfrm>
           <a:prstGeom prst="rect">
             <a:avLst/>
@@ -13423,10 +12160,10 @@
             <a:noAutofit/>
           </a:bodyPr>
           <a:p>
-            <a:endParaRPr b="0" lang="en-US" sz="1800" spc="-1" strike="noStrike">
-              <a:solidFill>
-                <a:srgbClr val="000000"/>
-              </a:solidFill>
+            <a:pPr algn="ctr">
+              <a:buNone/>
+            </a:pPr>
+            <a:endParaRPr b="0" lang="en-GB" sz="4400" spc="-1" strike="noStrike">
               <a:latin typeface="Arial"/>
             </a:endParaRPr>
           </a:p>
@@ -13445,7 +12182,7 @@
         <p:spPr>
           <a:xfrm>
             <a:off x="609480" y="1604520"/>
-            <a:ext cx="3532680" cy="1896840"/>
+            <a:ext cx="3533040" cy="1896840"/>
           </a:xfrm>
           <a:prstGeom prst="rect">
             <a:avLst/>
@@ -13460,19 +12197,7 @@
             <a:normAutofit/>
           </a:bodyPr>
           <a:p>
-            <a:pPr>
-              <a:lnSpc>
-                <a:spcPct val="90000"/>
-              </a:lnSpc>
-              <a:spcBef>
-                <a:spcPts val="1417"/>
-              </a:spcBef>
-              <a:buNone/>
-            </a:pPr>
-            <a:endParaRPr b="0" lang="en-US" sz="2800" spc="-1" strike="noStrike">
-              <a:solidFill>
-                <a:srgbClr val="000000"/>
-              </a:solidFill>
+            <a:endParaRPr b="0" lang="en-GB" sz="3200" spc="-1" strike="noStrike">
               <a:latin typeface="Arial"/>
             </a:endParaRPr>
           </a:p>
@@ -13490,8 +12215,8 @@
         </p:nvSpPr>
         <p:spPr>
           <a:xfrm>
-            <a:off x="4319280" y="1604520"/>
-            <a:ext cx="3532680" cy="1896840"/>
+            <a:off x="4319640" y="1604520"/>
+            <a:ext cx="3533040" cy="1896840"/>
           </a:xfrm>
           <a:prstGeom prst="rect">
             <a:avLst/>
@@ -13506,19 +12231,7 @@
             <a:normAutofit/>
           </a:bodyPr>
           <a:p>
-            <a:pPr>
-              <a:lnSpc>
-                <a:spcPct val="90000"/>
-              </a:lnSpc>
-              <a:spcBef>
-                <a:spcPts val="1417"/>
-              </a:spcBef>
-              <a:buNone/>
-            </a:pPr>
-            <a:endParaRPr b="0" lang="en-US" sz="2800" spc="-1" strike="noStrike">
-              <a:solidFill>
-                <a:srgbClr val="000000"/>
-              </a:solidFill>
+            <a:endParaRPr b="0" lang="en-GB" sz="3200" spc="-1" strike="noStrike">
               <a:latin typeface="Arial"/>
             </a:endParaRPr>
           </a:p>
@@ -13536,8 +12249,8 @@
         </p:nvSpPr>
         <p:spPr>
           <a:xfrm>
-            <a:off x="8028720" y="1604520"/>
-            <a:ext cx="3532680" cy="1896840"/>
+            <a:off x="8029800" y="1604520"/>
+            <a:ext cx="3533040" cy="1896840"/>
           </a:xfrm>
           <a:prstGeom prst="rect">
             <a:avLst/>
@@ -13552,19 +12265,7 @@
             <a:normAutofit/>
           </a:bodyPr>
           <a:p>
-            <a:pPr>
-              <a:lnSpc>
-                <a:spcPct val="90000"/>
-              </a:lnSpc>
-              <a:spcBef>
-                <a:spcPts val="1417"/>
-              </a:spcBef>
-              <a:buNone/>
-            </a:pPr>
-            <a:endParaRPr b="0" lang="en-US" sz="2800" spc="-1" strike="noStrike">
-              <a:solidFill>
-                <a:srgbClr val="000000"/>
-              </a:solidFill>
+            <a:endParaRPr b="0" lang="en-GB" sz="3200" spc="-1" strike="noStrike">
               <a:latin typeface="Arial"/>
             </a:endParaRPr>
           </a:p>
@@ -13583,7 +12284,7 @@
         <p:spPr>
           <a:xfrm>
             <a:off x="609480" y="3682080"/>
-            <a:ext cx="3532680" cy="1896840"/>
+            <a:ext cx="3533040" cy="1896840"/>
           </a:xfrm>
           <a:prstGeom prst="rect">
             <a:avLst/>
@@ -13598,19 +12299,7 @@
             <a:normAutofit/>
           </a:bodyPr>
           <a:p>
-            <a:pPr>
-              <a:lnSpc>
-                <a:spcPct val="90000"/>
-              </a:lnSpc>
-              <a:spcBef>
-                <a:spcPts val="1417"/>
-              </a:spcBef>
-              <a:buNone/>
-            </a:pPr>
-            <a:endParaRPr b="0" lang="en-US" sz="2800" spc="-1" strike="noStrike">
-              <a:solidFill>
-                <a:srgbClr val="000000"/>
-              </a:solidFill>
+            <a:endParaRPr b="0" lang="en-GB" sz="3200" spc="-1" strike="noStrike">
               <a:latin typeface="Arial"/>
             </a:endParaRPr>
           </a:p>
@@ -13628,8 +12317,8 @@
         </p:nvSpPr>
         <p:spPr>
           <a:xfrm>
-            <a:off x="4319280" y="3682080"/>
-            <a:ext cx="3532680" cy="1896840"/>
+            <a:off x="4319640" y="3682080"/>
+            <a:ext cx="3533040" cy="1896840"/>
           </a:xfrm>
           <a:prstGeom prst="rect">
             <a:avLst/>
@@ -13644,19 +12333,7 @@
             <a:normAutofit/>
           </a:bodyPr>
           <a:p>
-            <a:pPr>
-              <a:lnSpc>
-                <a:spcPct val="90000"/>
-              </a:lnSpc>
-              <a:spcBef>
-                <a:spcPts val="1417"/>
-              </a:spcBef>
-              <a:buNone/>
-            </a:pPr>
-            <a:endParaRPr b="0" lang="en-US" sz="2800" spc="-1" strike="noStrike">
-              <a:solidFill>
-                <a:srgbClr val="000000"/>
-              </a:solidFill>
+            <a:endParaRPr b="0" lang="en-GB" sz="3200" spc="-1" strike="noStrike">
               <a:latin typeface="Arial"/>
             </a:endParaRPr>
           </a:p>
@@ -13674,8 +12351,8 @@
         </p:nvSpPr>
         <p:spPr>
           <a:xfrm>
-            <a:off x="8028720" y="3682080"/>
-            <a:ext cx="3532680" cy="1896840"/>
+            <a:off x="8029800" y="3682080"/>
+            <a:ext cx="3533040" cy="1896840"/>
           </a:xfrm>
           <a:prstGeom prst="rect">
             <a:avLst/>
@@ -13690,19 +12367,7 @@
             <a:normAutofit/>
           </a:bodyPr>
           <a:p>
-            <a:pPr>
-              <a:lnSpc>
-                <a:spcPct val="90000"/>
-              </a:lnSpc>
-              <a:spcBef>
-                <a:spcPts val="1417"/>
-              </a:spcBef>
-              <a:buNone/>
-            </a:pPr>
-            <a:endParaRPr b="0" lang="en-US" sz="2800" spc="-1" strike="noStrike">
-              <a:solidFill>
-                <a:srgbClr val="000000"/>
-              </a:solidFill>
+            <a:endParaRPr b="0" lang="en-GB" sz="3200" spc="-1" strike="noStrike">
               <a:latin typeface="Arial"/>
             </a:endParaRPr>
           </a:p>
@@ -13742,7 +12407,7 @@
         <p:txBody>
           <a:bodyPr/>
           <a:p>
-            <a:fld id="{E790D7C3-36C6-4AF7-AAC5-B36E4275C965}" type="slidenum">
+            <a:fld id="{EB0C3E9B-380C-4A11-810F-5985DE36C5E0}" type="slidenum">
               <a:t>&lt;#&gt;</a:t>
             </a:fld>
           </a:p>
@@ -13804,7 +12469,7 @@
         <p:spPr>
           <a:xfrm>
             <a:off x="609480" y="273600"/>
-            <a:ext cx="10972080" cy="1144440"/>
+            <a:ext cx="10972440" cy="1144800"/>
           </a:xfrm>
           <a:prstGeom prst="rect">
             <a:avLst/>
@@ -13819,10 +12484,10 @@
             <a:noAutofit/>
           </a:bodyPr>
           <a:p>
-            <a:endParaRPr b="0" lang="en-US" sz="1800" spc="-1" strike="noStrike">
-              <a:solidFill>
-                <a:srgbClr val="000000"/>
-              </a:solidFill>
+            <a:pPr algn="ctr">
+              <a:buNone/>
+            </a:pPr>
+            <a:endParaRPr b="0" lang="en-GB" sz="4400" spc="-1" strike="noStrike">
               <a:latin typeface="Arial"/>
             </a:endParaRPr>
           </a:p>
@@ -13856,19 +12521,7 @@
             <a:normAutofit/>
           </a:bodyPr>
           <a:p>
-            <a:pPr>
-              <a:lnSpc>
-                <a:spcPct val="90000"/>
-              </a:lnSpc>
-              <a:spcBef>
-                <a:spcPts val="1417"/>
-              </a:spcBef>
-              <a:buNone/>
-            </a:pPr>
-            <a:endParaRPr b="0" lang="en-US" sz="2800" spc="-1" strike="noStrike">
-              <a:solidFill>
-                <a:srgbClr val="000000"/>
-              </a:solidFill>
+            <a:endParaRPr b="0" lang="en-GB" sz="3200" spc="-1" strike="noStrike">
               <a:latin typeface="Arial"/>
             </a:endParaRPr>
           </a:p>
@@ -13887,7 +12540,7 @@
         <p:spPr>
           <a:xfrm>
             <a:off x="6231960" y="1604520"/>
-            <a:ext cx="5354280" cy="3976920"/>
+            <a:ext cx="5354280" cy="3977280"/>
           </a:xfrm>
           <a:prstGeom prst="rect">
             <a:avLst/>
@@ -13902,19 +12555,7 @@
             <a:normAutofit/>
           </a:bodyPr>
           <a:p>
-            <a:pPr>
-              <a:lnSpc>
-                <a:spcPct val="90000"/>
-              </a:lnSpc>
-              <a:spcBef>
-                <a:spcPts val="1417"/>
-              </a:spcBef>
-              <a:buNone/>
-            </a:pPr>
-            <a:endParaRPr b="0" lang="en-US" sz="2800" spc="-1" strike="noStrike">
-              <a:solidFill>
-                <a:srgbClr val="000000"/>
-              </a:solidFill>
+            <a:endParaRPr b="0" lang="en-GB" sz="3200" spc="-1" strike="noStrike">
               <a:latin typeface="Arial"/>
             </a:endParaRPr>
           </a:p>
@@ -13948,19 +12589,7 @@
             <a:normAutofit/>
           </a:bodyPr>
           <a:p>
-            <a:pPr>
-              <a:lnSpc>
-                <a:spcPct val="90000"/>
-              </a:lnSpc>
-              <a:spcBef>
-                <a:spcPts val="1417"/>
-              </a:spcBef>
-              <a:buNone/>
-            </a:pPr>
-            <a:endParaRPr b="0" lang="en-US" sz="2800" spc="-1" strike="noStrike">
-              <a:solidFill>
-                <a:srgbClr val="000000"/>
-              </a:solidFill>
+            <a:endParaRPr b="0" lang="en-GB" sz="3200" spc="-1" strike="noStrike">
               <a:latin typeface="Arial"/>
             </a:endParaRPr>
           </a:p>
@@ -14000,7 +12629,7 @@
         <p:txBody>
           <a:bodyPr/>
           <a:p>
-            <a:fld id="{2434C8C1-7C01-499F-B667-2256B5F39671}" type="slidenum">
+            <a:fld id="{D3AE54D8-0660-42FC-8081-C082E40F474B}" type="slidenum">
               <a:t>&lt;#&gt;</a:t>
             </a:fld>
           </a:p>
@@ -14062,7 +12691,7 @@
         <p:spPr>
           <a:xfrm>
             <a:off x="609480" y="273600"/>
-            <a:ext cx="10972080" cy="1144440"/>
+            <a:ext cx="10972440" cy="1144800"/>
           </a:xfrm>
           <a:prstGeom prst="rect">
             <a:avLst/>
@@ -14077,10 +12706,10 @@
             <a:noAutofit/>
           </a:bodyPr>
           <a:p>
-            <a:endParaRPr b="0" lang="en-US" sz="1800" spc="-1" strike="noStrike">
-              <a:solidFill>
-                <a:srgbClr val="000000"/>
-              </a:solidFill>
+            <a:pPr algn="ctr">
+              <a:buNone/>
+            </a:pPr>
+            <a:endParaRPr b="0" lang="en-GB" sz="4400" spc="-1" strike="noStrike">
               <a:latin typeface="Arial"/>
             </a:endParaRPr>
           </a:p>
@@ -14099,7 +12728,7 @@
         <p:spPr>
           <a:xfrm>
             <a:off x="609480" y="1604520"/>
-            <a:ext cx="5354280" cy="3976920"/>
+            <a:ext cx="5354280" cy="3977280"/>
           </a:xfrm>
           <a:prstGeom prst="rect">
             <a:avLst/>
@@ -14114,19 +12743,7 @@
             <a:normAutofit/>
           </a:bodyPr>
           <a:p>
-            <a:pPr>
-              <a:lnSpc>
-                <a:spcPct val="90000"/>
-              </a:lnSpc>
-              <a:spcBef>
-                <a:spcPts val="1417"/>
-              </a:spcBef>
-              <a:buNone/>
-            </a:pPr>
-            <a:endParaRPr b="0" lang="en-US" sz="2800" spc="-1" strike="noStrike">
-              <a:solidFill>
-                <a:srgbClr val="000000"/>
-              </a:solidFill>
+            <a:endParaRPr b="0" lang="en-GB" sz="3200" spc="-1" strike="noStrike">
               <a:latin typeface="Arial"/>
             </a:endParaRPr>
           </a:p>
@@ -14160,19 +12777,7 @@
             <a:normAutofit/>
           </a:bodyPr>
           <a:p>
-            <a:pPr>
-              <a:lnSpc>
-                <a:spcPct val="90000"/>
-              </a:lnSpc>
-              <a:spcBef>
-                <a:spcPts val="1417"/>
-              </a:spcBef>
-              <a:buNone/>
-            </a:pPr>
-            <a:endParaRPr b="0" lang="en-US" sz="2800" spc="-1" strike="noStrike">
-              <a:solidFill>
-                <a:srgbClr val="000000"/>
-              </a:solidFill>
+            <a:endParaRPr b="0" lang="en-GB" sz="3200" spc="-1" strike="noStrike">
               <a:latin typeface="Arial"/>
             </a:endParaRPr>
           </a:p>
@@ -14206,19 +12811,7 @@
             <a:normAutofit/>
           </a:bodyPr>
           <a:p>
-            <a:pPr>
-              <a:lnSpc>
-                <a:spcPct val="90000"/>
-              </a:lnSpc>
-              <a:spcBef>
-                <a:spcPts val="1417"/>
-              </a:spcBef>
-              <a:buNone/>
-            </a:pPr>
-            <a:endParaRPr b="0" lang="en-US" sz="2800" spc="-1" strike="noStrike">
-              <a:solidFill>
-                <a:srgbClr val="000000"/>
-              </a:solidFill>
+            <a:endParaRPr b="0" lang="en-GB" sz="3200" spc="-1" strike="noStrike">
               <a:latin typeface="Arial"/>
             </a:endParaRPr>
           </a:p>
@@ -14258,7 +12851,7 @@
         <p:txBody>
           <a:bodyPr/>
           <a:p>
-            <a:fld id="{B0574FE1-D8E6-46E3-8F9E-F7C2CFEDBA20}" type="slidenum">
+            <a:fld id="{89D3B546-1E16-4B71-9CBB-B9C051F9AC08}" type="slidenum">
               <a:t>&lt;#&gt;</a:t>
             </a:fld>
           </a:p>
@@ -14320,7 +12913,7 @@
         <p:spPr>
           <a:xfrm>
             <a:off x="609480" y="273600"/>
-            <a:ext cx="10972080" cy="1144440"/>
+            <a:ext cx="10972440" cy="1144800"/>
           </a:xfrm>
           <a:prstGeom prst="rect">
             <a:avLst/>
@@ -14335,10 +12928,10 @@
             <a:noAutofit/>
           </a:bodyPr>
           <a:p>
-            <a:endParaRPr b="0" lang="en-US" sz="1800" spc="-1" strike="noStrike">
-              <a:solidFill>
-                <a:srgbClr val="000000"/>
-              </a:solidFill>
+            <a:pPr algn="ctr">
+              <a:buNone/>
+            </a:pPr>
+            <a:endParaRPr b="0" lang="en-GB" sz="4400" spc="-1" strike="noStrike">
               <a:latin typeface="Arial"/>
             </a:endParaRPr>
           </a:p>
@@ -14372,19 +12965,7 @@
             <a:normAutofit/>
           </a:bodyPr>
           <a:p>
-            <a:pPr>
-              <a:lnSpc>
-                <a:spcPct val="90000"/>
-              </a:lnSpc>
-              <a:spcBef>
-                <a:spcPts val="1417"/>
-              </a:spcBef>
-              <a:buNone/>
-            </a:pPr>
-            <a:endParaRPr b="0" lang="en-US" sz="2800" spc="-1" strike="noStrike">
-              <a:solidFill>
-                <a:srgbClr val="000000"/>
-              </a:solidFill>
+            <a:endParaRPr b="0" lang="en-GB" sz="3200" spc="-1" strike="noStrike">
               <a:latin typeface="Arial"/>
             </a:endParaRPr>
           </a:p>
@@ -14418,19 +12999,7 @@
             <a:normAutofit/>
           </a:bodyPr>
           <a:p>
-            <a:pPr>
-              <a:lnSpc>
-                <a:spcPct val="90000"/>
-              </a:lnSpc>
-              <a:spcBef>
-                <a:spcPts val="1417"/>
-              </a:spcBef>
-              <a:buNone/>
-            </a:pPr>
-            <a:endParaRPr b="0" lang="en-US" sz="2800" spc="-1" strike="noStrike">
-              <a:solidFill>
-                <a:srgbClr val="000000"/>
-              </a:solidFill>
+            <a:endParaRPr b="0" lang="en-GB" sz="3200" spc="-1" strike="noStrike">
               <a:latin typeface="Arial"/>
             </a:endParaRPr>
           </a:p>
@@ -14449,7 +13018,7 @@
         <p:spPr>
           <a:xfrm>
             <a:off x="609480" y="3682080"/>
-            <a:ext cx="10972080" cy="1896840"/>
+            <a:ext cx="10972440" cy="1896840"/>
           </a:xfrm>
           <a:prstGeom prst="rect">
             <a:avLst/>
@@ -14464,19 +13033,7 @@
             <a:normAutofit/>
           </a:bodyPr>
           <a:p>
-            <a:pPr>
-              <a:lnSpc>
-                <a:spcPct val="90000"/>
-              </a:lnSpc>
-              <a:spcBef>
-                <a:spcPts val="1417"/>
-              </a:spcBef>
-              <a:buNone/>
-            </a:pPr>
-            <a:endParaRPr b="0" lang="en-US" sz="2800" spc="-1" strike="noStrike">
-              <a:solidFill>
-                <a:srgbClr val="000000"/>
-              </a:solidFill>
+            <a:endParaRPr b="0" lang="en-GB" sz="3200" spc="-1" strike="noStrike">
               <a:latin typeface="Arial"/>
             </a:endParaRPr>
           </a:p>
@@ -14516,7 +13073,7 @@
         <p:txBody>
           <a:bodyPr/>
           <a:p>
-            <a:fld id="{40A4EBD6-E309-49C8-88A8-B4C65685C1D0}" type="slidenum">
+            <a:fld id="{5CA9F0A1-DA76-47B8-ADE0-9E18E58A64F2}" type="slidenum">
               <a:t>&lt;#&gt;</a:t>
             </a:fld>
           </a:p>
@@ -14580,8 +13137,8 @@
         </p:nvSpPr>
         <p:spPr>
           <a:xfrm flipH="1" rot="10800000">
-            <a:off x="0" y="6403320"/>
-            <a:ext cx="12189960" cy="454680"/>
+            <a:off x="360" y="6403680"/>
+            <a:ext cx="12189600" cy="454320"/>
           </a:xfrm>
           <a:prstGeom prst="rect">
             <a:avLst/>
@@ -14599,7 +13156,7 @@
                 </a:srgbClr>
               </a:gs>
             </a:gsLst>
-            <a:lin ang="16800000"/>
+            <a:lin ang="15600000"/>
           </a:gradFill>
           <a:ln>
             <a:noFill/>
@@ -14628,8 +13185,8 @@
         </p:nvSpPr>
         <p:spPr>
           <a:xfrm flipH="1">
-            <a:off x="4036320" y="6401160"/>
-            <a:ext cx="8151120" cy="454680"/>
+            <a:off x="4035600" y="6401160"/>
+            <a:ext cx="8150760" cy="454320"/>
           </a:xfrm>
           <a:prstGeom prst="rect">
             <a:avLst/>
@@ -14645,7 +13202,7 @@
                 <a:srgbClr val="ba7f9f"/>
               </a:gs>
             </a:gsLst>
-            <a:lin ang="14400000"/>
+            <a:lin ang="18000000"/>
           </a:gradFill>
           <a:ln>
             <a:noFill/>
@@ -14678,8 +13235,8 @@
         </p:nvSpPr>
         <p:spPr>
           <a:xfrm rot="5400000">
-            <a:off x="-1826640" y="1911240"/>
-            <a:ext cx="4112640" cy="455040"/>
+            <a:off x="-1826280" y="1911240"/>
+            <a:ext cx="4112280" cy="454680"/>
           </a:xfrm>
           <a:prstGeom prst="rect">
             <a:avLst/>
@@ -14723,7 +13280,7 @@
                 <a:latin typeface="Times New Roman"/>
                 <a:ea typeface="DejaVu Sans"/>
               </a:rPr>
-              <a:t>&lt;footer&gt;</a:t>
+              <a:t> </a:t>
             </a:r>
             <a:endParaRPr b="0" lang="en-GB" sz="1400" spc="-1" strike="noStrike">
               <a:latin typeface="Times New Roman"/>
@@ -14744,7 +13301,7 @@
         <p:spPr>
           <a:xfrm>
             <a:off x="11667600" y="6409800"/>
-            <a:ext cx="436680" cy="446040"/>
+            <a:ext cx="436320" cy="445680"/>
           </a:xfrm>
           <a:prstGeom prst="rect">
             <a:avLst/>
@@ -14780,7 +13337,7 @@
               </a:lnSpc>
               <a:buNone/>
             </a:pPr>
-            <a:fld id="{413437CE-F0FF-4623-8BE1-7F6F9274589E}" type="slidenum">
+            <a:fld id="{09159DBB-4F0D-42D7-AD66-5ED6D12D71C5}" type="slidenum">
               <a:rPr b="0" lang="en-US" sz="800" spc="-1" strike="noStrike">
                 <a:solidFill>
                   <a:srgbClr val="ffffff"/>
@@ -14788,7 +13345,7 @@
                 <a:latin typeface="Gill Sans Nova"/>
                 <a:ea typeface="DejaVu Sans"/>
               </a:rPr>
-              <a:t>&lt;number&gt;</a:t>
+              <a:t>3</a:t>
             </a:fld>
             <a:endParaRPr b="0" lang="en-GB" sz="800" spc="-1" strike="noStrike">
               <a:latin typeface="Times New Roman"/>
@@ -14809,7 +13366,7 @@
         <p:spPr>
           <a:xfrm>
             <a:off x="7909560" y="6409800"/>
-            <a:ext cx="3701160" cy="446040"/>
+            <a:ext cx="3700800" cy="445680"/>
           </a:xfrm>
           <a:prstGeom prst="rect">
             <a:avLst/>
@@ -14835,7 +13392,7 @@
               <a:rPr b="0" lang="en-GB" sz="1400" spc="-1" strike="noStrike">
                 <a:latin typeface="Times New Roman"/>
               </a:rPr>
-              <a:t>&lt;date/time&gt;</a:t>
+              <a:t> </a:t>
             </a:r>
             <a:endParaRPr b="0" lang="en-GB" sz="1400" spc="-1" strike="noStrike">
               <a:latin typeface="Times New Roman"/>
@@ -14871,19 +13428,16 @@
             <a:noAutofit/>
           </a:bodyPr>
           <a:p>
+            <a:pPr algn="ctr">
+              <a:buNone/>
+            </a:pPr>
             <a:r>
-              <a:rPr b="0" lang="en-US" sz="1800" spc="-1" strike="noStrike">
-                <a:solidFill>
-                  <a:srgbClr val="000000"/>
-                </a:solidFill>
+              <a:rPr b="0" lang="en-GB" sz="4400" spc="-1" strike="noStrike">
                 <a:latin typeface="Arial"/>
               </a:rPr>
               <a:t>Click to edit the title text format</a:t>
             </a:r>
-            <a:endParaRPr b="0" lang="en-US" sz="1800" spc="-1" strike="noStrike">
-              <a:solidFill>
-                <a:srgbClr val="000000"/>
-              </a:solidFill>
+            <a:endParaRPr b="0" lang="en-GB" sz="4400" spc="-1" strike="noStrike">
               <a:latin typeface="Arial"/>
             </a:endParaRPr>
           </a:p>
@@ -14918,9 +13472,6 @@
           </a:bodyPr>
           <a:p>
             <a:pPr marL="432000" indent="-324000">
-              <a:lnSpc>
-                <a:spcPct val="90000"/>
-              </a:lnSpc>
               <a:spcBef>
                 <a:spcPts val="1417"/>
               </a:spcBef>
@@ -14932,26 +13483,17 @@
               <a:buChar char=""/>
             </a:pPr>
             <a:r>
-              <a:rPr b="0" lang="en-US" sz="2800" spc="-1" strike="noStrike">
-                <a:solidFill>
-                  <a:srgbClr val="000000"/>
-                </a:solidFill>
+              <a:rPr b="0" lang="en-GB" sz="3200" spc="-1" strike="noStrike">
                 <a:latin typeface="Arial"/>
               </a:rPr>
               <a:t>Click to edit the outline text format</a:t>
             </a:r>
-            <a:endParaRPr b="0" lang="en-US" sz="2800" spc="-1" strike="noStrike">
-              <a:solidFill>
-                <a:srgbClr val="000000"/>
-              </a:solidFill>
+            <a:endParaRPr b="0" lang="en-GB" sz="3200" spc="-1" strike="noStrike">
               <a:latin typeface="Arial"/>
             </a:endParaRPr>
           </a:p>
           <a:p>
             <a:pPr lvl="1" marL="864000" indent="-324000">
-              <a:lnSpc>
-                <a:spcPct val="90000"/>
-              </a:lnSpc>
               <a:spcBef>
                 <a:spcPts val="1134"/>
               </a:spcBef>
@@ -14963,26 +13505,17 @@
               <a:buChar char=""/>
             </a:pPr>
             <a:r>
-              <a:rPr b="0" lang="en-US" sz="2000" spc="-1" strike="noStrike">
-                <a:solidFill>
-                  <a:srgbClr val="000000"/>
-                </a:solidFill>
+              <a:rPr b="0" lang="en-GB" sz="2800" spc="-1" strike="noStrike">
                 <a:latin typeface="Arial"/>
               </a:rPr>
               <a:t>Second Outline Level</a:t>
             </a:r>
-            <a:endParaRPr b="0" lang="en-US" sz="2000" spc="-1" strike="noStrike">
-              <a:solidFill>
-                <a:srgbClr val="000000"/>
-              </a:solidFill>
+            <a:endParaRPr b="0" lang="en-GB" sz="2800" spc="-1" strike="noStrike">
               <a:latin typeface="Arial"/>
             </a:endParaRPr>
           </a:p>
           <a:p>
             <a:pPr lvl="2" marL="1296000" indent="-288000">
-              <a:lnSpc>
-                <a:spcPct val="90000"/>
-              </a:lnSpc>
               <a:spcBef>
                 <a:spcPts val="850"/>
               </a:spcBef>
@@ -14994,26 +13527,17 @@
               <a:buChar char=""/>
             </a:pPr>
             <a:r>
-              <a:rPr b="0" lang="en-US" sz="1800" spc="-1" strike="noStrike">
-                <a:solidFill>
-                  <a:srgbClr val="000000"/>
-                </a:solidFill>
+              <a:rPr b="0" lang="en-GB" sz="2400" spc="-1" strike="noStrike">
                 <a:latin typeface="Arial"/>
               </a:rPr>
               <a:t>Third Outline Level</a:t>
             </a:r>
-            <a:endParaRPr b="0" lang="en-US" sz="1800" spc="-1" strike="noStrike">
-              <a:solidFill>
-                <a:srgbClr val="000000"/>
-              </a:solidFill>
+            <a:endParaRPr b="0" lang="en-GB" sz="2400" spc="-1" strike="noStrike">
               <a:latin typeface="Arial"/>
             </a:endParaRPr>
           </a:p>
           <a:p>
             <a:pPr lvl="3" marL="1728000" indent="-216000">
-              <a:lnSpc>
-                <a:spcPct val="90000"/>
-              </a:lnSpc>
               <a:spcBef>
                 <a:spcPts val="567"/>
               </a:spcBef>
@@ -15025,26 +13549,17 @@
               <a:buChar char=""/>
             </a:pPr>
             <a:r>
-              <a:rPr b="0" lang="en-US" sz="1800" spc="-1" strike="noStrike">
-                <a:solidFill>
-                  <a:srgbClr val="000000"/>
-                </a:solidFill>
+              <a:rPr b="0" lang="en-GB" sz="2000" spc="-1" strike="noStrike">
                 <a:latin typeface="Arial"/>
               </a:rPr>
               <a:t>Fourth Outline Level</a:t>
             </a:r>
-            <a:endParaRPr b="0" lang="en-US" sz="1800" spc="-1" strike="noStrike">
-              <a:solidFill>
-                <a:srgbClr val="000000"/>
-              </a:solidFill>
+            <a:endParaRPr b="0" lang="en-GB" sz="2000" spc="-1" strike="noStrike">
               <a:latin typeface="Arial"/>
             </a:endParaRPr>
           </a:p>
           <a:p>
             <a:pPr lvl="4" marL="2160000" indent="-216000">
-              <a:lnSpc>
-                <a:spcPct val="90000"/>
-              </a:lnSpc>
               <a:spcBef>
                 <a:spcPts val="283"/>
               </a:spcBef>
@@ -15056,26 +13571,17 @@
               <a:buChar char=""/>
             </a:pPr>
             <a:r>
-              <a:rPr b="0" lang="en-US" sz="2000" spc="-1" strike="noStrike">
-                <a:solidFill>
-                  <a:srgbClr val="000000"/>
-                </a:solidFill>
+              <a:rPr b="0" lang="en-GB" sz="2000" spc="-1" strike="noStrike">
                 <a:latin typeface="Arial"/>
               </a:rPr>
               <a:t>Fifth Outline Level</a:t>
             </a:r>
-            <a:endParaRPr b="0" lang="en-US" sz="2000" spc="-1" strike="noStrike">
-              <a:solidFill>
-                <a:srgbClr val="000000"/>
-              </a:solidFill>
+            <a:endParaRPr b="0" lang="en-GB" sz="2000" spc="-1" strike="noStrike">
               <a:latin typeface="Arial"/>
             </a:endParaRPr>
           </a:p>
           <a:p>
             <a:pPr lvl="5" marL="2592000" indent="-216000">
-              <a:lnSpc>
-                <a:spcPct val="90000"/>
-              </a:lnSpc>
               <a:spcBef>
                 <a:spcPts val="283"/>
               </a:spcBef>
@@ -15087,26 +13593,17 @@
               <a:buChar char=""/>
             </a:pPr>
             <a:r>
-              <a:rPr b="0" lang="en-US" sz="2000" spc="-1" strike="noStrike">
-                <a:solidFill>
-                  <a:srgbClr val="000000"/>
-                </a:solidFill>
+              <a:rPr b="0" lang="en-GB" sz="2000" spc="-1" strike="noStrike">
                 <a:latin typeface="Arial"/>
               </a:rPr>
               <a:t>Sixth Outline Level</a:t>
             </a:r>
-            <a:endParaRPr b="0" lang="en-US" sz="2000" spc="-1" strike="noStrike">
-              <a:solidFill>
-                <a:srgbClr val="000000"/>
-              </a:solidFill>
+            <a:endParaRPr b="0" lang="en-GB" sz="2000" spc="-1" strike="noStrike">
               <a:latin typeface="Arial"/>
             </a:endParaRPr>
           </a:p>
           <a:p>
             <a:pPr lvl="6" marL="3024000" indent="-216000">
-              <a:lnSpc>
-                <a:spcPct val="90000"/>
-              </a:lnSpc>
               <a:spcBef>
                 <a:spcPts val="283"/>
               </a:spcBef>
@@ -15118,18 +13615,12 @@
               <a:buChar char=""/>
             </a:pPr>
             <a:r>
-              <a:rPr b="0" lang="en-US" sz="2000" spc="-1" strike="noStrike">
-                <a:solidFill>
-                  <a:srgbClr val="000000"/>
-                </a:solidFill>
+              <a:rPr b="0" lang="en-GB" sz="2000" spc="-1" strike="noStrike">
                 <a:latin typeface="Arial"/>
               </a:rPr>
               <a:t>Seventh Outline Level</a:t>
             </a:r>
-            <a:endParaRPr b="0" lang="en-US" sz="2000" spc="-1" strike="noStrike">
-              <a:solidFill>
-                <a:srgbClr val="000000"/>
-              </a:solidFill>
+            <a:endParaRPr b="0" lang="en-GB" sz="2000" spc="-1" strike="noStrike">
               <a:latin typeface="Arial"/>
             </a:endParaRPr>
           </a:p>
@@ -15187,8 +13678,8 @@
         </p:nvSpPr>
         <p:spPr>
           <a:xfrm flipH="1" rot="10800000">
-            <a:off x="0" y="6403320"/>
-            <a:ext cx="12189960" cy="454680"/>
+            <a:off x="360" y="6403680"/>
+            <a:ext cx="12189600" cy="454320"/>
           </a:xfrm>
           <a:prstGeom prst="rect">
             <a:avLst/>
@@ -15206,7 +13697,7 @@
                 </a:srgbClr>
               </a:gs>
             </a:gsLst>
-            <a:lin ang="16800000"/>
+            <a:lin ang="15600000"/>
           </a:gradFill>
           <a:ln>
             <a:noFill/>
@@ -15235,8 +13726,8 @@
         </p:nvSpPr>
         <p:spPr>
           <a:xfrm flipH="1">
-            <a:off x="4036320" y="6401160"/>
-            <a:ext cx="8151120" cy="454680"/>
+            <a:off x="4035600" y="6401160"/>
+            <a:ext cx="8150760" cy="454320"/>
           </a:xfrm>
           <a:prstGeom prst="rect">
             <a:avLst/>
@@ -15252,7 +13743,7 @@
                 <a:srgbClr val="ba7f9f"/>
               </a:gs>
             </a:gsLst>
-            <a:lin ang="14400000"/>
+            <a:lin ang="18000000"/>
           </a:gradFill>
           <a:ln>
             <a:noFill/>
@@ -15285,8 +13776,8 @@
         </p:nvSpPr>
         <p:spPr>
           <a:xfrm rot="5400000">
-            <a:off x="-1826640" y="1911240"/>
-            <a:ext cx="4112640" cy="455040"/>
+            <a:off x="-1826280" y="1911240"/>
+            <a:ext cx="4112280" cy="454680"/>
           </a:xfrm>
           <a:prstGeom prst="rect">
             <a:avLst/>
@@ -15351,7 +13842,7 @@
         <p:spPr>
           <a:xfrm>
             <a:off x="11667600" y="6409800"/>
-            <a:ext cx="436680" cy="446040"/>
+            <a:ext cx="436320" cy="445680"/>
           </a:xfrm>
           <a:prstGeom prst="rect">
             <a:avLst/>
@@ -15387,7 +13878,7 @@
               </a:lnSpc>
               <a:buNone/>
             </a:pPr>
-            <a:fld id="{D37FE222-6066-4BA9-8CF6-A6258218AF00}" type="slidenum">
+            <a:fld id="{3DDB9B25-ABCE-47DB-845D-8660B5FD39AB}" type="slidenum">
               <a:rPr b="0" lang="en-US" sz="800" spc="-1" strike="noStrike">
                 <a:solidFill>
                   <a:srgbClr val="ffffff"/>
@@ -15416,7 +13907,7 @@
         <p:spPr>
           <a:xfrm>
             <a:off x="7909560" y="6409800"/>
-            <a:ext cx="3701160" cy="446040"/>
+            <a:ext cx="3700800" cy="445680"/>
           </a:xfrm>
           <a:prstGeom prst="rect">
             <a:avLst/>
@@ -15478,19 +13969,16 @@
             <a:noAutofit/>
           </a:bodyPr>
           <a:p>
+            <a:pPr algn="ctr">
+              <a:buNone/>
+            </a:pPr>
             <a:r>
-              <a:rPr b="0" lang="en-US" sz="1800" spc="-1" strike="noStrike">
-                <a:solidFill>
-                  <a:srgbClr val="000000"/>
-                </a:solidFill>
+              <a:rPr b="0" lang="en-GB" sz="4400" spc="-1" strike="noStrike">
                 <a:latin typeface="Arial"/>
               </a:rPr>
               <a:t>Click to edit the title text format</a:t>
             </a:r>
-            <a:endParaRPr b="0" lang="en-US" sz="1800" spc="-1" strike="noStrike">
-              <a:solidFill>
-                <a:srgbClr val="000000"/>
-              </a:solidFill>
+            <a:endParaRPr b="0" lang="en-GB" sz="4400" spc="-1" strike="noStrike">
               <a:latin typeface="Arial"/>
             </a:endParaRPr>
           </a:p>
@@ -15525,9 +14013,6 @@
           </a:bodyPr>
           <a:p>
             <a:pPr marL="432000" indent="-324000">
-              <a:lnSpc>
-                <a:spcPct val="90000"/>
-              </a:lnSpc>
               <a:spcBef>
                 <a:spcPts val="1417"/>
               </a:spcBef>
@@ -15539,26 +14024,17 @@
               <a:buChar char=""/>
             </a:pPr>
             <a:r>
-              <a:rPr b="0" lang="en-US" sz="2800" spc="-1" strike="noStrike">
-                <a:solidFill>
-                  <a:srgbClr val="000000"/>
-                </a:solidFill>
+              <a:rPr b="0" lang="en-GB" sz="3200" spc="-1" strike="noStrike">
                 <a:latin typeface="Arial"/>
               </a:rPr>
               <a:t>Click to edit the outline text format</a:t>
             </a:r>
-            <a:endParaRPr b="0" lang="en-US" sz="2800" spc="-1" strike="noStrike">
-              <a:solidFill>
-                <a:srgbClr val="000000"/>
-              </a:solidFill>
+            <a:endParaRPr b="0" lang="en-GB" sz="3200" spc="-1" strike="noStrike">
               <a:latin typeface="Arial"/>
             </a:endParaRPr>
           </a:p>
           <a:p>
             <a:pPr lvl="1" marL="864000" indent="-324000">
-              <a:lnSpc>
-                <a:spcPct val="90000"/>
-              </a:lnSpc>
               <a:spcBef>
                 <a:spcPts val="1134"/>
               </a:spcBef>
@@ -15570,26 +14046,17 @@
               <a:buChar char=""/>
             </a:pPr>
             <a:r>
-              <a:rPr b="0" lang="en-US" sz="2000" spc="-1" strike="noStrike">
-                <a:solidFill>
-                  <a:srgbClr val="000000"/>
-                </a:solidFill>
+              <a:rPr b="0" lang="en-GB" sz="2800" spc="-1" strike="noStrike">
                 <a:latin typeface="Arial"/>
               </a:rPr>
               <a:t>Second Outline Level</a:t>
             </a:r>
-            <a:endParaRPr b="0" lang="en-US" sz="2000" spc="-1" strike="noStrike">
-              <a:solidFill>
-                <a:srgbClr val="000000"/>
-              </a:solidFill>
+            <a:endParaRPr b="0" lang="en-GB" sz="2800" spc="-1" strike="noStrike">
               <a:latin typeface="Arial"/>
             </a:endParaRPr>
           </a:p>
           <a:p>
             <a:pPr lvl="2" marL="1296000" indent="-288000">
-              <a:lnSpc>
-                <a:spcPct val="90000"/>
-              </a:lnSpc>
               <a:spcBef>
                 <a:spcPts val="850"/>
               </a:spcBef>
@@ -15601,26 +14068,17 @@
               <a:buChar char=""/>
             </a:pPr>
             <a:r>
-              <a:rPr b="0" lang="en-US" sz="1800" spc="-1" strike="noStrike">
-                <a:solidFill>
-                  <a:srgbClr val="000000"/>
-                </a:solidFill>
+              <a:rPr b="0" lang="en-GB" sz="2400" spc="-1" strike="noStrike">
                 <a:latin typeface="Arial"/>
               </a:rPr>
               <a:t>Third Outline Level</a:t>
             </a:r>
-            <a:endParaRPr b="0" lang="en-US" sz="1800" spc="-1" strike="noStrike">
-              <a:solidFill>
-                <a:srgbClr val="000000"/>
-              </a:solidFill>
+            <a:endParaRPr b="0" lang="en-GB" sz="2400" spc="-1" strike="noStrike">
               <a:latin typeface="Arial"/>
             </a:endParaRPr>
           </a:p>
           <a:p>
             <a:pPr lvl="3" marL="1728000" indent="-216000">
-              <a:lnSpc>
-                <a:spcPct val="90000"/>
-              </a:lnSpc>
               <a:spcBef>
                 <a:spcPts val="567"/>
               </a:spcBef>
@@ -15632,26 +14090,17 @@
               <a:buChar char=""/>
             </a:pPr>
             <a:r>
-              <a:rPr b="0" lang="en-US" sz="1800" spc="-1" strike="noStrike">
-                <a:solidFill>
-                  <a:srgbClr val="000000"/>
-                </a:solidFill>
+              <a:rPr b="0" lang="en-GB" sz="2000" spc="-1" strike="noStrike">
                 <a:latin typeface="Arial"/>
               </a:rPr>
               <a:t>Fourth Outline Level</a:t>
             </a:r>
-            <a:endParaRPr b="0" lang="en-US" sz="1800" spc="-1" strike="noStrike">
-              <a:solidFill>
-                <a:srgbClr val="000000"/>
-              </a:solidFill>
+            <a:endParaRPr b="0" lang="en-GB" sz="2000" spc="-1" strike="noStrike">
               <a:latin typeface="Arial"/>
             </a:endParaRPr>
           </a:p>
           <a:p>
             <a:pPr lvl="4" marL="2160000" indent="-216000">
-              <a:lnSpc>
-                <a:spcPct val="90000"/>
-              </a:lnSpc>
               <a:spcBef>
                 <a:spcPts val="283"/>
               </a:spcBef>
@@ -15663,26 +14112,17 @@
               <a:buChar char=""/>
             </a:pPr>
             <a:r>
-              <a:rPr b="0" lang="en-US" sz="2000" spc="-1" strike="noStrike">
-                <a:solidFill>
-                  <a:srgbClr val="000000"/>
-                </a:solidFill>
+              <a:rPr b="0" lang="en-GB" sz="2000" spc="-1" strike="noStrike">
                 <a:latin typeface="Arial"/>
               </a:rPr>
               <a:t>Fifth Outline Level</a:t>
             </a:r>
-            <a:endParaRPr b="0" lang="en-US" sz="2000" spc="-1" strike="noStrike">
-              <a:solidFill>
-                <a:srgbClr val="000000"/>
-              </a:solidFill>
+            <a:endParaRPr b="0" lang="en-GB" sz="2000" spc="-1" strike="noStrike">
               <a:latin typeface="Arial"/>
             </a:endParaRPr>
           </a:p>
           <a:p>
             <a:pPr lvl="5" marL="2592000" indent="-216000">
-              <a:lnSpc>
-                <a:spcPct val="90000"/>
-              </a:lnSpc>
               <a:spcBef>
                 <a:spcPts val="283"/>
               </a:spcBef>
@@ -15694,26 +14134,17 @@
               <a:buChar char=""/>
             </a:pPr>
             <a:r>
-              <a:rPr b="0" lang="en-US" sz="2000" spc="-1" strike="noStrike">
-                <a:solidFill>
-                  <a:srgbClr val="000000"/>
-                </a:solidFill>
+              <a:rPr b="0" lang="en-GB" sz="2000" spc="-1" strike="noStrike">
                 <a:latin typeface="Arial"/>
               </a:rPr>
               <a:t>Sixth Outline Level</a:t>
             </a:r>
-            <a:endParaRPr b="0" lang="en-US" sz="2000" spc="-1" strike="noStrike">
-              <a:solidFill>
-                <a:srgbClr val="000000"/>
-              </a:solidFill>
+            <a:endParaRPr b="0" lang="en-GB" sz="2000" spc="-1" strike="noStrike">
               <a:latin typeface="Arial"/>
             </a:endParaRPr>
           </a:p>
           <a:p>
             <a:pPr lvl="6" marL="3024000" indent="-216000">
-              <a:lnSpc>
-                <a:spcPct val="90000"/>
-              </a:lnSpc>
               <a:spcBef>
                 <a:spcPts val="283"/>
               </a:spcBef>
@@ -15725,18 +14156,12 @@
               <a:buChar char=""/>
             </a:pPr>
             <a:r>
-              <a:rPr b="0" lang="en-US" sz="2000" spc="-1" strike="noStrike">
-                <a:solidFill>
-                  <a:srgbClr val="000000"/>
-                </a:solidFill>
+              <a:rPr b="0" lang="en-GB" sz="2000" spc="-1" strike="noStrike">
                 <a:latin typeface="Arial"/>
               </a:rPr>
               <a:t>Seventh Outline Level</a:t>
             </a:r>
-            <a:endParaRPr b="0" lang="en-US" sz="2000" spc="-1" strike="noStrike">
-              <a:solidFill>
-                <a:srgbClr val="000000"/>
-              </a:solidFill>
+            <a:endParaRPr b="0" lang="en-GB" sz="2000" spc="-1" strike="noStrike">
               <a:latin typeface="Arial"/>
             </a:endParaRPr>
           </a:p>
@@ -15794,8 +14219,8 @@
         </p:nvSpPr>
         <p:spPr>
           <a:xfrm flipH="1" rot="10800000">
-            <a:off x="0" y="6403320"/>
-            <a:ext cx="12189960" cy="454680"/>
+            <a:off x="360" y="6403680"/>
+            <a:ext cx="12189600" cy="454320"/>
           </a:xfrm>
           <a:prstGeom prst="rect">
             <a:avLst/>
@@ -15813,7 +14238,7 @@
                 </a:srgbClr>
               </a:gs>
             </a:gsLst>
-            <a:lin ang="16800000"/>
+            <a:lin ang="15600000"/>
           </a:gradFill>
           <a:ln>
             <a:noFill/>
@@ -15842,8 +14267,8 @@
         </p:nvSpPr>
         <p:spPr>
           <a:xfrm flipH="1">
-            <a:off x="4036320" y="6401160"/>
-            <a:ext cx="8151120" cy="454680"/>
+            <a:off x="4035600" y="6401160"/>
+            <a:ext cx="8150760" cy="454320"/>
           </a:xfrm>
           <a:prstGeom prst="rect">
             <a:avLst/>
@@ -15859,7 +14284,7 @@
                 <a:srgbClr val="ba7f9f"/>
               </a:gs>
             </a:gsLst>
-            <a:lin ang="14400000"/>
+            <a:lin ang="18000000"/>
           </a:gradFill>
           <a:ln>
             <a:noFill/>
@@ -15893,7 +14318,7 @@
         <p:spPr>
           <a:xfrm>
             <a:off x="609480" y="273600"/>
-            <a:ext cx="10972080" cy="1144440"/>
+            <a:ext cx="10971720" cy="1144080"/>
           </a:xfrm>
           <a:prstGeom prst="rect">
             <a:avLst/>
@@ -15909,26 +14334,203 @@
           </a:bodyPr>
           <a:p>
             <a:r>
-              <a:rPr b="0" lang="en-US" sz="4400" spc="-1" strike="noStrike">
-                <a:solidFill>
-                  <a:srgbClr val="000000"/>
-                </a:solidFill>
+              <a:rPr b="0" lang="en-GB" sz="1800" spc="-1" strike="noStrike">
                 <a:latin typeface="Arial"/>
               </a:rPr>
               <a:t>Click to edit the title text format</a:t>
             </a:r>
-            <a:endParaRPr b="0" lang="en-US" sz="4400" spc="-1" strike="noStrike">
-              <a:solidFill>
+            <a:endParaRPr b="0" lang="en-GB" sz="1800" spc="-1" strike="noStrike">
+              <a:latin typeface="Arial"/>
+            </a:endParaRPr>
+          </a:p>
+        </p:txBody>
+      </p:sp>
+      <p:sp>
+        <p:nvSpPr>
+          <p:cNvPr id="89" name="PlaceHolder 2"/>
+          <p:cNvSpPr>
+            <a:spLocks noGrp="1"/>
+          </p:cNvSpPr>
+          <p:nvPr>
+            <p:ph type="body"/>
+          </p:nvPr>
+        </p:nvSpPr>
+        <p:spPr>
+          <a:xfrm>
+            <a:off x="609480" y="1604520"/>
+            <a:ext cx="10971720" cy="3976560"/>
+          </a:xfrm>
+          <a:prstGeom prst="rect">
+            <a:avLst/>
+          </a:prstGeom>
+          <a:noFill/>
+          <a:ln w="0">
+            <a:noFill/>
+          </a:ln>
+        </p:spPr>
+        <p:txBody>
+          <a:bodyPr lIns="0" rIns="0" tIns="0" bIns="0" anchor="t">
+            <a:normAutofit/>
+          </a:bodyPr>
+          <a:p>
+            <a:pPr marL="432000" indent="-324000">
+              <a:spcBef>
+                <a:spcPts val="1417"/>
+              </a:spcBef>
+              <a:buClr>
                 <a:srgbClr val="000000"/>
-              </a:solidFill>
-              <a:latin typeface="Arial"/>
-            </a:endParaRPr>
-          </a:p>
-        </p:txBody>
-      </p:sp>
-      <p:sp>
-        <p:nvSpPr>
-          <p:cNvPr id="89" name="PlaceHolder 2"/>
+              </a:buClr>
+              <a:buSzPct val="45000"/>
+              <a:buFont typeface="Wingdings" charset="2"/>
+              <a:buChar char=""/>
+            </a:pPr>
+            <a:r>
+              <a:rPr b="0" lang="en-GB" sz="1800" spc="-1" strike="noStrike">
+                <a:latin typeface="Arial"/>
+              </a:rPr>
+              <a:t>Click to edit the outline text format</a:t>
+            </a:r>
+            <a:endParaRPr b="0" lang="en-GB" sz="1800" spc="-1" strike="noStrike">
+              <a:latin typeface="Arial"/>
+            </a:endParaRPr>
+          </a:p>
+          <a:p>
+            <a:pPr lvl="1" marL="864000" indent="-324000">
+              <a:spcBef>
+                <a:spcPts val="1134"/>
+              </a:spcBef>
+              <a:buClr>
+                <a:srgbClr val="000000"/>
+              </a:buClr>
+              <a:buSzPct val="75000"/>
+              <a:buFont typeface="Symbol" charset="2"/>
+              <a:buChar char=""/>
+            </a:pPr>
+            <a:r>
+              <a:rPr b="0" lang="en-GB" sz="1800" spc="-1" strike="noStrike">
+                <a:latin typeface="Arial"/>
+              </a:rPr>
+              <a:t>Second Outline Level</a:t>
+            </a:r>
+            <a:endParaRPr b="0" lang="en-GB" sz="1800" spc="-1" strike="noStrike">
+              <a:latin typeface="Arial"/>
+            </a:endParaRPr>
+          </a:p>
+          <a:p>
+            <a:pPr lvl="2" marL="1296000" indent="-288000">
+              <a:spcBef>
+                <a:spcPts val="850"/>
+              </a:spcBef>
+              <a:buClr>
+                <a:srgbClr val="000000"/>
+              </a:buClr>
+              <a:buSzPct val="45000"/>
+              <a:buFont typeface="Wingdings" charset="2"/>
+              <a:buChar char=""/>
+            </a:pPr>
+            <a:r>
+              <a:rPr b="0" lang="en-GB" sz="1800" spc="-1" strike="noStrike">
+                <a:latin typeface="Arial"/>
+              </a:rPr>
+              <a:t>Third Outline Level</a:t>
+            </a:r>
+            <a:endParaRPr b="0" lang="en-GB" sz="1800" spc="-1" strike="noStrike">
+              <a:latin typeface="Arial"/>
+            </a:endParaRPr>
+          </a:p>
+          <a:p>
+            <a:pPr lvl="3" marL="1728000" indent="-216000">
+              <a:spcBef>
+                <a:spcPts val="567"/>
+              </a:spcBef>
+              <a:buClr>
+                <a:srgbClr val="000000"/>
+              </a:buClr>
+              <a:buSzPct val="75000"/>
+              <a:buFont typeface="Symbol" charset="2"/>
+              <a:buChar char=""/>
+            </a:pPr>
+            <a:r>
+              <a:rPr b="0" lang="en-GB" sz="1800" spc="-1" strike="noStrike">
+                <a:latin typeface="Arial"/>
+              </a:rPr>
+              <a:t>Fourth Outline Level</a:t>
+            </a:r>
+            <a:endParaRPr b="0" lang="en-GB" sz="1800" spc="-1" strike="noStrike">
+              <a:latin typeface="Arial"/>
+            </a:endParaRPr>
+          </a:p>
+          <a:p>
+            <a:pPr lvl="4" marL="2160000" indent="-216000">
+              <a:spcBef>
+                <a:spcPts val="283"/>
+              </a:spcBef>
+              <a:buClr>
+                <a:srgbClr val="000000"/>
+              </a:buClr>
+              <a:buSzPct val="45000"/>
+              <a:buFont typeface="Wingdings" charset="2"/>
+              <a:buChar char=""/>
+            </a:pPr>
+            <a:r>
+              <a:rPr b="0" lang="en-GB" sz="1800" spc="-1" strike="noStrike">
+                <a:latin typeface="Arial"/>
+              </a:rPr>
+              <a:t>Fifth Outline Level</a:t>
+            </a:r>
+            <a:endParaRPr b="0" lang="en-GB" sz="1800" spc="-1" strike="noStrike">
+              <a:latin typeface="Arial"/>
+            </a:endParaRPr>
+          </a:p>
+          <a:p>
+            <a:pPr lvl="5" marL="2592000" indent="-216000">
+              <a:spcBef>
+                <a:spcPts val="283"/>
+              </a:spcBef>
+              <a:buClr>
+                <a:srgbClr val="000000"/>
+              </a:buClr>
+              <a:buSzPct val="45000"/>
+              <a:buFont typeface="Wingdings" charset="2"/>
+              <a:buChar char=""/>
+            </a:pPr>
+            <a:r>
+              <a:rPr b="0" lang="en-GB" sz="1800" spc="-1" strike="noStrike">
+                <a:latin typeface="Arial"/>
+              </a:rPr>
+              <a:t>Sixth Outline Level</a:t>
+            </a:r>
+            <a:endParaRPr b="0" lang="en-GB" sz="1800" spc="-1" strike="noStrike">
+              <a:latin typeface="Arial"/>
+            </a:endParaRPr>
+          </a:p>
+          <a:p>
+            <a:pPr lvl="6" marL="3024000" indent="-216000">
+              <a:spcBef>
+                <a:spcPts val="283"/>
+              </a:spcBef>
+              <a:buClr>
+                <a:srgbClr val="000000"/>
+              </a:buClr>
+              <a:buSzPct val="45000"/>
+              <a:buFont typeface="Wingdings" charset="2"/>
+              <a:buChar char=""/>
+            </a:pPr>
+            <a:r>
+              <a:rPr b="0" lang="en-GB" sz="1800" spc="-1" strike="noStrike">
+                <a:latin typeface="Arial"/>
+              </a:rPr>
+              <a:t>Seventh Outline Level</a:t>
+            </a:r>
+            <a:endParaRPr b="0" lang="en-GB" sz="1800" spc="-1" strike="noStrike">
+              <a:latin typeface="Arial"/>
+            </a:endParaRPr>
+          </a:p>
+        </p:txBody>
+      </p:sp>
+      <p:sp>
+        <p:nvSpPr>
+          <p:cNvPr id="90" name="PlaceHolder 3"/>
           <p:cNvSpPr>
             <a:spLocks noGrp="1"/>
           </p:cNvSpPr>
@@ -15938,8 +14540,8 @@
         </p:nvSpPr>
         <p:spPr>
           <a:xfrm rot="5400000">
-            <a:off x="-1826640" y="1911240"/>
-            <a:ext cx="4112640" cy="455040"/>
+            <a:off x="-1826280" y="1911240"/>
+            <a:ext cx="4112280" cy="454680"/>
           </a:xfrm>
           <a:prstGeom prst="rect">
             <a:avLst/>
@@ -15993,7 +14595,7 @@
       </p:sp>
       <p:sp>
         <p:nvSpPr>
-          <p:cNvPr id="90" name="PlaceHolder 3"/>
+          <p:cNvPr id="91" name="PlaceHolder 4"/>
           <p:cNvSpPr>
             <a:spLocks noGrp="1"/>
           </p:cNvSpPr>
@@ -16004,7 +14606,7 @@
         <p:spPr>
           <a:xfrm>
             <a:off x="11667600" y="6409800"/>
-            <a:ext cx="436680" cy="446040"/>
+            <a:ext cx="436320" cy="445680"/>
           </a:xfrm>
           <a:prstGeom prst="rect">
             <a:avLst/>
@@ -16040,7 +14642,7 @@
               </a:lnSpc>
               <a:buNone/>
             </a:pPr>
-            <a:fld id="{F7EB2A10-5177-49D9-B35A-9D98610CBEBD}" type="slidenum">
+            <a:fld id="{10AD9B42-4A60-432A-B5FF-8BA2C67B8541}" type="slidenum">
               <a:rPr b="0" lang="en-US" sz="800" spc="-1" strike="noStrike">
                 <a:solidFill>
                   <a:srgbClr val="ffffff"/>
@@ -16058,7 +14660,7 @@
       </p:sp>
       <p:sp>
         <p:nvSpPr>
-          <p:cNvPr id="91" name="PlaceHolder 4"/>
+          <p:cNvPr id="92" name="PlaceHolder 5"/>
           <p:cNvSpPr>
             <a:spLocks noGrp="1"/>
           </p:cNvSpPr>
@@ -16069,7 +14671,7 @@
         <p:spPr>
           <a:xfrm>
             <a:off x="7909560" y="6409800"/>
-            <a:ext cx="3701160" cy="446040"/>
+            <a:ext cx="3700800" cy="445680"/>
           </a:xfrm>
           <a:prstGeom prst="rect">
             <a:avLst/>
@@ -16099,252 +14701,6 @@
             </a:r>
             <a:endParaRPr b="0" lang="en-GB" sz="1400" spc="-1" strike="noStrike">
               <a:latin typeface="Times New Roman"/>
-            </a:endParaRPr>
-          </a:p>
-        </p:txBody>
-      </p:sp>
-      <p:sp>
-        <p:nvSpPr>
-          <p:cNvPr id="92" name="PlaceHolder 5"/>
-          <p:cNvSpPr>
-            <a:spLocks noGrp="1"/>
-          </p:cNvSpPr>
-          <p:nvPr>
-            <p:ph type="body"/>
-          </p:nvPr>
-        </p:nvSpPr>
-        <p:spPr>
-          <a:xfrm>
-            <a:off x="609480" y="1604520"/>
-            <a:ext cx="10972440" cy="3977280"/>
-          </a:xfrm>
-          <a:prstGeom prst="rect">
-            <a:avLst/>
-          </a:prstGeom>
-          <a:noFill/>
-          <a:ln w="0">
-            <a:noFill/>
-          </a:ln>
-        </p:spPr>
-        <p:txBody>
-          <a:bodyPr lIns="0" rIns="0" tIns="0" bIns="0" anchor="t">
-            <a:normAutofit/>
-          </a:bodyPr>
-          <a:p>
-            <a:pPr marL="432000" indent="-324000">
-              <a:lnSpc>
-                <a:spcPct val="90000"/>
-              </a:lnSpc>
-              <a:spcBef>
-                <a:spcPts val="1417"/>
-              </a:spcBef>
-              <a:buClr>
-                <a:srgbClr val="000000"/>
-              </a:buClr>
-              <a:buSzPct val="45000"/>
-              <a:buFont typeface="Wingdings" charset="2"/>
-              <a:buChar char=""/>
-            </a:pPr>
-            <a:r>
-              <a:rPr b="0" lang="en-US" sz="2800" spc="-1" strike="noStrike">
-                <a:solidFill>
-                  <a:srgbClr val="000000"/>
-                </a:solidFill>
-                <a:latin typeface="Arial"/>
-              </a:rPr>
-              <a:t>Click to edit the outline text format</a:t>
-            </a:r>
-            <a:endParaRPr b="0" lang="en-US" sz="2800" spc="-1" strike="noStrike">
-              <a:solidFill>
-                <a:srgbClr val="000000"/>
-              </a:solidFill>
-              <a:latin typeface="Arial"/>
-            </a:endParaRPr>
-          </a:p>
-          <a:p>
-            <a:pPr lvl="1" marL="864000" indent="-324000">
-              <a:lnSpc>
-                <a:spcPct val="90000"/>
-              </a:lnSpc>
-              <a:spcBef>
-                <a:spcPts val="1134"/>
-              </a:spcBef>
-              <a:buClr>
-                <a:srgbClr val="000000"/>
-              </a:buClr>
-              <a:buSzPct val="75000"/>
-              <a:buFont typeface="Symbol" charset="2"/>
-              <a:buChar char=""/>
-            </a:pPr>
-            <a:r>
-              <a:rPr b="0" lang="en-US" sz="2000" spc="-1" strike="noStrike">
-                <a:solidFill>
-                  <a:srgbClr val="000000"/>
-                </a:solidFill>
-                <a:latin typeface="Arial"/>
-              </a:rPr>
-              <a:t>Second Outline Level</a:t>
-            </a:r>
-            <a:endParaRPr b="0" lang="en-US" sz="2000" spc="-1" strike="noStrike">
-              <a:solidFill>
-                <a:srgbClr val="000000"/>
-              </a:solidFill>
-              <a:latin typeface="Arial"/>
-            </a:endParaRPr>
-          </a:p>
-          <a:p>
-            <a:pPr lvl="2" marL="1296000" indent="-288000">
-              <a:lnSpc>
-                <a:spcPct val="90000"/>
-              </a:lnSpc>
-              <a:spcBef>
-                <a:spcPts val="850"/>
-              </a:spcBef>
-              <a:buClr>
-                <a:srgbClr val="000000"/>
-              </a:buClr>
-              <a:buSzPct val="45000"/>
-              <a:buFont typeface="Wingdings" charset="2"/>
-              <a:buChar char=""/>
-            </a:pPr>
-            <a:r>
-              <a:rPr b="0" lang="en-US" sz="1800" spc="-1" strike="noStrike">
-                <a:solidFill>
-                  <a:srgbClr val="000000"/>
-                </a:solidFill>
-                <a:latin typeface="Arial"/>
-              </a:rPr>
-              <a:t>Third Outline Level</a:t>
-            </a:r>
-            <a:endParaRPr b="0" lang="en-US" sz="1800" spc="-1" strike="noStrike">
-              <a:solidFill>
-                <a:srgbClr val="000000"/>
-              </a:solidFill>
-              <a:latin typeface="Arial"/>
-            </a:endParaRPr>
-          </a:p>
-          <a:p>
-            <a:pPr lvl="3" marL="1728000" indent="-216000">
-              <a:lnSpc>
-                <a:spcPct val="90000"/>
-              </a:lnSpc>
-              <a:spcBef>
-                <a:spcPts val="567"/>
-              </a:spcBef>
-              <a:buClr>
-                <a:srgbClr val="000000"/>
-              </a:buClr>
-              <a:buSzPct val="75000"/>
-              <a:buFont typeface="Symbol" charset="2"/>
-              <a:buChar char=""/>
-            </a:pPr>
-            <a:r>
-              <a:rPr b="0" lang="en-US" sz="1800" spc="-1" strike="noStrike">
-                <a:solidFill>
-                  <a:srgbClr val="000000"/>
-                </a:solidFill>
-                <a:latin typeface="Arial"/>
-              </a:rPr>
-              <a:t>Fourth Outline Level</a:t>
-            </a:r>
-            <a:endParaRPr b="0" lang="en-US" sz="1800" spc="-1" strike="noStrike">
-              <a:solidFill>
-                <a:srgbClr val="000000"/>
-              </a:solidFill>
-              <a:latin typeface="Arial"/>
-            </a:endParaRPr>
-          </a:p>
-          <a:p>
-            <a:pPr lvl="4" marL="2160000" indent="-216000">
-              <a:lnSpc>
-                <a:spcPct val="90000"/>
-              </a:lnSpc>
-              <a:spcBef>
-                <a:spcPts val="283"/>
-              </a:spcBef>
-              <a:buClr>
-                <a:srgbClr val="000000"/>
-              </a:buClr>
-              <a:buSzPct val="45000"/>
-              <a:buFont typeface="Wingdings" charset="2"/>
-              <a:buChar char=""/>
-            </a:pPr>
-            <a:r>
-              <a:rPr b="0" lang="en-US" sz="2000" spc="-1" strike="noStrike">
-                <a:solidFill>
-                  <a:srgbClr val="000000"/>
-                </a:solidFill>
-                <a:latin typeface="Arial"/>
-              </a:rPr>
-              <a:t>Fifth Outline Level</a:t>
-            </a:r>
-            <a:endParaRPr b="0" lang="en-US" sz="2000" spc="-1" strike="noStrike">
-              <a:solidFill>
-                <a:srgbClr val="000000"/>
-              </a:solidFill>
-              <a:latin typeface="Arial"/>
-            </a:endParaRPr>
-          </a:p>
-          <a:p>
-            <a:pPr lvl="5" marL="2592000" indent="-216000">
-              <a:lnSpc>
-                <a:spcPct val="90000"/>
-              </a:lnSpc>
-              <a:spcBef>
-                <a:spcPts val="283"/>
-              </a:spcBef>
-              <a:buClr>
-                <a:srgbClr val="000000"/>
-              </a:buClr>
-              <a:buSzPct val="45000"/>
-              <a:buFont typeface="Wingdings" charset="2"/>
-              <a:buChar char=""/>
-            </a:pPr>
-            <a:r>
-              <a:rPr b="0" lang="en-US" sz="2000" spc="-1" strike="noStrike">
-                <a:solidFill>
-                  <a:srgbClr val="000000"/>
-                </a:solidFill>
-                <a:latin typeface="Arial"/>
-              </a:rPr>
-              <a:t>Sixth Outline Level</a:t>
-            </a:r>
-            <a:endParaRPr b="0" lang="en-US" sz="2000" spc="-1" strike="noStrike">
-              <a:solidFill>
-                <a:srgbClr val="000000"/>
-              </a:solidFill>
-              <a:latin typeface="Arial"/>
-            </a:endParaRPr>
-          </a:p>
-          <a:p>
-            <a:pPr lvl="6" marL="3024000" indent="-216000">
-              <a:lnSpc>
-                <a:spcPct val="90000"/>
-              </a:lnSpc>
-              <a:spcBef>
-                <a:spcPts val="283"/>
-              </a:spcBef>
-              <a:buClr>
-                <a:srgbClr val="000000"/>
-              </a:buClr>
-              <a:buSzPct val="45000"/>
-              <a:buFont typeface="Wingdings" charset="2"/>
-              <a:buChar char=""/>
-            </a:pPr>
-            <a:r>
-              <a:rPr b="0" lang="en-US" sz="2000" spc="-1" strike="noStrike">
-                <a:solidFill>
-                  <a:srgbClr val="000000"/>
-                </a:solidFill>
-                <a:latin typeface="Arial"/>
-              </a:rPr>
-              <a:t>Seventh Outline Level</a:t>
-            </a:r>
-            <a:endParaRPr b="0" lang="en-US" sz="2000" spc="-1" strike="noStrike">
-              <a:solidFill>
-                <a:srgbClr val="000000"/>
-              </a:solidFill>
-              <a:latin typeface="Arial"/>
             </a:endParaRPr>
           </a:p>
         </p:txBody>
@@ -16401,8 +14757,8 @@
         </p:nvSpPr>
         <p:spPr>
           <a:xfrm flipH="1" rot="10800000">
-            <a:off x="0" y="6403320"/>
-            <a:ext cx="12189960" cy="454680"/>
+            <a:off x="360" y="6403680"/>
+            <a:ext cx="12189600" cy="454320"/>
           </a:xfrm>
           <a:prstGeom prst="rect">
             <a:avLst/>
@@ -16420,7 +14776,7 @@
                 </a:srgbClr>
               </a:gs>
             </a:gsLst>
-            <a:lin ang="16800000"/>
+            <a:lin ang="15600000"/>
           </a:gradFill>
           <a:ln>
             <a:noFill/>
@@ -16449,8 +14805,8 @@
         </p:nvSpPr>
         <p:spPr>
           <a:xfrm flipH="1">
-            <a:off x="4036320" y="6401160"/>
-            <a:ext cx="8151120" cy="454680"/>
+            <a:off x="4035600" y="6401160"/>
+            <a:ext cx="8150760" cy="454320"/>
           </a:xfrm>
           <a:prstGeom prst="rect">
             <a:avLst/>
@@ -16466,7 +14822,7 @@
                 <a:srgbClr val="ba7f9f"/>
               </a:gs>
             </a:gsLst>
-            <a:lin ang="14400000"/>
+            <a:lin ang="18000000"/>
           </a:gradFill>
           <a:ln>
             <a:noFill/>
@@ -16500,7 +14856,7 @@
         <p:spPr>
           <a:xfrm>
             <a:off x="609480" y="273600"/>
-            <a:ext cx="10972080" cy="1144440"/>
+            <a:ext cx="10971720" cy="1144080"/>
           </a:xfrm>
           <a:prstGeom prst="rect">
             <a:avLst/>
@@ -16516,18 +14872,12 @@
           </a:bodyPr>
           <a:p>
             <a:r>
-              <a:rPr b="0" lang="en-US" sz="4400" spc="-1" strike="noStrike">
-                <a:solidFill>
-                  <a:srgbClr val="000000"/>
-                </a:solidFill>
+              <a:rPr b="0" lang="en-GB" sz="1800" spc="-1" strike="noStrike">
                 <a:latin typeface="Arial"/>
               </a:rPr>
               <a:t>Click to edit the title text format</a:t>
             </a:r>
-            <a:endParaRPr b="0" lang="en-US" sz="4400" spc="-1" strike="noStrike">
-              <a:solidFill>
-                <a:srgbClr val="000000"/>
-              </a:solidFill>
+            <a:endParaRPr b="0" lang="en-GB" sz="1800" spc="-1" strike="noStrike">
               <a:latin typeface="Arial"/>
             </a:endParaRPr>
           </a:p>
@@ -16546,7 +14896,7 @@
         <p:spPr>
           <a:xfrm>
             <a:off x="609480" y="1604520"/>
-            <a:ext cx="10972080" cy="3976920"/>
+            <a:ext cx="10971720" cy="3976560"/>
           </a:xfrm>
           <a:prstGeom prst="rect">
             <a:avLst/>
@@ -16562,9 +14912,6 @@
           </a:bodyPr>
           <a:p>
             <a:pPr marL="432000" indent="-324000">
-              <a:lnSpc>
-                <a:spcPct val="90000"/>
-              </a:lnSpc>
               <a:spcBef>
                 <a:spcPts val="1417"/>
               </a:spcBef>
@@ -16576,26 +14923,17 @@
               <a:buChar char=""/>
             </a:pPr>
             <a:r>
-              <a:rPr b="0" lang="en-US" sz="2800" spc="-1" strike="noStrike">
-                <a:solidFill>
-                  <a:srgbClr val="000000"/>
-                </a:solidFill>
+              <a:rPr b="0" lang="en-GB" sz="1800" spc="-1" strike="noStrike">
                 <a:latin typeface="Arial"/>
               </a:rPr>
               <a:t>Click to edit the outline text format</a:t>
             </a:r>
-            <a:endParaRPr b="0" lang="en-US" sz="2800" spc="-1" strike="noStrike">
-              <a:solidFill>
-                <a:srgbClr val="000000"/>
-              </a:solidFill>
+            <a:endParaRPr b="0" lang="en-GB" sz="1800" spc="-1" strike="noStrike">
               <a:latin typeface="Arial"/>
             </a:endParaRPr>
           </a:p>
           <a:p>
             <a:pPr lvl="1" marL="864000" indent="-324000">
-              <a:lnSpc>
-                <a:spcPct val="90000"/>
-              </a:lnSpc>
               <a:spcBef>
                 <a:spcPts val="1134"/>
               </a:spcBef>
@@ -16607,26 +14945,17 @@
               <a:buChar char=""/>
             </a:pPr>
             <a:r>
-              <a:rPr b="0" lang="en-US" sz="2800" spc="-1" strike="noStrike">
-                <a:solidFill>
-                  <a:srgbClr val="000000"/>
-                </a:solidFill>
+              <a:rPr b="0" lang="en-GB" sz="1800" spc="-1" strike="noStrike">
                 <a:latin typeface="Arial"/>
               </a:rPr>
               <a:t>Second Outline Level</a:t>
             </a:r>
-            <a:endParaRPr b="0" lang="en-US" sz="2800" spc="-1" strike="noStrike">
-              <a:solidFill>
-                <a:srgbClr val="000000"/>
-              </a:solidFill>
+            <a:endParaRPr b="0" lang="en-GB" sz="1800" spc="-1" strike="noStrike">
               <a:latin typeface="Arial"/>
             </a:endParaRPr>
           </a:p>
           <a:p>
             <a:pPr lvl="2" marL="1296000" indent="-288000">
-              <a:lnSpc>
-                <a:spcPct val="90000"/>
-              </a:lnSpc>
               <a:spcBef>
                 <a:spcPts val="850"/>
               </a:spcBef>
@@ -16638,26 +14967,17 @@
               <a:buChar char=""/>
             </a:pPr>
             <a:r>
-              <a:rPr b="0" lang="en-US" sz="2800" spc="-1" strike="noStrike">
-                <a:solidFill>
-                  <a:srgbClr val="000000"/>
-                </a:solidFill>
+              <a:rPr b="0" lang="en-GB" sz="1800" spc="-1" strike="noStrike">
                 <a:latin typeface="Arial"/>
               </a:rPr>
               <a:t>Third Outline Level</a:t>
             </a:r>
-            <a:endParaRPr b="0" lang="en-US" sz="2800" spc="-1" strike="noStrike">
-              <a:solidFill>
-                <a:srgbClr val="000000"/>
-              </a:solidFill>
+            <a:endParaRPr b="0" lang="en-GB" sz="1800" spc="-1" strike="noStrike">
               <a:latin typeface="Arial"/>
             </a:endParaRPr>
           </a:p>
           <a:p>
             <a:pPr lvl="3" marL="1728000" indent="-216000">
-              <a:lnSpc>
-                <a:spcPct val="90000"/>
-              </a:lnSpc>
               <a:spcBef>
                 <a:spcPts val="567"/>
               </a:spcBef>
@@ -16669,26 +14989,17 @@
               <a:buChar char=""/>
             </a:pPr>
             <a:r>
-              <a:rPr b="0" lang="en-US" sz="2800" spc="-1" strike="noStrike">
-                <a:solidFill>
-                  <a:srgbClr val="000000"/>
-                </a:solidFill>
+              <a:rPr b="0" lang="en-GB" sz="1800" spc="-1" strike="noStrike">
                 <a:latin typeface="Arial"/>
               </a:rPr>
               <a:t>Fourth Outline Level</a:t>
             </a:r>
-            <a:endParaRPr b="0" lang="en-US" sz="2800" spc="-1" strike="noStrike">
-              <a:solidFill>
-                <a:srgbClr val="000000"/>
-              </a:solidFill>
+            <a:endParaRPr b="0" lang="en-GB" sz="1800" spc="-1" strike="noStrike">
               <a:latin typeface="Arial"/>
             </a:endParaRPr>
           </a:p>
           <a:p>
             <a:pPr lvl="4" marL="2160000" indent="-216000">
-              <a:lnSpc>
-                <a:spcPct val="90000"/>
-              </a:lnSpc>
               <a:spcBef>
                 <a:spcPts val="283"/>
               </a:spcBef>
@@ -16700,26 +15011,17 @@
               <a:buChar char=""/>
             </a:pPr>
             <a:r>
-              <a:rPr b="0" lang="en-US" sz="2800" spc="-1" strike="noStrike">
-                <a:solidFill>
-                  <a:srgbClr val="000000"/>
-                </a:solidFill>
+              <a:rPr b="0" lang="en-GB" sz="1800" spc="-1" strike="noStrike">
                 <a:latin typeface="Arial"/>
               </a:rPr>
               <a:t>Fifth Outline Level</a:t>
             </a:r>
-            <a:endParaRPr b="0" lang="en-US" sz="2800" spc="-1" strike="noStrike">
-              <a:solidFill>
-                <a:srgbClr val="000000"/>
-              </a:solidFill>
+            <a:endParaRPr b="0" lang="en-GB" sz="1800" spc="-1" strike="noStrike">
               <a:latin typeface="Arial"/>
             </a:endParaRPr>
           </a:p>
           <a:p>
             <a:pPr lvl="5" marL="2592000" indent="-216000">
-              <a:lnSpc>
-                <a:spcPct val="90000"/>
-              </a:lnSpc>
               <a:spcBef>
                 <a:spcPts val="283"/>
               </a:spcBef>
@@ -16731,26 +15033,17 @@
               <a:buChar char=""/>
             </a:pPr>
             <a:r>
-              <a:rPr b="0" lang="en-US" sz="2800" spc="-1" strike="noStrike">
-                <a:solidFill>
-                  <a:srgbClr val="000000"/>
-                </a:solidFill>
+              <a:rPr b="0" lang="en-GB" sz="1800" spc="-1" strike="noStrike">
                 <a:latin typeface="Arial"/>
               </a:rPr>
               <a:t>Sixth Outline Level</a:t>
             </a:r>
-            <a:endParaRPr b="0" lang="en-US" sz="2800" spc="-1" strike="noStrike">
-              <a:solidFill>
-                <a:srgbClr val="000000"/>
-              </a:solidFill>
+            <a:endParaRPr b="0" lang="en-GB" sz="1800" spc="-1" strike="noStrike">
               <a:latin typeface="Arial"/>
             </a:endParaRPr>
           </a:p>
           <a:p>
             <a:pPr lvl="6" marL="3024000" indent="-216000">
-              <a:lnSpc>
-                <a:spcPct val="90000"/>
-              </a:lnSpc>
               <a:spcBef>
                 <a:spcPts val="283"/>
               </a:spcBef>
@@ -16762,18 +15055,12 @@
               <a:buChar char=""/>
             </a:pPr>
             <a:r>
-              <a:rPr b="0" lang="en-US" sz="2800" spc="-1" strike="noStrike">
-                <a:solidFill>
-                  <a:srgbClr val="000000"/>
-                </a:solidFill>
+              <a:rPr b="0" lang="en-GB" sz="1800" spc="-1" strike="noStrike">
                 <a:latin typeface="Arial"/>
               </a:rPr>
               <a:t>Seventh Outline Level</a:t>
             </a:r>
-            <a:endParaRPr b="0" lang="en-US" sz="2800" spc="-1" strike="noStrike">
-              <a:solidFill>
-                <a:srgbClr val="000000"/>
-              </a:solidFill>
+            <a:endParaRPr b="0" lang="en-GB" sz="1800" spc="-1" strike="noStrike">
               <a:latin typeface="Arial"/>
             </a:endParaRPr>
           </a:p>
@@ -16791,8 +15078,8 @@
         </p:nvSpPr>
         <p:spPr>
           <a:xfrm rot="5400000">
-            <a:off x="-1826640" y="1911240"/>
-            <a:ext cx="4112640" cy="455040"/>
+            <a:off x="-1826280" y="1911240"/>
+            <a:ext cx="4112280" cy="454680"/>
           </a:xfrm>
           <a:prstGeom prst="rect">
             <a:avLst/>
@@ -16857,7 +15144,7 @@
         <p:spPr>
           <a:xfrm>
             <a:off x="11667600" y="6409800"/>
-            <a:ext cx="436680" cy="446040"/>
+            <a:ext cx="436320" cy="445680"/>
           </a:xfrm>
           <a:prstGeom prst="rect">
             <a:avLst/>
@@ -16893,7 +15180,7 @@
               </a:lnSpc>
               <a:buNone/>
             </a:pPr>
-            <a:fld id="{80B8A7EF-A53B-4A5C-996B-DA1F3F0F108C}" type="slidenum">
+            <a:fld id="{C389E7EC-61DB-404F-9C15-727A18A55751}" type="slidenum">
               <a:rPr b="0" lang="en-US" sz="800" spc="-1" strike="noStrike">
                 <a:solidFill>
                   <a:srgbClr val="ffffff"/>
@@ -16922,7 +15209,7 @@
         <p:spPr>
           <a:xfrm>
             <a:off x="7909560" y="6409800"/>
-            <a:ext cx="3701160" cy="446040"/>
+            <a:ext cx="3700800" cy="445680"/>
           </a:xfrm>
           <a:prstGeom prst="rect">
             <a:avLst/>
@@ -17008,8 +15295,8 @@
         </p:nvSpPr>
         <p:spPr>
           <a:xfrm flipH="1" rot="10800000">
-            <a:off x="0" y="6403320"/>
-            <a:ext cx="12189960" cy="454680"/>
+            <a:off x="360" y="6403680"/>
+            <a:ext cx="12189600" cy="454320"/>
           </a:xfrm>
           <a:prstGeom prst="rect">
             <a:avLst/>
@@ -17027,7 +15314,7 @@
                 </a:srgbClr>
               </a:gs>
             </a:gsLst>
-            <a:lin ang="16800000"/>
+            <a:lin ang="15600000"/>
           </a:gradFill>
           <a:ln>
             <a:noFill/>
@@ -17056,8 +15343,8 @@
         </p:nvSpPr>
         <p:spPr>
           <a:xfrm flipH="1">
-            <a:off x="4036320" y="6401160"/>
-            <a:ext cx="8151120" cy="454680"/>
+            <a:off x="4035600" y="6401160"/>
+            <a:ext cx="8150760" cy="454320"/>
           </a:xfrm>
           <a:prstGeom prst="rect">
             <a:avLst/>
@@ -17073,7 +15360,7 @@
                 <a:srgbClr val="ba7f9f"/>
               </a:gs>
             </a:gsLst>
-            <a:lin ang="14400000"/>
+            <a:lin ang="18000000"/>
           </a:gradFill>
           <a:ln>
             <a:noFill/>
@@ -17101,59 +15388,13 @@
             <a:spLocks noGrp="1"/>
           </p:cNvSpPr>
           <p:nvPr>
-            <p:ph type="title"/>
-          </p:nvPr>
-        </p:nvSpPr>
-        <p:spPr>
-          <a:xfrm>
-            <a:off x="609480" y="273600"/>
-            <a:ext cx="10972080" cy="1144440"/>
-          </a:xfrm>
-          <a:prstGeom prst="rect">
-            <a:avLst/>
-          </a:prstGeom>
-          <a:noFill/>
-          <a:ln w="0">
-            <a:noFill/>
-          </a:ln>
-        </p:spPr>
-        <p:txBody>
-          <a:bodyPr lIns="0" rIns="0" tIns="0" bIns="0" anchor="ctr">
-            <a:noAutofit/>
-          </a:bodyPr>
-          <a:p>
-            <a:r>
-              <a:rPr b="0" lang="en-US" sz="4400" spc="-1" strike="noStrike">
-                <a:solidFill>
-                  <a:srgbClr val="000000"/>
-                </a:solidFill>
-                <a:latin typeface="Arial"/>
-              </a:rPr>
-              <a:t>Click to edit the title text format</a:t>
-            </a:r>
-            <a:endParaRPr b="0" lang="en-US" sz="4400" spc="-1" strike="noStrike">
-              <a:solidFill>
-                <a:srgbClr val="000000"/>
-              </a:solidFill>
-              <a:latin typeface="Arial"/>
-            </a:endParaRPr>
-          </a:p>
-        </p:txBody>
-      </p:sp>
-      <p:sp>
-        <p:nvSpPr>
-          <p:cNvPr id="175" name="PlaceHolder 2"/>
-          <p:cNvSpPr>
-            <a:spLocks noGrp="1"/>
-          </p:cNvSpPr>
-          <p:nvPr>
             <p:ph type="ftr" idx="13"/>
           </p:nvPr>
         </p:nvSpPr>
         <p:spPr>
           <a:xfrm rot="5400000">
-            <a:off x="-1826640" y="1911240"/>
-            <a:ext cx="4112640" cy="455040"/>
+            <a:off x="-1826280" y="1911240"/>
+            <a:ext cx="4112280" cy="454680"/>
           </a:xfrm>
           <a:prstGeom prst="rect">
             <a:avLst/>
@@ -17207,7 +15448,7 @@
       </p:sp>
       <p:sp>
         <p:nvSpPr>
-          <p:cNvPr id="176" name="PlaceHolder 3"/>
+          <p:cNvPr id="175" name="PlaceHolder 2"/>
           <p:cNvSpPr>
             <a:spLocks noGrp="1"/>
           </p:cNvSpPr>
@@ -17218,7 +15459,7 @@
         <p:spPr>
           <a:xfrm>
             <a:off x="11667600" y="6409800"/>
-            <a:ext cx="436680" cy="446040"/>
+            <a:ext cx="436320" cy="445680"/>
           </a:xfrm>
           <a:prstGeom prst="rect">
             <a:avLst/>
@@ -17254,7 +15495,7 @@
               </a:lnSpc>
               <a:buNone/>
             </a:pPr>
-            <a:fld id="{09B7D105-A12B-4C20-8FB6-D1B651158660}" type="slidenum">
+            <a:fld id="{139145C2-4758-4FDA-B577-7576A78FF1F8}" type="slidenum">
               <a:rPr b="0" lang="en-US" sz="800" spc="-1" strike="noStrike">
                 <a:solidFill>
                   <a:srgbClr val="ffffff"/>
@@ -17272,7 +15513,7 @@
       </p:sp>
       <p:sp>
         <p:nvSpPr>
-          <p:cNvPr id="177" name="PlaceHolder 4"/>
+          <p:cNvPr id="176" name="PlaceHolder 3"/>
           <p:cNvSpPr>
             <a:spLocks noGrp="1"/>
           </p:cNvSpPr>
@@ -17283,7 +15524,7 @@
         <p:spPr>
           <a:xfrm>
             <a:off x="7909560" y="6409800"/>
-            <a:ext cx="3701160" cy="446040"/>
+            <a:ext cx="3700800" cy="445680"/>
           </a:xfrm>
           <a:prstGeom prst="rect">
             <a:avLst/>
@@ -17319,6 +15560,49 @@
       </p:sp>
       <p:sp>
         <p:nvSpPr>
+          <p:cNvPr id="177" name="PlaceHolder 4"/>
+          <p:cNvSpPr>
+            <a:spLocks noGrp="1"/>
+          </p:cNvSpPr>
+          <p:nvPr>
+            <p:ph type="title"/>
+          </p:nvPr>
+        </p:nvSpPr>
+        <p:spPr>
+          <a:xfrm>
+            <a:off x="609480" y="273600"/>
+            <a:ext cx="10972440" cy="1144800"/>
+          </a:xfrm>
+          <a:prstGeom prst="rect">
+            <a:avLst/>
+          </a:prstGeom>
+          <a:noFill/>
+          <a:ln w="0">
+            <a:noFill/>
+          </a:ln>
+        </p:spPr>
+        <p:txBody>
+          <a:bodyPr lIns="0" rIns="0" tIns="0" bIns="0" anchor="ctr">
+            <a:noAutofit/>
+          </a:bodyPr>
+          <a:p>
+            <a:pPr algn="ctr">
+              <a:buNone/>
+            </a:pPr>
+            <a:r>
+              <a:rPr b="0" lang="en-GB" sz="4400" spc="-1" strike="noStrike">
+                <a:latin typeface="Arial"/>
+              </a:rPr>
+              <a:t>Click to edit the title text format</a:t>
+            </a:r>
+            <a:endParaRPr b="0" lang="en-GB" sz="4400" spc="-1" strike="noStrike">
+              <a:latin typeface="Arial"/>
+            </a:endParaRPr>
+          </a:p>
+        </p:txBody>
+      </p:sp>
+      <p:sp>
+        <p:nvSpPr>
           <p:cNvPr id="178" name="PlaceHolder 5"/>
           <p:cNvSpPr>
             <a:spLocks noGrp="1"/>
@@ -17346,9 +15630,6 @@
           </a:bodyPr>
           <a:p>
             <a:pPr marL="432000" indent="-324000">
-              <a:lnSpc>
-                <a:spcPct val="90000"/>
-              </a:lnSpc>
               <a:spcBef>
                 <a:spcPts val="1417"/>
               </a:spcBef>
@@ -17360,26 +15641,17 @@
               <a:buChar char=""/>
             </a:pPr>
             <a:r>
-              <a:rPr b="0" lang="en-US" sz="2800" spc="-1" strike="noStrike">
-                <a:solidFill>
-                  <a:srgbClr val="000000"/>
-                </a:solidFill>
+              <a:rPr b="0" lang="en-GB" sz="3200" spc="-1" strike="noStrike">
                 <a:latin typeface="Arial"/>
               </a:rPr>
               <a:t>Click to edit the outline text format</a:t>
             </a:r>
-            <a:endParaRPr b="0" lang="en-US" sz="2800" spc="-1" strike="noStrike">
-              <a:solidFill>
-                <a:srgbClr val="000000"/>
-              </a:solidFill>
+            <a:endParaRPr b="0" lang="en-GB" sz="3200" spc="-1" strike="noStrike">
               <a:latin typeface="Arial"/>
             </a:endParaRPr>
           </a:p>
           <a:p>
             <a:pPr lvl="1" marL="864000" indent="-324000">
-              <a:lnSpc>
-                <a:spcPct val="90000"/>
-              </a:lnSpc>
               <a:spcBef>
                 <a:spcPts val="1134"/>
               </a:spcBef>
@@ -17391,26 +15663,17 @@
               <a:buChar char=""/>
             </a:pPr>
             <a:r>
-              <a:rPr b="0" lang="en-US" sz="2000" spc="-1" strike="noStrike">
-                <a:solidFill>
-                  <a:srgbClr val="000000"/>
-                </a:solidFill>
+              <a:rPr b="0" lang="en-GB" sz="2800" spc="-1" strike="noStrike">
                 <a:latin typeface="Arial"/>
               </a:rPr>
               <a:t>Second Outline Level</a:t>
             </a:r>
-            <a:endParaRPr b="0" lang="en-US" sz="2000" spc="-1" strike="noStrike">
-              <a:solidFill>
-                <a:srgbClr val="000000"/>
-              </a:solidFill>
+            <a:endParaRPr b="0" lang="en-GB" sz="2800" spc="-1" strike="noStrike">
               <a:latin typeface="Arial"/>
             </a:endParaRPr>
           </a:p>
           <a:p>
             <a:pPr lvl="2" marL="1296000" indent="-288000">
-              <a:lnSpc>
-                <a:spcPct val="90000"/>
-              </a:lnSpc>
               <a:spcBef>
                 <a:spcPts val="850"/>
               </a:spcBef>
@@ -17422,26 +15685,17 @@
               <a:buChar char=""/>
             </a:pPr>
             <a:r>
-              <a:rPr b="0" lang="en-US" sz="1800" spc="-1" strike="noStrike">
-                <a:solidFill>
-                  <a:srgbClr val="000000"/>
-                </a:solidFill>
+              <a:rPr b="0" lang="en-GB" sz="2400" spc="-1" strike="noStrike">
                 <a:latin typeface="Arial"/>
               </a:rPr>
               <a:t>Third Outline Level</a:t>
             </a:r>
-            <a:endParaRPr b="0" lang="en-US" sz="1800" spc="-1" strike="noStrike">
-              <a:solidFill>
-                <a:srgbClr val="000000"/>
-              </a:solidFill>
+            <a:endParaRPr b="0" lang="en-GB" sz="2400" spc="-1" strike="noStrike">
               <a:latin typeface="Arial"/>
             </a:endParaRPr>
           </a:p>
           <a:p>
             <a:pPr lvl="3" marL="1728000" indent="-216000">
-              <a:lnSpc>
-                <a:spcPct val="90000"/>
-              </a:lnSpc>
               <a:spcBef>
                 <a:spcPts val="567"/>
               </a:spcBef>
@@ -17453,26 +15707,17 @@
               <a:buChar char=""/>
             </a:pPr>
             <a:r>
-              <a:rPr b="0" lang="en-US" sz="1800" spc="-1" strike="noStrike">
-                <a:solidFill>
-                  <a:srgbClr val="000000"/>
-                </a:solidFill>
+              <a:rPr b="0" lang="en-GB" sz="2000" spc="-1" strike="noStrike">
                 <a:latin typeface="Arial"/>
               </a:rPr>
               <a:t>Fourth Outline Level</a:t>
             </a:r>
-            <a:endParaRPr b="0" lang="en-US" sz="1800" spc="-1" strike="noStrike">
-              <a:solidFill>
-                <a:srgbClr val="000000"/>
-              </a:solidFill>
+            <a:endParaRPr b="0" lang="en-GB" sz="2000" spc="-1" strike="noStrike">
               <a:latin typeface="Arial"/>
             </a:endParaRPr>
           </a:p>
           <a:p>
             <a:pPr lvl="4" marL="2160000" indent="-216000">
-              <a:lnSpc>
-                <a:spcPct val="90000"/>
-              </a:lnSpc>
               <a:spcBef>
                 <a:spcPts val="283"/>
               </a:spcBef>
@@ -17484,26 +15729,17 @@
               <a:buChar char=""/>
             </a:pPr>
             <a:r>
-              <a:rPr b="0" lang="en-US" sz="2000" spc="-1" strike="noStrike">
-                <a:solidFill>
-                  <a:srgbClr val="000000"/>
-                </a:solidFill>
+              <a:rPr b="0" lang="en-GB" sz="2000" spc="-1" strike="noStrike">
                 <a:latin typeface="Arial"/>
               </a:rPr>
               <a:t>Fifth Outline Level</a:t>
             </a:r>
-            <a:endParaRPr b="0" lang="en-US" sz="2000" spc="-1" strike="noStrike">
-              <a:solidFill>
-                <a:srgbClr val="000000"/>
-              </a:solidFill>
+            <a:endParaRPr b="0" lang="en-GB" sz="2000" spc="-1" strike="noStrike">
               <a:latin typeface="Arial"/>
             </a:endParaRPr>
           </a:p>
           <a:p>
             <a:pPr lvl="5" marL="2592000" indent="-216000">
-              <a:lnSpc>
-                <a:spcPct val="90000"/>
-              </a:lnSpc>
               <a:spcBef>
                 <a:spcPts val="283"/>
               </a:spcBef>
@@ -17515,26 +15751,17 @@
               <a:buChar char=""/>
             </a:pPr>
             <a:r>
-              <a:rPr b="0" lang="en-US" sz="2000" spc="-1" strike="noStrike">
-                <a:solidFill>
-                  <a:srgbClr val="000000"/>
-                </a:solidFill>
+              <a:rPr b="0" lang="en-GB" sz="2000" spc="-1" strike="noStrike">
                 <a:latin typeface="Arial"/>
               </a:rPr>
               <a:t>Sixth Outline Level</a:t>
             </a:r>
-            <a:endParaRPr b="0" lang="en-US" sz="2000" spc="-1" strike="noStrike">
-              <a:solidFill>
-                <a:srgbClr val="000000"/>
-              </a:solidFill>
+            <a:endParaRPr b="0" lang="en-GB" sz="2000" spc="-1" strike="noStrike">
               <a:latin typeface="Arial"/>
             </a:endParaRPr>
           </a:p>
           <a:p>
             <a:pPr lvl="6" marL="3024000" indent="-216000">
-              <a:lnSpc>
-                <a:spcPct val="90000"/>
-              </a:lnSpc>
               <a:spcBef>
                 <a:spcPts val="283"/>
               </a:spcBef>
@@ -17546,18 +15773,12 @@
               <a:buChar char=""/>
             </a:pPr>
             <a:r>
-              <a:rPr b="0" lang="en-US" sz="2000" spc="-1" strike="noStrike">
-                <a:solidFill>
-                  <a:srgbClr val="000000"/>
-                </a:solidFill>
+              <a:rPr b="0" lang="en-GB" sz="2000" spc="-1" strike="noStrike">
                 <a:latin typeface="Arial"/>
               </a:rPr>
               <a:t>Seventh Outline Level</a:t>
             </a:r>
-            <a:endParaRPr b="0" lang="en-US" sz="2000" spc="-1" strike="noStrike">
-              <a:solidFill>
-                <a:srgbClr val="000000"/>
-              </a:solidFill>
+            <a:endParaRPr b="0" lang="en-GB" sz="2000" spc="-1" strike="noStrike">
               <a:latin typeface="Arial"/>
             </a:endParaRPr>
           </a:p>
@@ -17616,7 +15837,7 @@
         <p:spPr>
           <a:xfrm>
             <a:off x="0" y="0"/>
-            <a:ext cx="12189960" cy="6855840"/>
+            <a:ext cx="12189600" cy="6855480"/>
           </a:xfrm>
           <a:prstGeom prst="rect">
             <a:avLst/>
@@ -17657,7 +15878,7 @@
         <p:spPr>
           <a:xfrm>
             <a:off x="0" y="0"/>
-            <a:ext cx="4585680" cy="6855840"/>
+            <a:ext cx="4585320" cy="6855480"/>
           </a:xfrm>
           <a:prstGeom prst="rect">
             <a:avLst/>
@@ -17676,7 +15897,7 @@
         <p:spPr>
           <a:xfrm>
             <a:off x="4587840" y="-360"/>
-            <a:ext cx="7601760" cy="6855480"/>
+            <a:ext cx="7601400" cy="6855120"/>
           </a:xfrm>
           <a:prstGeom prst="rect">
             <a:avLst/>
@@ -17722,7 +15943,7 @@
         <p:spPr>
           <a:xfrm>
             <a:off x="4587840" y="0"/>
-            <a:ext cx="7601760" cy="6855840"/>
+            <a:ext cx="7601400" cy="6855480"/>
           </a:xfrm>
           <a:prstGeom prst="rect">
             <a:avLst/>
@@ -17769,8 +15990,8 @@
         </p:nvSpPr>
         <p:spPr>
           <a:xfrm rot="10800000">
-            <a:off x="4602240" y="4357440"/>
-            <a:ext cx="7589880" cy="2500560"/>
+            <a:off x="4602600" y="4357800"/>
+            <a:ext cx="7589520" cy="2500200"/>
           </a:xfrm>
           <a:prstGeom prst="rect">
             <a:avLst/>
@@ -17817,8 +16038,8 @@
         </p:nvSpPr>
         <p:spPr>
           <a:xfrm rot="13704600">
-            <a:off x="6081120" y="831600"/>
-            <a:ext cx="4996440" cy="4996440"/>
+            <a:off x="6081120" y="831960"/>
+            <a:ext cx="4996080" cy="4996080"/>
           </a:xfrm>
           <a:prstGeom prst="ellipse">
             <a:avLst/>
@@ -17870,7 +16091,7 @@
         <p:spPr>
           <a:xfrm>
             <a:off x="5275440" y="768600"/>
-            <a:ext cx="6131520" cy="3167640"/>
+            <a:ext cx="6131160" cy="3167280"/>
           </a:xfrm>
           <a:prstGeom prst="rect">
             <a:avLst/>
@@ -17892,19 +16113,16 @@
               <a:buNone/>
             </a:pPr>
             <a:r>
-              <a:rPr b="1" lang="en-US" sz="4000" spc="735" strike="noStrike" cap="all">
+              <a:rPr b="1" lang="en-US" sz="4000" spc="732" strike="noStrike" cap="all">
                 <a:solidFill>
                   <a:srgbClr val="ffffff"/>
                 </a:solidFill>
                 <a:latin typeface="Gill Sans Nova"/>
                 <a:ea typeface="DejaVu Sans"/>
               </a:rPr>
-              <a:t>Week 24/03/2023</a:t>
+              <a:t>Week 31/03/2023</a:t>
             </a:r>
-            <a:endParaRPr b="0" lang="en-US" sz="4000" spc="-1" strike="noStrike">
-              <a:solidFill>
-                <a:srgbClr val="000000"/>
-              </a:solidFill>
+            <a:endParaRPr b="0" lang="en-GB" sz="4000" spc="-1" strike="noStrike">
               <a:latin typeface="Arial"/>
             </a:endParaRPr>
           </a:p>
@@ -17948,8 +16166,8 @@
         </p:nvSpPr>
         <p:spPr>
           <a:xfrm flipH="1" rot="10800000">
-            <a:off x="0" y="6402960"/>
-            <a:ext cx="12189960" cy="454680"/>
+            <a:off x="360" y="6403320"/>
+            <a:ext cx="12189600" cy="454320"/>
           </a:xfrm>
           <a:prstGeom prst="rect">
             <a:avLst/>
@@ -17967,7 +16185,7 @@
                 </a:srgbClr>
               </a:gs>
             </a:gsLst>
-            <a:lin ang="16800000"/>
+            <a:lin ang="15600000"/>
           </a:gradFill>
           <a:ln>
             <a:noFill/>
@@ -17996,8 +16214,8 @@
         </p:nvSpPr>
         <p:spPr>
           <a:xfrm flipH="1">
-            <a:off x="4036320" y="6400800"/>
-            <a:ext cx="8151120" cy="454680"/>
+            <a:off x="4035600" y="6400800"/>
+            <a:ext cx="8150760" cy="454320"/>
           </a:xfrm>
           <a:prstGeom prst="rect">
             <a:avLst/>
@@ -18013,7 +16231,7 @@
                 <a:srgbClr val="ba7f9f"/>
               </a:gs>
             </a:gsLst>
-            <a:lin ang="14400000"/>
+            <a:lin ang="18000000"/>
           </a:gradFill>
           <a:ln>
             <a:noFill/>
@@ -18043,7 +16261,7 @@
         <p:spPr>
           <a:xfrm>
             <a:off x="0" y="322560"/>
-            <a:ext cx="12189960" cy="6855840"/>
+            <a:ext cx="12189600" cy="6855480"/>
           </a:xfrm>
           <a:prstGeom prst="rect">
             <a:avLst/>
@@ -18079,7 +16297,7 @@
         <p:spPr>
           <a:xfrm>
             <a:off x="0" y="-15840"/>
-            <a:ext cx="12201120" cy="1592280"/>
+            <a:ext cx="12200760" cy="1591920"/>
           </a:xfrm>
           <a:prstGeom prst="rect">
             <a:avLst/>
@@ -18123,7 +16341,7 @@
         <p:spPr>
           <a:xfrm>
             <a:off x="-11160" y="-15840"/>
-            <a:ext cx="8124480" cy="1592280"/>
+            <a:ext cx="8124120" cy="1591920"/>
           </a:xfrm>
           <a:prstGeom prst="rect">
             <a:avLst/>
@@ -18168,8 +16386,8 @@
         </p:nvSpPr>
         <p:spPr>
           <a:xfrm rot="5400000">
-            <a:off x="3507120" y="-3031200"/>
-            <a:ext cx="1592280" cy="7623360"/>
+            <a:off x="3507480" y="-3031200"/>
+            <a:ext cx="1591920" cy="7623000"/>
           </a:xfrm>
           <a:prstGeom prst="rect">
             <a:avLst/>
@@ -18221,7 +16439,7 @@
         <p:spPr>
           <a:xfrm>
             <a:off x="1093680" y="322560"/>
-            <a:ext cx="6715440" cy="990000"/>
+            <a:ext cx="6715080" cy="989640"/>
           </a:xfrm>
           <a:prstGeom prst="rect">
             <a:avLst/>
@@ -18243,7 +16461,7 @@
               <a:buNone/>
             </a:pPr>
             <a:r>
-              <a:rPr b="1" lang="en-US" sz="2200" spc="735" strike="noStrike" cap="all">
+              <a:rPr b="1" lang="en-US" sz="2200" spc="732" strike="noStrike" cap="all">
                 <a:solidFill>
                   <a:srgbClr val="ffffff"/>
                 </a:solidFill>
@@ -18252,10 +16470,7 @@
               </a:rPr>
               <a:t>LINear regression</a:t>
             </a:r>
-            <a:endParaRPr b="0" lang="en-US" sz="2200" spc="-1" strike="noStrike">
-              <a:solidFill>
-                <a:srgbClr val="000000"/>
-              </a:solidFill>
+            <a:endParaRPr b="0" lang="en-GB" sz="2200" spc="-1" strike="noStrike">
               <a:latin typeface="Arial"/>
             </a:endParaRPr>
           </a:p>
@@ -18270,7 +16485,7 @@
         <p:spPr>
           <a:xfrm>
             <a:off x="9070200" y="633960"/>
-            <a:ext cx="2619360" cy="638280"/>
+            <a:ext cx="2619000" cy="638280"/>
           </a:xfrm>
           <a:prstGeom prst="rect">
             <a:avLst/>
@@ -18347,7 +16562,7 @@
         <p:spPr>
           <a:xfrm>
             <a:off x="29520" y="1584000"/>
-            <a:ext cx="6018480" cy="5370840"/>
+            <a:ext cx="6018120" cy="5370480"/>
           </a:xfrm>
           <a:prstGeom prst="rect">
             <a:avLst/>
@@ -18370,7 +16585,7 @@
         <p:spPr>
           <a:xfrm>
             <a:off x="6120000" y="1584000"/>
-            <a:ext cx="6018480" cy="5370840"/>
+            <a:ext cx="6018120" cy="5370480"/>
           </a:xfrm>
           <a:prstGeom prst="rect">
             <a:avLst/>
@@ -18425,8 +16640,8 @@
         </p:nvSpPr>
         <p:spPr>
           <a:xfrm flipH="1" rot="10800000">
-            <a:off x="0" y="6402960"/>
-            <a:ext cx="12189960" cy="454680"/>
+            <a:off x="360" y="6403320"/>
+            <a:ext cx="12189600" cy="454320"/>
           </a:xfrm>
           <a:prstGeom prst="rect">
             <a:avLst/>
@@ -18444,7 +16659,7 @@
                 </a:srgbClr>
               </a:gs>
             </a:gsLst>
-            <a:lin ang="16800000"/>
+            <a:lin ang="15600000"/>
           </a:gradFill>
           <a:ln>
             <a:noFill/>
@@ -18473,8 +16688,8 @@
         </p:nvSpPr>
         <p:spPr>
           <a:xfrm flipH="1">
-            <a:off x="4036320" y="6400800"/>
-            <a:ext cx="8151120" cy="454680"/>
+            <a:off x="4035600" y="6400800"/>
+            <a:ext cx="8150760" cy="454320"/>
           </a:xfrm>
           <a:prstGeom prst="rect">
             <a:avLst/>
@@ -18490,7 +16705,7 @@
                 <a:srgbClr val="ba7f9f"/>
               </a:gs>
             </a:gsLst>
-            <a:lin ang="14400000"/>
+            <a:lin ang="18000000"/>
           </a:gradFill>
           <a:ln>
             <a:noFill/>
@@ -18520,7 +16735,7 @@
         <p:spPr>
           <a:xfrm>
             <a:off x="0" y="322560"/>
-            <a:ext cx="12189960" cy="6855840"/>
+            <a:ext cx="12189600" cy="6855480"/>
           </a:xfrm>
           <a:prstGeom prst="rect">
             <a:avLst/>
@@ -18556,7 +16771,7 @@
         <p:spPr>
           <a:xfrm>
             <a:off x="0" y="-15840"/>
-            <a:ext cx="12201120" cy="1592280"/>
+            <a:ext cx="12200760" cy="1591920"/>
           </a:xfrm>
           <a:prstGeom prst="rect">
             <a:avLst/>
@@ -18600,7 +16815,7 @@
         <p:spPr>
           <a:xfrm>
             <a:off x="-11160" y="-15840"/>
-            <a:ext cx="8124480" cy="1592280"/>
+            <a:ext cx="8124120" cy="1591920"/>
           </a:xfrm>
           <a:prstGeom prst="rect">
             <a:avLst/>
@@ -18645,8 +16860,8 @@
         </p:nvSpPr>
         <p:spPr>
           <a:xfrm rot="5400000">
-            <a:off x="3507120" y="-3031200"/>
-            <a:ext cx="1592280" cy="7623360"/>
+            <a:off x="3507480" y="-3031200"/>
+            <a:ext cx="1591920" cy="7623000"/>
           </a:xfrm>
           <a:prstGeom prst="rect">
             <a:avLst/>
@@ -18698,7 +16913,7 @@
         <p:spPr>
           <a:xfrm>
             <a:off x="945360" y="322560"/>
-            <a:ext cx="7154640" cy="990000"/>
+            <a:ext cx="7154280" cy="989640"/>
           </a:xfrm>
           <a:prstGeom prst="rect">
             <a:avLst/>
@@ -18720,7 +16935,7 @@
               <a:buNone/>
             </a:pPr>
             <a:r>
-              <a:rPr b="1" lang="en-US" sz="2200" spc="735" strike="noStrike" cap="all">
+              <a:rPr b="1" lang="en-US" sz="2200" spc="732" strike="noStrike" cap="all">
                 <a:solidFill>
                   <a:srgbClr val="ffffff"/>
                 </a:solidFill>
@@ -18729,10 +16944,7 @@
               </a:rPr>
               <a:t>Connection y = 1 + 5*X + e</a:t>
             </a:r>
-            <a:endParaRPr b="0" lang="en-US" sz="2200" spc="-1" strike="noStrike">
-              <a:solidFill>
-                <a:srgbClr val="000000"/>
-              </a:solidFill>
+            <a:endParaRPr b="0" lang="en-GB" sz="2200" spc="-1" strike="noStrike">
               <a:latin typeface="Arial"/>
             </a:endParaRPr>
           </a:p>
@@ -18751,7 +16963,7 @@
         <p:spPr>
           <a:xfrm>
             <a:off x="2340000" y="1743120"/>
-            <a:ext cx="6539400" cy="4916880"/>
+            <a:ext cx="6539040" cy="4916520"/>
           </a:xfrm>
           <a:prstGeom prst="rect">
             <a:avLst/>
@@ -18806,8 +17018,8 @@
         </p:nvSpPr>
         <p:spPr>
           <a:xfrm flipH="1" rot="10800000">
-            <a:off x="0" y="6402960"/>
-            <a:ext cx="12189960" cy="454680"/>
+            <a:off x="360" y="6403320"/>
+            <a:ext cx="12189600" cy="454320"/>
           </a:xfrm>
           <a:prstGeom prst="rect">
             <a:avLst/>
@@ -18825,7 +17037,7 @@
                 </a:srgbClr>
               </a:gs>
             </a:gsLst>
-            <a:lin ang="16800000"/>
+            <a:lin ang="15600000"/>
           </a:gradFill>
           <a:ln>
             <a:noFill/>
@@ -18854,8 +17066,8 @@
         </p:nvSpPr>
         <p:spPr>
           <a:xfrm flipH="1">
-            <a:off x="4036320" y="6400800"/>
-            <a:ext cx="8151120" cy="454680"/>
+            <a:off x="4035600" y="6400800"/>
+            <a:ext cx="8150760" cy="454320"/>
           </a:xfrm>
           <a:prstGeom prst="rect">
             <a:avLst/>
@@ -18871,7 +17083,7 @@
                 <a:srgbClr val="ba7f9f"/>
               </a:gs>
             </a:gsLst>
-            <a:lin ang="14400000"/>
+            <a:lin ang="18000000"/>
           </a:gradFill>
           <a:ln>
             <a:noFill/>
@@ -18901,7 +17113,7 @@
         <p:spPr>
           <a:xfrm>
             <a:off x="0" y="322560"/>
-            <a:ext cx="12189960" cy="6855840"/>
+            <a:ext cx="12189600" cy="6855480"/>
           </a:xfrm>
           <a:prstGeom prst="rect">
             <a:avLst/>
@@ -18937,7 +17149,7 @@
         <p:spPr>
           <a:xfrm>
             <a:off x="0" y="-15840"/>
-            <a:ext cx="12201120" cy="1592280"/>
+            <a:ext cx="12200760" cy="1591920"/>
           </a:xfrm>
           <a:prstGeom prst="rect">
             <a:avLst/>
@@ -18981,7 +17193,7 @@
         <p:spPr>
           <a:xfrm>
             <a:off x="-11160" y="-15840"/>
-            <a:ext cx="8124480" cy="1592280"/>
+            <a:ext cx="8124120" cy="1591920"/>
           </a:xfrm>
           <a:prstGeom prst="rect">
             <a:avLst/>
@@ -19026,8 +17238,8 @@
         </p:nvSpPr>
         <p:spPr>
           <a:xfrm rot="5400000">
-            <a:off x="3507120" y="-3031200"/>
-            <a:ext cx="1592280" cy="7623360"/>
+            <a:off x="3507480" y="-3031200"/>
+            <a:ext cx="1591920" cy="7623000"/>
           </a:xfrm>
           <a:prstGeom prst="rect">
             <a:avLst/>
@@ -19079,7 +17291,7 @@
         <p:spPr>
           <a:xfrm>
             <a:off x="945360" y="322560"/>
-            <a:ext cx="6715440" cy="990000"/>
+            <a:ext cx="6715080" cy="989640"/>
           </a:xfrm>
           <a:prstGeom prst="rect">
             <a:avLst/>
@@ -19101,7 +17313,7 @@
               <a:buNone/>
             </a:pPr>
             <a:r>
-              <a:rPr b="1" lang="en-US" sz="2200" spc="735" strike="noStrike" cap="all">
+              <a:rPr b="1" lang="en-US" sz="2200" spc="732" strike="noStrike" cap="all">
                 <a:solidFill>
                   <a:srgbClr val="ffffff"/>
                 </a:solidFill>
@@ -19110,10 +17322,7 @@
               </a:rPr>
               <a:t>CONNECTION TABLE</a:t>
             </a:r>
-            <a:endParaRPr b="0" lang="en-US" sz="2200" spc="-1" strike="noStrike">
-              <a:solidFill>
-                <a:srgbClr val="000000"/>
-              </a:solidFill>
+            <a:endParaRPr b="0" lang="en-GB" sz="2200" spc="-1" strike="noStrike">
               <a:latin typeface="Arial"/>
             </a:endParaRPr>
           </a:p>
@@ -19132,7 +17341,7 @@
         <p:spPr>
           <a:xfrm>
             <a:off x="1983960" y="2160000"/>
-            <a:ext cx="8096040" cy="3981240"/>
+            <a:ext cx="8095680" cy="3980880"/>
           </a:xfrm>
           <a:prstGeom prst="rect">
             <a:avLst/>
@@ -19185,7 +17394,7 @@
         <p:spPr>
           <a:xfrm>
             <a:off x="547920" y="0"/>
-            <a:ext cx="10972080" cy="1144440"/>
+            <a:ext cx="10971720" cy="1144080"/>
           </a:xfrm>
           <a:prstGeom prst="rect">
             <a:avLst/>
@@ -19216,10 +17425,7 @@
               </a:rPr>
               <a:t>Variance of estimates</a:t>
             </a:r>
-            <a:endParaRPr b="0" lang="en-US" sz="4400" spc="-1" strike="noStrike">
-              <a:solidFill>
-                <a:srgbClr val="000000"/>
-              </a:solidFill>
+            <a:endParaRPr b="0" lang="en-GB" sz="4400" spc="-1" strike="noStrike">
               <a:latin typeface="Arial"/>
             </a:endParaRPr>
           </a:p>
@@ -19238,7 +17444,7 @@
         <p:spPr>
           <a:xfrm>
             <a:off x="78480" y="1260000"/>
-            <a:ext cx="6013080" cy="5190840"/>
+            <a:ext cx="6012720" cy="5190480"/>
           </a:xfrm>
           <a:prstGeom prst="rect">
             <a:avLst/>
@@ -19261,7 +17467,7 @@
         <p:spPr>
           <a:xfrm>
             <a:off x="6120360" y="1144440"/>
-            <a:ext cx="5939640" cy="5190840"/>
+            <a:ext cx="5939280" cy="5190480"/>
           </a:xfrm>
           <a:prstGeom prst="rect">
             <a:avLst/>
@@ -19314,7 +17520,7 @@
         <p:spPr>
           <a:xfrm>
             <a:off x="609480" y="273600"/>
-            <a:ext cx="10972080" cy="1144440"/>
+            <a:ext cx="10971720" cy="1144080"/>
           </a:xfrm>
           <a:prstGeom prst="rect">
             <a:avLst/>
@@ -19344,12 +17550,8 @@
               </a:rPr>
               <a:t>Y = 0.2 + X + E</a:t>
             </a:r>
-            <a:endParaRPr b="0" lang="en-US" sz="4400" spc="-1" strike="noStrike">
-              <a:solidFill>
-                <a:srgbClr val="000000"/>
-              </a:solidFill>
-              <a:latin typeface="Arial"/>
-              <a:ea typeface="DejaVu Sans"/>
+            <a:endParaRPr b="0" lang="en-GB" sz="4400" spc="-1" strike="noStrike">
+              <a:latin typeface="Arial"/>
             </a:endParaRPr>
           </a:p>
         </p:txBody>
@@ -19367,7 +17569,7 @@
         <p:spPr>
           <a:xfrm>
             <a:off x="3600000" y="1950840"/>
-            <a:ext cx="5066280" cy="3809160"/>
+            <a:ext cx="5065920" cy="3808800"/>
           </a:xfrm>
           <a:prstGeom prst="rect">
             <a:avLst/>
@@ -19420,7 +17622,7 @@
         <p:spPr>
           <a:xfrm>
             <a:off x="6084720" y="896040"/>
-            <a:ext cx="5795280" cy="5043960"/>
+            <a:ext cx="5794920" cy="5043600"/>
           </a:xfrm>
           <a:prstGeom prst="rect">
             <a:avLst/>
@@ -19443,7 +17645,7 @@
         <p:spPr>
           <a:xfrm>
             <a:off x="25200" y="907920"/>
-            <a:ext cx="5914800" cy="5212080"/>
+            <a:ext cx="5914440" cy="5211720"/>
           </a:xfrm>
           <a:prstGeom prst="rect">
             <a:avLst/>
@@ -19496,7 +17698,7 @@
         <p:spPr>
           <a:xfrm>
             <a:off x="3135960" y="540000"/>
-            <a:ext cx="6044040" cy="5370840"/>
+            <a:ext cx="6043680" cy="5370480"/>
           </a:xfrm>
           <a:prstGeom prst="rect">
             <a:avLst/>
@@ -19544,8 +17746,8 @@
         </p:nvSpPr>
         <p:spPr>
           <a:xfrm flipH="1" rot="10800000">
-            <a:off x="0" y="6402960"/>
-            <a:ext cx="12189960" cy="454680"/>
+            <a:off x="360" y="6403320"/>
+            <a:ext cx="12189600" cy="454320"/>
           </a:xfrm>
           <a:prstGeom prst="rect">
             <a:avLst/>
@@ -19563,7 +17765,7 @@
                 </a:srgbClr>
               </a:gs>
             </a:gsLst>
-            <a:lin ang="16800000"/>
+            <a:lin ang="15600000"/>
           </a:gradFill>
           <a:ln>
             <a:noFill/>
@@ -19592,8 +17794,8 @@
         </p:nvSpPr>
         <p:spPr>
           <a:xfrm flipH="1">
-            <a:off x="4036320" y="6400800"/>
-            <a:ext cx="8151120" cy="454680"/>
+            <a:off x="4035600" y="6400800"/>
+            <a:ext cx="8150760" cy="454320"/>
           </a:xfrm>
           <a:prstGeom prst="rect">
             <a:avLst/>
@@ -19609,7 +17811,7 @@
                 <a:srgbClr val="ba7f9f"/>
               </a:gs>
             </a:gsLst>
-            <a:lin ang="14400000"/>
+            <a:lin ang="18000000"/>
           </a:gradFill>
           <a:ln>
             <a:noFill/>
@@ -19639,7 +17841,7 @@
         <p:spPr>
           <a:xfrm>
             <a:off x="0" y="322560"/>
-            <a:ext cx="12189960" cy="6855840"/>
+            <a:ext cx="12189600" cy="6855480"/>
           </a:xfrm>
           <a:prstGeom prst="rect">
             <a:avLst/>
@@ -19675,7 +17877,7 @@
         <p:spPr>
           <a:xfrm>
             <a:off x="0" y="-15840"/>
-            <a:ext cx="12201120" cy="1592280"/>
+            <a:ext cx="12200760" cy="1591920"/>
           </a:xfrm>
           <a:prstGeom prst="rect">
             <a:avLst/>
@@ -19719,7 +17921,7 @@
         <p:spPr>
           <a:xfrm>
             <a:off x="-11160" y="-15840"/>
-            <a:ext cx="8124480" cy="1592280"/>
+            <a:ext cx="8124120" cy="1591920"/>
           </a:xfrm>
           <a:prstGeom prst="rect">
             <a:avLst/>
@@ -19764,8 +17966,8 @@
         </p:nvSpPr>
         <p:spPr>
           <a:xfrm rot="5400000">
-            <a:off x="3507120" y="-3031200"/>
-            <a:ext cx="1592280" cy="7623360"/>
+            <a:off x="3507480" y="-3031200"/>
+            <a:ext cx="1591920" cy="7623000"/>
           </a:xfrm>
           <a:prstGeom prst="rect">
             <a:avLst/>
@@ -19817,7 +18019,7 @@
         <p:spPr>
           <a:xfrm>
             <a:off x="1093680" y="322560"/>
-            <a:ext cx="6715440" cy="990000"/>
+            <a:ext cx="6715080" cy="989640"/>
           </a:xfrm>
           <a:prstGeom prst="rect">
             <a:avLst/>
@@ -19839,7 +18041,7 @@
               <a:buNone/>
             </a:pPr>
             <a:r>
-              <a:rPr b="1" lang="en-US" sz="2200" spc="735" strike="noStrike" cap="all">
+              <a:rPr b="1" lang="en-US" sz="2200" spc="732" strike="noStrike" cap="all">
                 <a:solidFill>
                   <a:srgbClr val="ffffff"/>
                 </a:solidFill>
@@ -19848,10 +18050,7 @@
               </a:rPr>
               <a:t>LINear regression</a:t>
             </a:r>
-            <a:endParaRPr b="0" lang="en-US" sz="2200" spc="-1" strike="noStrike">
-              <a:solidFill>
-                <a:srgbClr val="000000"/>
-              </a:solidFill>
+            <a:endParaRPr b="0" lang="en-GB" sz="2200" spc="-1" strike="noStrike">
               <a:latin typeface="Arial"/>
             </a:endParaRPr>
           </a:p>
@@ -19866,7 +18065,7 @@
         <p:spPr>
           <a:xfrm>
             <a:off x="9070200" y="633960"/>
-            <a:ext cx="2619360" cy="638280"/>
+            <a:ext cx="2619000" cy="638280"/>
           </a:xfrm>
           <a:prstGeom prst="rect">
             <a:avLst/>
@@ -19943,7 +18142,7 @@
         <p:spPr>
           <a:xfrm>
             <a:off x="0" y="1576440"/>
-            <a:ext cx="6145560" cy="5370840"/>
+            <a:ext cx="6145200" cy="5370480"/>
           </a:xfrm>
           <a:prstGeom prst="rect">
             <a:avLst/>
@@ -19966,7 +18165,7 @@
         <p:spPr>
           <a:xfrm>
             <a:off x="6094440" y="1576440"/>
-            <a:ext cx="6145560" cy="5370840"/>
+            <a:ext cx="6145200" cy="5370480"/>
           </a:xfrm>
           <a:prstGeom prst="rect">
             <a:avLst/>
@@ -20021,8 +18220,8 @@
         </p:nvSpPr>
         <p:spPr>
           <a:xfrm flipH="1" rot="10800000">
-            <a:off x="0" y="6402960"/>
-            <a:ext cx="12189960" cy="454680"/>
+            <a:off x="360" y="6403320"/>
+            <a:ext cx="12189600" cy="454320"/>
           </a:xfrm>
           <a:prstGeom prst="rect">
             <a:avLst/>
@@ -20040,7 +18239,7 @@
                 </a:srgbClr>
               </a:gs>
             </a:gsLst>
-            <a:lin ang="16800000"/>
+            <a:lin ang="15600000"/>
           </a:gradFill>
           <a:ln>
             <a:noFill/>
@@ -20069,8 +18268,8 @@
         </p:nvSpPr>
         <p:spPr>
           <a:xfrm flipH="1">
-            <a:off x="4036320" y="6400800"/>
-            <a:ext cx="8151120" cy="454680"/>
+            <a:off x="4035600" y="6400800"/>
+            <a:ext cx="8150760" cy="454320"/>
           </a:xfrm>
           <a:prstGeom prst="rect">
             <a:avLst/>
@@ -20086,7 +18285,7 @@
                 <a:srgbClr val="ba7f9f"/>
               </a:gs>
             </a:gsLst>
-            <a:lin ang="14400000"/>
+            <a:lin ang="18000000"/>
           </a:gradFill>
           <a:ln>
             <a:noFill/>
@@ -20116,7 +18315,7 @@
         <p:spPr>
           <a:xfrm>
             <a:off x="0" y="322560"/>
-            <a:ext cx="12189960" cy="6855840"/>
+            <a:ext cx="12189600" cy="6855480"/>
           </a:xfrm>
           <a:prstGeom prst="rect">
             <a:avLst/>
@@ -20152,7 +18351,7 @@
         <p:spPr>
           <a:xfrm>
             <a:off x="0" y="-15840"/>
-            <a:ext cx="12201120" cy="1592280"/>
+            <a:ext cx="12200760" cy="1591920"/>
           </a:xfrm>
           <a:prstGeom prst="rect">
             <a:avLst/>
@@ -20196,7 +18395,7 @@
         <p:spPr>
           <a:xfrm>
             <a:off x="-11160" y="-15840"/>
-            <a:ext cx="8124480" cy="1592280"/>
+            <a:ext cx="8124120" cy="1591920"/>
           </a:xfrm>
           <a:prstGeom prst="rect">
             <a:avLst/>
@@ -20241,8 +18440,8 @@
         </p:nvSpPr>
         <p:spPr>
           <a:xfrm rot="5400000">
-            <a:off x="3507120" y="-3031200"/>
-            <a:ext cx="1592280" cy="7623360"/>
+            <a:off x="3507480" y="-3031200"/>
+            <a:ext cx="1591920" cy="7623000"/>
           </a:xfrm>
           <a:prstGeom prst="rect">
             <a:avLst/>
@@ -20294,7 +18493,7 @@
         <p:spPr>
           <a:xfrm>
             <a:off x="945360" y="322560"/>
-            <a:ext cx="7154640" cy="990000"/>
+            <a:ext cx="7154280" cy="989640"/>
           </a:xfrm>
           <a:prstGeom prst="rect">
             <a:avLst/>
@@ -20316,7 +18515,7 @@
               <a:buNone/>
             </a:pPr>
             <a:r>
-              <a:rPr b="1" lang="en-US" sz="2200" spc="735" strike="noStrike" cap="all">
+              <a:rPr b="1" lang="en-US" sz="2200" spc="732" strike="noStrike" cap="all">
                 <a:solidFill>
                   <a:srgbClr val="ffffff"/>
                 </a:solidFill>
@@ -20325,10 +18524,7 @@
               </a:rPr>
               <a:t>Connection y = 1 + 1*X + e</a:t>
             </a:r>
-            <a:endParaRPr b="0" lang="en-US" sz="2200" spc="-1" strike="noStrike">
-              <a:solidFill>
-                <a:srgbClr val="000000"/>
-              </a:solidFill>
+            <a:endParaRPr b="0" lang="en-GB" sz="2200" spc="-1" strike="noStrike">
               <a:latin typeface="Arial"/>
             </a:endParaRPr>
           </a:p>
@@ -20347,7 +18543,7 @@
         <p:spPr>
           <a:xfrm>
             <a:off x="2880000" y="1715040"/>
-            <a:ext cx="6840000" cy="5142960"/>
+            <a:ext cx="6839640" cy="5142600"/>
           </a:xfrm>
           <a:prstGeom prst="rect">
             <a:avLst/>
@@ -20402,8 +18598,8 @@
         </p:nvSpPr>
         <p:spPr>
           <a:xfrm flipH="1" rot="10800000">
-            <a:off x="0" y="6402960"/>
-            <a:ext cx="12189960" cy="454680"/>
+            <a:off x="360" y="6403320"/>
+            <a:ext cx="12189600" cy="454320"/>
           </a:xfrm>
           <a:prstGeom prst="rect">
             <a:avLst/>
@@ -20421,7 +18617,7 @@
                 </a:srgbClr>
               </a:gs>
             </a:gsLst>
-            <a:lin ang="16800000"/>
+            <a:lin ang="15600000"/>
           </a:gradFill>
           <a:ln>
             <a:noFill/>
@@ -20450,8 +18646,8 @@
         </p:nvSpPr>
         <p:spPr>
           <a:xfrm flipH="1">
-            <a:off x="4036320" y="6400800"/>
-            <a:ext cx="8151120" cy="454680"/>
+            <a:off x="4035600" y="6400800"/>
+            <a:ext cx="8150760" cy="454320"/>
           </a:xfrm>
           <a:prstGeom prst="rect">
             <a:avLst/>
@@ -20467,7 +18663,7 @@
                 <a:srgbClr val="ba7f9f"/>
               </a:gs>
             </a:gsLst>
-            <a:lin ang="14400000"/>
+            <a:lin ang="18000000"/>
           </a:gradFill>
           <a:ln>
             <a:noFill/>
@@ -20497,7 +18693,7 @@
         <p:spPr>
           <a:xfrm>
             <a:off x="0" y="322560"/>
-            <a:ext cx="12189960" cy="6855840"/>
+            <a:ext cx="12189600" cy="6855480"/>
           </a:xfrm>
           <a:prstGeom prst="rect">
             <a:avLst/>
@@ -20533,7 +18729,7 @@
         <p:spPr>
           <a:xfrm>
             <a:off x="0" y="-15840"/>
-            <a:ext cx="12201120" cy="1592280"/>
+            <a:ext cx="12200760" cy="1591920"/>
           </a:xfrm>
           <a:prstGeom prst="rect">
             <a:avLst/>
@@ -20577,7 +18773,7 @@
         <p:spPr>
           <a:xfrm>
             <a:off x="-11160" y="-15840"/>
-            <a:ext cx="8124480" cy="1592280"/>
+            <a:ext cx="8124120" cy="1591920"/>
           </a:xfrm>
           <a:prstGeom prst="rect">
             <a:avLst/>
@@ -20622,8 +18818,8 @@
         </p:nvSpPr>
         <p:spPr>
           <a:xfrm rot="5400000">
-            <a:off x="3507120" y="-3031200"/>
-            <a:ext cx="1592280" cy="7623360"/>
+            <a:off x="3507480" y="-3031200"/>
+            <a:ext cx="1591920" cy="7623000"/>
           </a:xfrm>
           <a:prstGeom prst="rect">
             <a:avLst/>
@@ -20675,7 +18871,7 @@
         <p:spPr>
           <a:xfrm>
             <a:off x="945360" y="322560"/>
-            <a:ext cx="6715440" cy="990000"/>
+            <a:ext cx="6715080" cy="989640"/>
           </a:xfrm>
           <a:prstGeom prst="rect">
             <a:avLst/>
@@ -20697,7 +18893,7 @@
               <a:buNone/>
             </a:pPr>
             <a:r>
-              <a:rPr b="1" lang="en-US" sz="2200" spc="735" strike="noStrike" cap="all">
+              <a:rPr b="1" lang="en-US" sz="2200" spc="732" strike="noStrike" cap="all">
                 <a:solidFill>
                   <a:srgbClr val="ffffff"/>
                 </a:solidFill>
@@ -20706,10 +18902,7 @@
               </a:rPr>
               <a:t>CONNECTION TABLE</a:t>
             </a:r>
-            <a:endParaRPr b="0" lang="en-US" sz="2200" spc="-1" strike="noStrike">
-              <a:solidFill>
-                <a:srgbClr val="000000"/>
-              </a:solidFill>
+            <a:endParaRPr b="0" lang="en-GB" sz="2200" spc="-1" strike="noStrike">
               <a:latin typeface="Arial"/>
             </a:endParaRPr>
           </a:p>
@@ -20728,7 +18921,7 @@
         <p:spPr>
           <a:xfrm>
             <a:off x="1983960" y="2138760"/>
-            <a:ext cx="8096040" cy="3981240"/>
+            <a:ext cx="8095680" cy="3980880"/>
           </a:xfrm>
           <a:prstGeom prst="rect">
             <a:avLst/>
@@ -20781,7 +18974,7 @@
         <p:spPr>
           <a:xfrm>
             <a:off x="547920" y="0"/>
-            <a:ext cx="10972080" cy="1144440"/>
+            <a:ext cx="10971720" cy="1144080"/>
           </a:xfrm>
           <a:prstGeom prst="rect">
             <a:avLst/>
@@ -20812,10 +19005,7 @@
               </a:rPr>
               <a:t>Variance of estimates</a:t>
             </a:r>
-            <a:endParaRPr b="0" lang="en-US" sz="4400" spc="-1" strike="noStrike">
-              <a:solidFill>
-                <a:srgbClr val="000000"/>
-              </a:solidFill>
+            <a:endParaRPr b="0" lang="en-GB" sz="4400" spc="-1" strike="noStrike">
               <a:latin typeface="Arial"/>
             </a:endParaRPr>
           </a:p>
@@ -20834,7 +19024,7 @@
         <p:spPr>
           <a:xfrm>
             <a:off x="41400" y="1260000"/>
-            <a:ext cx="6078600" cy="5184000"/>
+            <a:ext cx="6078240" cy="5183640"/>
           </a:xfrm>
           <a:prstGeom prst="rect">
             <a:avLst/>
@@ -20857,7 +19047,7 @@
         <p:spPr>
           <a:xfrm>
             <a:off x="6150600" y="1224000"/>
-            <a:ext cx="6041520" cy="5215320"/>
+            <a:ext cx="6041160" cy="5214960"/>
           </a:xfrm>
           <a:prstGeom prst="rect">
             <a:avLst/>
@@ -20905,8 +19095,8 @@
         </p:nvSpPr>
         <p:spPr>
           <a:xfrm flipH="1" rot="10800000">
-            <a:off x="0" y="6402960"/>
-            <a:ext cx="12189960" cy="454680"/>
+            <a:off x="360" y="6403320"/>
+            <a:ext cx="12189600" cy="454320"/>
           </a:xfrm>
           <a:prstGeom prst="rect">
             <a:avLst/>
@@ -20924,7 +19114,7 @@
                 </a:srgbClr>
               </a:gs>
             </a:gsLst>
-            <a:lin ang="16800000"/>
+            <a:lin ang="15600000"/>
           </a:gradFill>
           <a:ln>
             <a:noFill/>
@@ -20953,8 +19143,8 @@
         </p:nvSpPr>
         <p:spPr>
           <a:xfrm flipH="1">
-            <a:off x="4036320" y="6400800"/>
-            <a:ext cx="8151120" cy="454680"/>
+            <a:off x="4035600" y="6400800"/>
+            <a:ext cx="8150760" cy="454320"/>
           </a:xfrm>
           <a:prstGeom prst="rect">
             <a:avLst/>
@@ -20970,7 +19160,7 @@
                 <a:srgbClr val="ba7f9f"/>
               </a:gs>
             </a:gsLst>
-            <a:lin ang="14400000"/>
+            <a:lin ang="18000000"/>
           </a:gradFill>
           <a:ln>
             <a:noFill/>
@@ -21000,7 +19190,7 @@
         <p:spPr>
           <a:xfrm>
             <a:off x="0" y="322560"/>
-            <a:ext cx="12189960" cy="6855840"/>
+            <a:ext cx="12189600" cy="6855480"/>
           </a:xfrm>
           <a:prstGeom prst="rect">
             <a:avLst/>
@@ -21036,7 +19226,7 @@
         <p:spPr>
           <a:xfrm>
             <a:off x="0" y="-15840"/>
-            <a:ext cx="12201120" cy="1592280"/>
+            <a:ext cx="12200760" cy="1591920"/>
           </a:xfrm>
           <a:prstGeom prst="rect">
             <a:avLst/>
@@ -21080,7 +19270,7 @@
         <p:spPr>
           <a:xfrm>
             <a:off x="-11160" y="-15840"/>
-            <a:ext cx="8124480" cy="1592280"/>
+            <a:ext cx="8124120" cy="1591920"/>
           </a:xfrm>
           <a:prstGeom prst="rect">
             <a:avLst/>
@@ -21125,8 +19315,8 @@
         </p:nvSpPr>
         <p:spPr>
           <a:xfrm rot="5400000">
-            <a:off x="3507120" y="-3031200"/>
-            <a:ext cx="1592280" cy="7623360"/>
+            <a:off x="3507480" y="-3031200"/>
+            <a:ext cx="1591920" cy="7623000"/>
           </a:xfrm>
           <a:prstGeom prst="rect">
             <a:avLst/>
@@ -21178,7 +19368,7 @@
         <p:spPr>
           <a:xfrm>
             <a:off x="1093680" y="322560"/>
-            <a:ext cx="6715440" cy="990000"/>
+            <a:ext cx="6715080" cy="989640"/>
           </a:xfrm>
           <a:prstGeom prst="rect">
             <a:avLst/>
@@ -21200,7 +19390,7 @@
               <a:buNone/>
             </a:pPr>
             <a:r>
-              <a:rPr b="1" lang="en-US" sz="2200" spc="735" strike="noStrike" cap="all">
+              <a:rPr b="1" lang="en-US" sz="2200" spc="732" strike="noStrike" cap="all">
                 <a:solidFill>
                   <a:srgbClr val="ffffff"/>
                 </a:solidFill>
@@ -21209,10 +19399,7 @@
               </a:rPr>
               <a:t>LINear regression</a:t>
             </a:r>
-            <a:endParaRPr b="0" lang="en-US" sz="2200" spc="-1" strike="noStrike">
-              <a:solidFill>
-                <a:srgbClr val="000000"/>
-              </a:solidFill>
+            <a:endParaRPr b="0" lang="en-GB" sz="2200" spc="-1" strike="noStrike">
               <a:latin typeface="Arial"/>
             </a:endParaRPr>
           </a:p>
@@ -21304,7 +19491,7 @@
         <p:spPr>
           <a:xfrm>
             <a:off x="0" y="1708200"/>
-            <a:ext cx="6035760" cy="5147280"/>
+            <a:ext cx="6035400" cy="5146920"/>
           </a:xfrm>
           <a:prstGeom prst="rect">
             <a:avLst/>
@@ -21327,7 +19514,7 @@
         <p:spPr>
           <a:xfrm>
             <a:off x="6035760" y="1708200"/>
-            <a:ext cx="5935680" cy="5061960"/>
+            <a:ext cx="5935320" cy="5061600"/>
           </a:xfrm>
           <a:prstGeom prst="rect">
             <a:avLst/>
@@ -21382,8 +19569,8 @@
         </p:nvSpPr>
         <p:spPr>
           <a:xfrm flipH="1" rot="10800000">
-            <a:off x="0" y="6402960"/>
-            <a:ext cx="12189960" cy="454680"/>
+            <a:off x="360" y="6403320"/>
+            <a:ext cx="12189600" cy="454320"/>
           </a:xfrm>
           <a:prstGeom prst="rect">
             <a:avLst/>
@@ -21401,7 +19588,7 @@
                 </a:srgbClr>
               </a:gs>
             </a:gsLst>
-            <a:lin ang="16800000"/>
+            <a:lin ang="15600000"/>
           </a:gradFill>
           <a:ln>
             <a:noFill/>
@@ -21430,8 +19617,8 @@
         </p:nvSpPr>
         <p:spPr>
           <a:xfrm flipH="1">
-            <a:off x="4036320" y="6400800"/>
-            <a:ext cx="8151120" cy="454680"/>
+            <a:off x="4035600" y="6400800"/>
+            <a:ext cx="8150760" cy="454320"/>
           </a:xfrm>
           <a:prstGeom prst="rect">
             <a:avLst/>
@@ -21447,7 +19634,7 @@
                 <a:srgbClr val="ba7f9f"/>
               </a:gs>
             </a:gsLst>
-            <a:lin ang="14400000"/>
+            <a:lin ang="18000000"/>
           </a:gradFill>
           <a:ln>
             <a:noFill/>
@@ -21477,7 +19664,7 @@
         <p:spPr>
           <a:xfrm>
             <a:off x="0" y="322560"/>
-            <a:ext cx="12189960" cy="6855840"/>
+            <a:ext cx="12189600" cy="6855480"/>
           </a:xfrm>
           <a:prstGeom prst="rect">
             <a:avLst/>
@@ -21513,7 +19700,7 @@
         <p:spPr>
           <a:xfrm>
             <a:off x="0" y="-15840"/>
-            <a:ext cx="12201120" cy="1592280"/>
+            <a:ext cx="12200760" cy="1591920"/>
           </a:xfrm>
           <a:prstGeom prst="rect">
             <a:avLst/>
@@ -21557,7 +19744,7 @@
         <p:spPr>
           <a:xfrm>
             <a:off x="-11160" y="-15840"/>
-            <a:ext cx="8124480" cy="1592280"/>
+            <a:ext cx="8124120" cy="1591920"/>
           </a:xfrm>
           <a:prstGeom prst="rect">
             <a:avLst/>
@@ -21602,8 +19789,8 @@
         </p:nvSpPr>
         <p:spPr>
           <a:xfrm rot="5400000">
-            <a:off x="3507120" y="-3031200"/>
-            <a:ext cx="1592280" cy="7623360"/>
+            <a:off x="3507480" y="-3031200"/>
+            <a:ext cx="1591920" cy="7623000"/>
           </a:xfrm>
           <a:prstGeom prst="rect">
             <a:avLst/>
@@ -21655,7 +19842,7 @@
         <p:spPr>
           <a:xfrm>
             <a:off x="945360" y="322560"/>
-            <a:ext cx="7514640" cy="990000"/>
+            <a:ext cx="7514280" cy="989640"/>
           </a:xfrm>
           <a:prstGeom prst="rect">
             <a:avLst/>
@@ -21677,7 +19864,7 @@
               <a:buNone/>
             </a:pPr>
             <a:r>
-              <a:rPr b="1" lang="en-US" sz="2200" spc="735" strike="noStrike" cap="all">
+              <a:rPr b="1" lang="en-US" sz="2200" spc="732" strike="noStrike" cap="all">
                 <a:solidFill>
                   <a:srgbClr val="ffffff"/>
                 </a:solidFill>
@@ -21686,10 +19873,7 @@
               </a:rPr>
               <a:t>Connection y = 1 + 0.2*X + E</a:t>
             </a:r>
-            <a:endParaRPr b="0" lang="en-US" sz="2200" spc="-1" strike="noStrike">
-              <a:solidFill>
-                <a:srgbClr val="000000"/>
-              </a:solidFill>
+            <a:endParaRPr b="0" lang="en-GB" sz="2200" spc="-1" strike="noStrike">
               <a:latin typeface="Arial"/>
             </a:endParaRPr>
           </a:p>
@@ -21708,7 +19892,7 @@
         <p:spPr>
           <a:xfrm>
             <a:off x="2883960" y="1800000"/>
-            <a:ext cx="6476040" cy="4869000"/>
+            <a:ext cx="6475680" cy="4868640"/>
           </a:xfrm>
           <a:prstGeom prst="rect">
             <a:avLst/>
@@ -21763,8 +19947,8 @@
         </p:nvSpPr>
         <p:spPr>
           <a:xfrm flipH="1" rot="10800000">
-            <a:off x="0" y="6402960"/>
-            <a:ext cx="12189960" cy="454680"/>
+            <a:off x="360" y="6403320"/>
+            <a:ext cx="12189600" cy="454320"/>
           </a:xfrm>
           <a:prstGeom prst="rect">
             <a:avLst/>
@@ -21782,7 +19966,7 @@
                 </a:srgbClr>
               </a:gs>
             </a:gsLst>
-            <a:lin ang="16800000"/>
+            <a:lin ang="15600000"/>
           </a:gradFill>
           <a:ln>
             <a:noFill/>
@@ -21811,8 +19995,8 @@
         </p:nvSpPr>
         <p:spPr>
           <a:xfrm flipH="1">
-            <a:off x="4036320" y="6400800"/>
-            <a:ext cx="8151120" cy="454680"/>
+            <a:off x="4035600" y="6400800"/>
+            <a:ext cx="8150760" cy="454320"/>
           </a:xfrm>
           <a:prstGeom prst="rect">
             <a:avLst/>
@@ -21828,7 +20012,7 @@
                 <a:srgbClr val="ba7f9f"/>
               </a:gs>
             </a:gsLst>
-            <a:lin ang="14400000"/>
+            <a:lin ang="18000000"/>
           </a:gradFill>
           <a:ln>
             <a:noFill/>
@@ -21858,7 +20042,7 @@
         <p:spPr>
           <a:xfrm>
             <a:off x="0" y="322560"/>
-            <a:ext cx="12189960" cy="6855840"/>
+            <a:ext cx="12189600" cy="6855480"/>
           </a:xfrm>
           <a:prstGeom prst="rect">
             <a:avLst/>
@@ -21894,7 +20078,7 @@
         <p:spPr>
           <a:xfrm>
             <a:off x="0" y="-15840"/>
-            <a:ext cx="12201120" cy="1592280"/>
+            <a:ext cx="12200760" cy="1591920"/>
           </a:xfrm>
           <a:prstGeom prst="rect">
             <a:avLst/>
@@ -21938,7 +20122,7 @@
         <p:spPr>
           <a:xfrm>
             <a:off x="-11160" y="-15840"/>
-            <a:ext cx="8124480" cy="1592280"/>
+            <a:ext cx="8124120" cy="1591920"/>
           </a:xfrm>
           <a:prstGeom prst="rect">
             <a:avLst/>
@@ -21983,8 +20167,8 @@
         </p:nvSpPr>
         <p:spPr>
           <a:xfrm rot="5400000">
-            <a:off x="3507120" y="-3031200"/>
-            <a:ext cx="1592280" cy="7623360"/>
+            <a:off x="3507480" y="-3031200"/>
+            <a:ext cx="1591920" cy="7623000"/>
           </a:xfrm>
           <a:prstGeom prst="rect">
             <a:avLst/>
@@ -22036,7 +20220,7 @@
         <p:spPr>
           <a:xfrm>
             <a:off x="945360" y="322560"/>
-            <a:ext cx="6715440" cy="990000"/>
+            <a:ext cx="6715080" cy="989640"/>
           </a:xfrm>
           <a:prstGeom prst="rect">
             <a:avLst/>
@@ -22058,7 +20242,7 @@
               <a:buNone/>
             </a:pPr>
             <a:r>
-              <a:rPr b="1" lang="en-US" sz="2200" spc="735" strike="noStrike" cap="all">
+              <a:rPr b="1" lang="en-US" sz="2200" spc="732" strike="noStrike" cap="all">
                 <a:solidFill>
                   <a:srgbClr val="ffffff"/>
                 </a:solidFill>
@@ -22067,10 +20251,7 @@
               </a:rPr>
               <a:t>CONNECTION TABLE</a:t>
             </a:r>
-            <a:endParaRPr b="0" lang="en-US" sz="2200" spc="-1" strike="noStrike">
-              <a:solidFill>
-                <a:srgbClr val="000000"/>
-              </a:solidFill>
+            <a:endParaRPr b="0" lang="en-GB" sz="2200" spc="-1" strike="noStrike">
               <a:latin typeface="Arial"/>
             </a:endParaRPr>
           </a:p>
@@ -22089,7 +20270,7 @@
         <p:spPr>
           <a:xfrm>
             <a:off x="2078640" y="1980000"/>
-            <a:ext cx="8096040" cy="3981240"/>
+            <a:ext cx="8095680" cy="3980880"/>
           </a:xfrm>
           <a:prstGeom prst="rect">
             <a:avLst/>
@@ -22142,7 +20323,7 @@
         <p:spPr>
           <a:xfrm>
             <a:off x="547920" y="0"/>
-            <a:ext cx="10972080" cy="1144440"/>
+            <a:ext cx="10971720" cy="1144080"/>
           </a:xfrm>
           <a:prstGeom prst="rect">
             <a:avLst/>
@@ -22173,10 +20354,7 @@
               </a:rPr>
               <a:t>Variance of estimates</a:t>
             </a:r>
-            <a:endParaRPr b="0" lang="en-US" sz="4400" spc="-1" strike="noStrike">
-              <a:solidFill>
-                <a:srgbClr val="000000"/>
-              </a:solidFill>
+            <a:endParaRPr b="0" lang="en-GB" sz="4400" spc="-1" strike="noStrike">
               <a:latin typeface="Arial"/>
             </a:endParaRPr>
           </a:p>
@@ -22195,7 +20373,7 @@
         <p:spPr>
           <a:xfrm>
             <a:off x="0" y="1260000"/>
-            <a:ext cx="6086880" cy="5190840"/>
+            <a:ext cx="6086520" cy="5190480"/>
           </a:xfrm>
           <a:prstGeom prst="rect">
             <a:avLst/>
@@ -22218,7 +20396,7 @@
         <p:spPr>
           <a:xfrm>
             <a:off x="6120000" y="1260000"/>
-            <a:ext cx="5940000" cy="5065560"/>
+            <a:ext cx="5939640" cy="5065200"/>
           </a:xfrm>
           <a:prstGeom prst="rect">
             <a:avLst/>
